--- a/汇报/23.4.28组会 项桂巳雨.pptx
+++ b/汇报/23.4.28组会 项桂巳雨.pptx
@@ -12,15 +12,15 @@
     <p:sldId id="275" r:id="rId3"/>
     <p:sldId id="276" r:id="rId4"/>
     <p:sldId id="286" r:id="rId5"/>
-    <p:sldId id="277" r:id="rId6"/>
-    <p:sldId id="278" r:id="rId7"/>
-    <p:sldId id="279" r:id="rId8"/>
-    <p:sldId id="280" r:id="rId9"/>
-    <p:sldId id="281" r:id="rId10"/>
-    <p:sldId id="282" r:id="rId11"/>
-    <p:sldId id="283" r:id="rId12"/>
-    <p:sldId id="284" r:id="rId13"/>
-    <p:sldId id="285" r:id="rId14"/>
+    <p:sldId id="288" r:id="rId6"/>
+    <p:sldId id="287" r:id="rId7"/>
+    <p:sldId id="289" r:id="rId8"/>
+    <p:sldId id="291" r:id="rId9"/>
+    <p:sldId id="290" r:id="rId10"/>
+    <p:sldId id="292" r:id="rId11"/>
+    <p:sldId id="293" r:id="rId12"/>
+    <p:sldId id="294" r:id="rId13"/>
+    <p:sldId id="295" r:id="rId14"/>
     <p:sldId id="274" r:id="rId15"/>
   </p:sldIdLst>
   <p:sldSz cx="12192000" cy="6858000"/>
@@ -210,7 +210,7 @@
           <a:p>
             <a:fld id="{8B80E7EF-2382-4CA9-B4FE-7EB8554BAEC0}" type="datetimeFigureOut">
               <a:rPr lang="zh-CN" altLang="en-US" smtClean="0"/>
-              <a:t>2023/4/27</a:t>
+              <a:t>2023/4/28</a:t>
             </a:fld>
             <a:endParaRPr lang="zh-CN" altLang="en-US"/>
           </a:p>
@@ -635,7 +635,7 @@
     </p:spTree>
     <p:extLst>
       <p:ext uri="{BB962C8B-B14F-4D97-AF65-F5344CB8AC3E}">
-        <p14:creationId xmlns:p14="http://schemas.microsoft.com/office/powerpoint/2010/main" val="2056873130"/>
+        <p14:creationId xmlns:p14="http://schemas.microsoft.com/office/powerpoint/2010/main" val="247623644"/>
       </p:ext>
     </p:extLst>
   </p:cSld>
@@ -719,7 +719,7 @@
     </p:spTree>
     <p:extLst>
       <p:ext uri="{BB962C8B-B14F-4D97-AF65-F5344CB8AC3E}">
-        <p14:creationId xmlns:p14="http://schemas.microsoft.com/office/powerpoint/2010/main" val="11696168"/>
+        <p14:creationId xmlns:p14="http://schemas.microsoft.com/office/powerpoint/2010/main" val="4137963500"/>
       </p:ext>
     </p:extLst>
   </p:cSld>
@@ -803,7 +803,7 @@
     </p:spTree>
     <p:extLst>
       <p:ext uri="{BB962C8B-B14F-4D97-AF65-F5344CB8AC3E}">
-        <p14:creationId xmlns:p14="http://schemas.microsoft.com/office/powerpoint/2010/main" val="3258677600"/>
+        <p14:creationId xmlns:p14="http://schemas.microsoft.com/office/powerpoint/2010/main" val="1666769132"/>
       </p:ext>
     </p:extLst>
   </p:cSld>
@@ -887,7 +887,7 @@
     </p:spTree>
     <p:extLst>
       <p:ext uri="{BB962C8B-B14F-4D97-AF65-F5344CB8AC3E}">
-        <p14:creationId xmlns:p14="http://schemas.microsoft.com/office/powerpoint/2010/main" val="273142092"/>
+        <p14:creationId xmlns:p14="http://schemas.microsoft.com/office/powerpoint/2010/main" val="4040381264"/>
       </p:ext>
     </p:extLst>
   </p:cSld>
@@ -1223,7 +1223,7 @@
     </p:spTree>
     <p:extLst>
       <p:ext uri="{BB962C8B-B14F-4D97-AF65-F5344CB8AC3E}">
-        <p14:creationId xmlns:p14="http://schemas.microsoft.com/office/powerpoint/2010/main" val="3824867197"/>
+        <p14:creationId xmlns:p14="http://schemas.microsoft.com/office/powerpoint/2010/main" val="2364054440"/>
       </p:ext>
     </p:extLst>
   </p:cSld>
@@ -1307,7 +1307,7 @@
     </p:spTree>
     <p:extLst>
       <p:ext uri="{BB962C8B-B14F-4D97-AF65-F5344CB8AC3E}">
-        <p14:creationId xmlns:p14="http://schemas.microsoft.com/office/powerpoint/2010/main" val="185125023"/>
+        <p14:creationId xmlns:p14="http://schemas.microsoft.com/office/powerpoint/2010/main" val="1170844374"/>
       </p:ext>
     </p:extLst>
   </p:cSld>
@@ -1391,7 +1391,7 @@
     </p:spTree>
     <p:extLst>
       <p:ext uri="{BB962C8B-B14F-4D97-AF65-F5344CB8AC3E}">
-        <p14:creationId xmlns:p14="http://schemas.microsoft.com/office/powerpoint/2010/main" val="1433019580"/>
+        <p14:creationId xmlns:p14="http://schemas.microsoft.com/office/powerpoint/2010/main" val="3583110401"/>
       </p:ext>
     </p:extLst>
   </p:cSld>
@@ -1475,7 +1475,7 @@
     </p:spTree>
     <p:extLst>
       <p:ext uri="{BB962C8B-B14F-4D97-AF65-F5344CB8AC3E}">
-        <p14:creationId xmlns:p14="http://schemas.microsoft.com/office/powerpoint/2010/main" val="2914221175"/>
+        <p14:creationId xmlns:p14="http://schemas.microsoft.com/office/powerpoint/2010/main" val="744458103"/>
       </p:ext>
     </p:extLst>
   </p:cSld>
@@ -1559,7 +1559,7 @@
     </p:spTree>
     <p:extLst>
       <p:ext uri="{BB962C8B-B14F-4D97-AF65-F5344CB8AC3E}">
-        <p14:creationId xmlns:p14="http://schemas.microsoft.com/office/powerpoint/2010/main" val="3330560645"/>
+        <p14:creationId xmlns:p14="http://schemas.microsoft.com/office/powerpoint/2010/main" val="4129567427"/>
       </p:ext>
     </p:extLst>
   </p:cSld>
@@ -1716,7 +1716,7 @@
           <a:p>
             <a:fld id="{C23E1100-D3E0-4B46-A155-C6D716FBFC85}" type="datetimeFigureOut">
               <a:rPr lang="zh-CN" altLang="en-US" smtClean="0"/>
-              <a:t>2023/4/27</a:t>
+              <a:t>2023/4/28</a:t>
             </a:fld>
             <a:endParaRPr lang="zh-CN" altLang="en-US"/>
           </a:p>
@@ -1914,7 +1914,7 @@
           <a:p>
             <a:fld id="{C23E1100-D3E0-4B46-A155-C6D716FBFC85}" type="datetimeFigureOut">
               <a:rPr lang="zh-CN" altLang="en-US" smtClean="0"/>
-              <a:t>2023/4/27</a:t>
+              <a:t>2023/4/28</a:t>
             </a:fld>
             <a:endParaRPr lang="zh-CN" altLang="en-US"/>
           </a:p>
@@ -2122,7 +2122,7 @@
           <a:p>
             <a:fld id="{C23E1100-D3E0-4B46-A155-C6D716FBFC85}" type="datetimeFigureOut">
               <a:rPr lang="zh-CN" altLang="en-US" smtClean="0"/>
-              <a:t>2023/4/27</a:t>
+              <a:t>2023/4/28</a:t>
             </a:fld>
             <a:endParaRPr lang="zh-CN" altLang="en-US"/>
           </a:p>
@@ -2320,7 +2320,7 @@
           <a:p>
             <a:fld id="{C23E1100-D3E0-4B46-A155-C6D716FBFC85}" type="datetimeFigureOut">
               <a:rPr lang="zh-CN" altLang="en-US" smtClean="0"/>
-              <a:t>2023/4/27</a:t>
+              <a:t>2023/4/28</a:t>
             </a:fld>
             <a:endParaRPr lang="zh-CN" altLang="en-US"/>
           </a:p>
@@ -2595,7 +2595,7 @@
           <a:p>
             <a:fld id="{C23E1100-D3E0-4B46-A155-C6D716FBFC85}" type="datetimeFigureOut">
               <a:rPr lang="zh-CN" altLang="en-US" smtClean="0"/>
-              <a:t>2023/4/27</a:t>
+              <a:t>2023/4/28</a:t>
             </a:fld>
             <a:endParaRPr lang="zh-CN" altLang="en-US"/>
           </a:p>
@@ -2860,7 +2860,7 @@
           <a:p>
             <a:fld id="{C23E1100-D3E0-4B46-A155-C6D716FBFC85}" type="datetimeFigureOut">
               <a:rPr lang="zh-CN" altLang="en-US" smtClean="0"/>
-              <a:t>2023/4/27</a:t>
+              <a:t>2023/4/28</a:t>
             </a:fld>
             <a:endParaRPr lang="zh-CN" altLang="en-US"/>
           </a:p>
@@ -3272,7 +3272,7 @@
           <a:p>
             <a:fld id="{C23E1100-D3E0-4B46-A155-C6D716FBFC85}" type="datetimeFigureOut">
               <a:rPr lang="zh-CN" altLang="en-US" smtClean="0"/>
-              <a:t>2023/4/27</a:t>
+              <a:t>2023/4/28</a:t>
             </a:fld>
             <a:endParaRPr lang="zh-CN" altLang="en-US"/>
           </a:p>
@@ -3413,7 +3413,7 @@
           <a:p>
             <a:fld id="{C23E1100-D3E0-4B46-A155-C6D716FBFC85}" type="datetimeFigureOut">
               <a:rPr lang="zh-CN" altLang="en-US" smtClean="0"/>
-              <a:t>2023/4/27</a:t>
+              <a:t>2023/4/28</a:t>
             </a:fld>
             <a:endParaRPr lang="zh-CN" altLang="en-US"/>
           </a:p>
@@ -3526,7 +3526,7 @@
           <a:p>
             <a:fld id="{C23E1100-D3E0-4B46-A155-C6D716FBFC85}" type="datetimeFigureOut">
               <a:rPr lang="zh-CN" altLang="en-US" smtClean="0"/>
-              <a:t>2023/4/27</a:t>
+              <a:t>2023/4/28</a:t>
             </a:fld>
             <a:endParaRPr lang="zh-CN" altLang="en-US"/>
           </a:p>
@@ -3837,7 +3837,7 @@
           <a:p>
             <a:fld id="{C23E1100-D3E0-4B46-A155-C6D716FBFC85}" type="datetimeFigureOut">
               <a:rPr lang="zh-CN" altLang="en-US" smtClean="0"/>
-              <a:t>2023/4/27</a:t>
+              <a:t>2023/4/28</a:t>
             </a:fld>
             <a:endParaRPr lang="zh-CN" altLang="en-US"/>
           </a:p>
@@ -4125,7 +4125,7 @@
           <a:p>
             <a:fld id="{C23E1100-D3E0-4B46-A155-C6D716FBFC85}" type="datetimeFigureOut">
               <a:rPr lang="zh-CN" altLang="en-US" smtClean="0"/>
-              <a:t>2023/4/27</a:t>
+              <a:t>2023/4/28</a:t>
             </a:fld>
             <a:endParaRPr lang="zh-CN" altLang="en-US"/>
           </a:p>
@@ -4366,7 +4366,7 @@
           <a:p>
             <a:fld id="{C23E1100-D3E0-4B46-A155-C6D716FBFC85}" type="datetimeFigureOut">
               <a:rPr lang="zh-CN" altLang="en-US" smtClean="0"/>
-              <a:t>2023/4/27</a:t>
+              <a:t>2023/4/28</a:t>
             </a:fld>
             <a:endParaRPr lang="zh-CN" altLang="en-US"/>
           </a:p>
@@ -4929,7 +4929,7 @@
           <a:lstStyle/>
           <a:p>
             <a:r>
-              <a:rPr lang="it-IT" altLang="zh-CN" sz="1400" dirty="0">
+              <a:rPr lang="en-US" altLang="zh-CN" sz="1400" dirty="0">
                 <a:solidFill>
                   <a:schemeClr val="tx1">
                     <a:lumMod val="50000"/>
@@ -4939,8 +4939,18 @@
                 <a:latin typeface="微软雅黑" panose="020B0503020204020204" pitchFamily="34" charset="-122"/>
                 <a:ea typeface="微软雅黑" panose="020B0503020204020204" pitchFamily="34" charset="-122"/>
               </a:rPr>
-              <a:t>Partial Multi-Label Learning via Credible Label Elicitation</a:t>
-            </a:r>
+              <a:t>Acknowledging the Unknown for Multi-label Learning with Single Positive Labels</a:t>
+            </a:r>
+            <a:endParaRPr lang="it-IT" altLang="zh-CN" sz="1400" dirty="0">
+              <a:solidFill>
+                <a:schemeClr val="tx1">
+                  <a:lumMod val="50000"/>
+                  <a:lumOff val="50000"/>
+                </a:schemeClr>
+              </a:solidFill>
+              <a:latin typeface="微软雅黑" panose="020B0503020204020204" pitchFamily="34" charset="-122"/>
+              <a:ea typeface="微软雅黑" panose="020B0503020204020204" pitchFamily="34" charset="-122"/>
+            </a:endParaRPr>
           </a:p>
         </p:txBody>
       </p:sp>
@@ -4958,7 +4968,7 @@
         </p:nvSpPr>
         <p:spPr>
           <a:xfrm>
-            <a:off x="304410" y="688130"/>
+            <a:off x="324288" y="738851"/>
             <a:ext cx="10956625" cy="523220"/>
           </a:xfrm>
           <a:prstGeom prst="rect">
@@ -4973,11 +4983,11 @@
           <a:lstStyle/>
           <a:p>
             <a:r>
-              <a:rPr lang="it-IT" altLang="zh-CN" sz="2800" b="1" dirty="0">
-                <a:latin typeface="微软雅黑" panose="020B0503020204020204" pitchFamily="34" charset="-122"/>
-                <a:ea typeface="微软雅黑" panose="020B0503020204020204" pitchFamily="34" charset="-122"/>
-              </a:rPr>
-              <a:t>2.2. MAP Reasoning</a:t>
+              <a:rPr lang="en-US" altLang="zh-CN" sz="2800" b="1" dirty="0">
+                <a:latin typeface="微软雅黑" panose="020B0503020204020204" pitchFamily="34" charset="-122"/>
+                <a:ea typeface="微软雅黑" panose="020B0503020204020204" pitchFamily="34" charset="-122"/>
+              </a:rPr>
+              <a:t>EM Loss</a:t>
             </a:r>
             <a:endParaRPr lang="it-IT" altLang="zh-CN" sz="2000" dirty="0">
               <a:latin typeface="微软雅黑" panose="020B0503020204020204" pitchFamily="34" charset="-122"/>
@@ -4986,12 +4996,195 @@
           </a:p>
         </p:txBody>
       </p:sp>
+      <p:sp>
+        <p:nvSpPr>
+          <p:cNvPr id="11" name="文本框 10">
+            <a:extLst>
+              <a:ext uri="{FF2B5EF4-FFF2-40B4-BE49-F238E27FC236}">
+                <a16:creationId xmlns:a16="http://schemas.microsoft.com/office/drawing/2014/main" id="{7FAC079A-47D0-4E44-B566-F8DBCC94307B}"/>
+              </a:ext>
+            </a:extLst>
+          </p:cNvPr>
+          <p:cNvSpPr txBox="1"/>
+          <p:nvPr/>
+        </p:nvSpPr>
+        <p:spPr>
+          <a:xfrm>
+            <a:off x="645553" y="1308098"/>
+            <a:ext cx="9966637" cy="2951898"/>
+          </a:xfrm>
+          <a:prstGeom prst="rect">
+            <a:avLst/>
+          </a:prstGeom>
+          <a:noFill/>
+        </p:spPr>
+        <p:txBody>
+          <a:bodyPr wrap="square">
+            <a:spAutoFit/>
+          </a:bodyPr>
+          <a:lstStyle/>
+          <a:p>
+            <a:pPr marL="342900" indent="-342900">
+              <a:lnSpc>
+                <a:spcPct val="150000"/>
+              </a:lnSpc>
+              <a:buFont typeface="+mj-lt"/>
+              <a:buAutoNum type="arabicPeriod" startAt="2"/>
+            </a:pPr>
+            <a:r>
+              <a:rPr lang="zh-CN" altLang="en-US" sz="1800" dirty="0">
+                <a:latin typeface="微软雅黑" panose="020B0503020204020204" pitchFamily="34" charset="-122"/>
+                <a:ea typeface="微软雅黑" panose="020B0503020204020204" pitchFamily="34" charset="-122"/>
+              </a:rPr>
+              <a:t>减轻标签噪声的影响</a:t>
+            </a:r>
+            <a:r>
+              <a:rPr lang="zh-CN" altLang="en-US" dirty="0">
+                <a:latin typeface="微软雅黑" panose="020B0503020204020204" pitchFamily="34" charset="-122"/>
+                <a:ea typeface="微软雅黑" panose="020B0503020204020204" pitchFamily="34" charset="-122"/>
+              </a:rPr>
+              <a:t>：</a:t>
+            </a:r>
+            <a:r>
+              <a:rPr lang="en-US" altLang="zh-CN" sz="1800" dirty="0">
+                <a:latin typeface="微软雅黑" panose="020B0503020204020204" pitchFamily="34" charset="-122"/>
+                <a:ea typeface="微软雅黑" panose="020B0503020204020204" pitchFamily="34" charset="-122"/>
+              </a:rPr>
+              <a:t>EM</a:t>
+            </a:r>
+            <a:r>
+              <a:rPr lang="zh-CN" altLang="en-US" sz="1800" dirty="0">
+                <a:latin typeface="微软雅黑" panose="020B0503020204020204" pitchFamily="34" charset="-122"/>
+                <a:ea typeface="微软雅黑" panose="020B0503020204020204" pitchFamily="34" charset="-122"/>
+              </a:rPr>
+              <a:t>损失没有将正标签错误地视为负标签，避免了模型产生错误的负预测。虽然没有标注的正标签仍然存在，但由于特殊的梯度机制，经过</a:t>
+            </a:r>
+            <a:r>
+              <a:rPr lang="en-US" altLang="zh-CN" sz="1800" dirty="0">
+                <a:latin typeface="微软雅黑" panose="020B0503020204020204" pitchFamily="34" charset="-122"/>
+                <a:ea typeface="微软雅黑" panose="020B0503020204020204" pitchFamily="34" charset="-122"/>
+              </a:rPr>
+              <a:t>EM</a:t>
+            </a:r>
+            <a:r>
+              <a:rPr lang="zh-CN" altLang="en-US" sz="1800" dirty="0">
+                <a:latin typeface="微软雅黑" panose="020B0503020204020204" pitchFamily="34" charset="-122"/>
+                <a:ea typeface="微软雅黑" panose="020B0503020204020204" pitchFamily="34" charset="-122"/>
+              </a:rPr>
+              <a:t>损失训练的模型将主要集中在标注的正标签上。</a:t>
+            </a:r>
+            <a:endParaRPr lang="en-US" altLang="zh-CN" sz="1800" dirty="0">
+              <a:latin typeface="微软雅黑" panose="020B0503020204020204" pitchFamily="34" charset="-122"/>
+              <a:ea typeface="微软雅黑" panose="020B0503020204020204" pitchFamily="34" charset="-122"/>
+            </a:endParaRPr>
+          </a:p>
+          <a:p>
+            <a:pPr marL="342900" indent="-342900">
+              <a:lnSpc>
+                <a:spcPct val="150000"/>
+              </a:lnSpc>
+              <a:buFont typeface="+mj-lt"/>
+              <a:buAutoNum type="arabicPeriod" startAt="2"/>
+            </a:pPr>
+            <a:endParaRPr lang="en-US" altLang="zh-CN" dirty="0">
+              <a:latin typeface="微软雅黑" panose="020B0503020204020204" pitchFamily="34" charset="-122"/>
+              <a:ea typeface="微软雅黑" panose="020B0503020204020204" pitchFamily="34" charset="-122"/>
+            </a:endParaRPr>
+          </a:p>
+          <a:p>
+            <a:pPr marL="342900" indent="-342900">
+              <a:lnSpc>
+                <a:spcPct val="150000"/>
+              </a:lnSpc>
+              <a:buFont typeface="+mj-lt"/>
+              <a:buAutoNum type="arabicPeriod" startAt="2"/>
+            </a:pPr>
+            <a:r>
+              <a:rPr lang="zh-CN" altLang="en-US" dirty="0">
+                <a:latin typeface="微软雅黑" panose="020B0503020204020204" pitchFamily="34" charset="-122"/>
+                <a:ea typeface="微软雅黑" panose="020B0503020204020204" pitchFamily="34" charset="-122"/>
+              </a:rPr>
+              <a:t>保持置信度高的正预测：在优先从带注释的正标签中学习之后，该模型更有可能输出对潜在正标签有信心的正预测。当 </a:t>
+            </a:r>
+            <a:r>
+              <a:rPr lang="en-US" altLang="zh-CN" dirty="0">
+                <a:latin typeface="微软雅黑" panose="020B0503020204020204" pitchFamily="34" charset="-122"/>
+                <a:ea typeface="微软雅黑" panose="020B0503020204020204" pitchFamily="34" charset="-122"/>
+              </a:rPr>
+              <a:t>logit</a:t>
+            </a:r>
+            <a:r>
+              <a:rPr lang="zh-CN" altLang="en-US" dirty="0">
+                <a:latin typeface="微软雅黑" panose="020B0503020204020204" pitchFamily="34" charset="-122"/>
+                <a:ea typeface="微软雅黑" panose="020B0503020204020204" pitchFamily="34" charset="-122"/>
+              </a:rPr>
+              <a:t>值</a:t>
+            </a:r>
+            <a:r>
+              <a:rPr lang="en-US" altLang="zh-CN" dirty="0">
+                <a:latin typeface="微软雅黑" panose="020B0503020204020204" pitchFamily="34" charset="-122"/>
+                <a:ea typeface="微软雅黑" panose="020B0503020204020204" pitchFamily="34" charset="-122"/>
+              </a:rPr>
+              <a:t> </a:t>
+            </a:r>
+            <a:r>
+              <a:rPr lang="zh-CN" altLang="en-US" dirty="0">
+                <a:latin typeface="微软雅黑" panose="020B0503020204020204" pitchFamily="34" charset="-122"/>
+                <a:ea typeface="微软雅黑" panose="020B0503020204020204" pitchFamily="34" charset="-122"/>
+              </a:rPr>
+              <a:t>足够大时，</a:t>
+            </a:r>
+            <a:r>
+              <a:rPr lang="en-US" altLang="zh-CN" dirty="0">
+                <a:latin typeface="微软雅黑" panose="020B0503020204020204" pitchFamily="34" charset="-122"/>
+                <a:ea typeface="微软雅黑" panose="020B0503020204020204" pitchFamily="34" charset="-122"/>
+              </a:rPr>
+              <a:t>     </a:t>
+            </a:r>
+            <a:r>
+              <a:rPr lang="zh-CN" altLang="en-US" dirty="0">
+                <a:latin typeface="微软雅黑" panose="020B0503020204020204" pitchFamily="34" charset="-122"/>
+                <a:ea typeface="微软雅黑" panose="020B0503020204020204" pitchFamily="34" charset="-122"/>
+              </a:rPr>
+              <a:t>的梯度会随着 </a:t>
+            </a:r>
+            <a:r>
+              <a:rPr lang="en-US" altLang="zh-CN" dirty="0">
+                <a:latin typeface="微软雅黑" panose="020B0503020204020204" pitchFamily="34" charset="-122"/>
+                <a:ea typeface="微软雅黑" panose="020B0503020204020204" pitchFamily="34" charset="-122"/>
+              </a:rPr>
+              <a:t>logit </a:t>
+            </a:r>
+            <a:r>
+              <a:rPr lang="zh-CN" altLang="en-US" dirty="0">
+                <a:latin typeface="微软雅黑" panose="020B0503020204020204" pitchFamily="34" charset="-122"/>
+                <a:ea typeface="微软雅黑" panose="020B0503020204020204" pitchFamily="34" charset="-122"/>
+              </a:rPr>
+              <a:t>变大而下降，甚至接近 </a:t>
+            </a:r>
+            <a:r>
+              <a:rPr lang="en-US" altLang="zh-CN" dirty="0">
+                <a:latin typeface="微软雅黑" panose="020B0503020204020204" pitchFamily="34" charset="-122"/>
+                <a:ea typeface="微软雅黑" panose="020B0503020204020204" pitchFamily="34" charset="-122"/>
+              </a:rPr>
+              <a:t>0</a:t>
+            </a:r>
+            <a:r>
+              <a:rPr lang="zh-CN" altLang="en-US" dirty="0">
+                <a:latin typeface="微软雅黑" panose="020B0503020204020204" pitchFamily="34" charset="-122"/>
+                <a:ea typeface="微软雅黑" panose="020B0503020204020204" pitchFamily="34" charset="-122"/>
+              </a:rPr>
+              <a:t>，这有助于保持这些自信的积极预测。</a:t>
+            </a:r>
+          </a:p>
+        </p:txBody>
+      </p:sp>
       <p:pic>
         <p:nvPicPr>
-          <p:cNvPr id="5" name="图片 4">
-            <a:extLst>
-              <a:ext uri="{FF2B5EF4-FFF2-40B4-BE49-F238E27FC236}">
-                <a16:creationId xmlns:a16="http://schemas.microsoft.com/office/drawing/2014/main" id="{EB4ABB42-7E76-4D46-A59C-FCB223BF3B18}"/>
+          <p:cNvPr id="10" name="图片 9">
+            <a:extLst>
+              <a:ext uri="{FF2B5EF4-FFF2-40B4-BE49-F238E27FC236}">
+                <a16:creationId xmlns:a16="http://schemas.microsoft.com/office/drawing/2014/main" id="{9CA055B4-9230-4951-ACCB-8E4F3F0AA7A7}"/>
               </a:ext>
             </a:extLst>
           </p:cNvPr>
@@ -5000,16 +5193,15 @@
           </p:cNvPicPr>
           <p:nvPr/>
         </p:nvPicPr>
-        <p:blipFill>
+        <p:blipFill rotWithShape="1">
           <a:blip r:embed="rId3"/>
-          <a:stretch>
-            <a:fillRect/>
-          </a:stretch>
+          <a:srcRect l="1" r="7610"/>
+          <a:stretch/>
         </p:blipFill>
         <p:spPr>
           <a:xfrm>
-            <a:off x="7232038" y="3750568"/>
-            <a:ext cx="3619686" cy="1778091"/>
+            <a:off x="5514681" y="3490737"/>
+            <a:ext cx="357892" cy="330217"/>
           </a:xfrm>
           <a:prstGeom prst="rect">
             <a:avLst/>
@@ -5018,10 +5210,10 @@
       </p:pic>
       <p:pic>
         <p:nvPicPr>
-          <p:cNvPr id="7" name="图片 6">
-            <a:extLst>
-              <a:ext uri="{FF2B5EF4-FFF2-40B4-BE49-F238E27FC236}">
-                <a16:creationId xmlns:a16="http://schemas.microsoft.com/office/drawing/2014/main" id="{B20EC5D8-0C3D-4B7B-B64A-B857826F21DB}"/>
+          <p:cNvPr id="12" name="图片 11">
+            <a:extLst>
+              <a:ext uri="{FF2B5EF4-FFF2-40B4-BE49-F238E27FC236}">
+                <a16:creationId xmlns:a16="http://schemas.microsoft.com/office/drawing/2014/main" id="{95500AE6-4EC4-4113-B57D-054CFA3FBD6A}"/>
               </a:ext>
             </a:extLst>
           </p:cNvPr>
@@ -5038,38 +5230,8 @@
         </p:blipFill>
         <p:spPr>
           <a:xfrm>
-            <a:off x="7232038" y="1954289"/>
-            <a:ext cx="3791145" cy="1365320"/>
-          </a:xfrm>
-          <a:prstGeom prst="rect">
-            <a:avLst/>
-          </a:prstGeom>
-        </p:spPr>
-      </p:pic>
-      <p:pic>
-        <p:nvPicPr>
-          <p:cNvPr id="10" name="图片 9">
-            <a:extLst>
-              <a:ext uri="{FF2B5EF4-FFF2-40B4-BE49-F238E27FC236}">
-                <a16:creationId xmlns:a16="http://schemas.microsoft.com/office/drawing/2014/main" id="{C31C9819-59B3-46F8-93DF-8D67E02F45D2}"/>
-              </a:ext>
-            </a:extLst>
-          </p:cNvPr>
-          <p:cNvPicPr>
-            <a:picLocks noChangeAspect="1"/>
-          </p:cNvPicPr>
-          <p:nvPr/>
-        </p:nvPicPr>
-        <p:blipFill>
-          <a:blip r:embed="rId5"/>
-          <a:stretch>
-            <a:fillRect/>
-          </a:stretch>
-        </p:blipFill>
-        <p:spPr>
-          <a:xfrm>
-            <a:off x="736409" y="1520046"/>
-            <a:ext cx="5683542" cy="4178515"/>
+            <a:off x="6420117" y="3820954"/>
+            <a:ext cx="3889421" cy="2920462"/>
           </a:xfrm>
           <a:prstGeom prst="rect">
             <a:avLst/>
@@ -5079,7 +5241,7 @@
     </p:spTree>
     <p:extLst>
       <p:ext uri="{BB962C8B-B14F-4D97-AF65-F5344CB8AC3E}">
-        <p14:creationId xmlns:p14="http://schemas.microsoft.com/office/powerpoint/2010/main" val="1399231489"/>
+        <p14:creationId xmlns:p14="http://schemas.microsoft.com/office/powerpoint/2010/main" val="1915180980"/>
       </p:ext>
     </p:extLst>
   </p:cSld>
@@ -5135,7 +5297,7 @@
           <a:lstStyle/>
           <a:p>
             <a:r>
-              <a:rPr lang="it-IT" altLang="zh-CN" sz="1400" dirty="0">
+              <a:rPr lang="en-US" altLang="zh-CN" sz="1400" dirty="0">
                 <a:solidFill>
                   <a:schemeClr val="tx1">
                     <a:lumMod val="50000"/>
@@ -5145,8 +5307,18 @@
                 <a:latin typeface="微软雅黑" panose="020B0503020204020204" pitchFamily="34" charset="-122"/>
                 <a:ea typeface="微软雅黑" panose="020B0503020204020204" pitchFamily="34" charset="-122"/>
               </a:rPr>
-              <a:t>Partial Multi-Label Learning via Credible Label Elicitation</a:t>
-            </a:r>
+              <a:t>Acknowledging the Unknown for Multi-label Learning with Single Positive Labels</a:t>
+            </a:r>
+            <a:endParaRPr lang="it-IT" altLang="zh-CN" sz="1400" dirty="0">
+              <a:solidFill>
+                <a:schemeClr val="tx1">
+                  <a:lumMod val="50000"/>
+                  <a:lumOff val="50000"/>
+                </a:schemeClr>
+              </a:solidFill>
+              <a:latin typeface="微软雅黑" panose="020B0503020204020204" pitchFamily="34" charset="-122"/>
+              <a:ea typeface="微软雅黑" panose="020B0503020204020204" pitchFamily="34" charset="-122"/>
+            </a:endParaRPr>
           </a:p>
         </p:txBody>
       </p:sp>
@@ -5164,7 +5336,7 @@
         </p:nvSpPr>
         <p:spPr>
           <a:xfrm>
-            <a:off x="304410" y="688130"/>
+            <a:off x="324288" y="738851"/>
             <a:ext cx="10956625" cy="523220"/>
           </a:xfrm>
           <a:prstGeom prst="rect">
@@ -5179,11 +5351,11 @@
           <a:lstStyle/>
           <a:p>
             <a:r>
-              <a:rPr lang="it-IT" altLang="zh-CN" sz="2800" b="1" dirty="0">
-                <a:latin typeface="微软雅黑" panose="020B0503020204020204" pitchFamily="34" charset="-122"/>
-                <a:ea typeface="微软雅黑" panose="020B0503020204020204" pitchFamily="34" charset="-122"/>
-              </a:rPr>
-              <a:t>3. Experiments</a:t>
+              <a:rPr lang="en-US" altLang="zh-CN" sz="2800" b="1" dirty="0">
+                <a:latin typeface="微软雅黑" panose="020B0503020204020204" pitchFamily="34" charset="-122"/>
+                <a:ea typeface="微软雅黑" panose="020B0503020204020204" pitchFamily="34" charset="-122"/>
+              </a:rPr>
+              <a:t>Asymmetric Pseudo-Labeling</a:t>
             </a:r>
             <a:endParaRPr lang="it-IT" altLang="zh-CN" sz="2000" dirty="0">
               <a:latin typeface="微软雅黑" panose="020B0503020204020204" pitchFamily="34" charset="-122"/>
@@ -5194,10 +5366,10 @@
       </p:sp>
       <p:sp>
         <p:nvSpPr>
-          <p:cNvPr id="3" name="文本框 2">
-            <a:extLst>
-              <a:ext uri="{FF2B5EF4-FFF2-40B4-BE49-F238E27FC236}">
-                <a16:creationId xmlns:a16="http://schemas.microsoft.com/office/drawing/2014/main" id="{D27C2914-2ED7-4E76-B897-02DCC6EAB944}"/>
+          <p:cNvPr id="11" name="文本框 10">
+            <a:extLst>
+              <a:ext uri="{FF2B5EF4-FFF2-40B4-BE49-F238E27FC236}">
+                <a16:creationId xmlns:a16="http://schemas.microsoft.com/office/drawing/2014/main" id="{7FAC079A-47D0-4E44-B566-F8DBCC94307B}"/>
               </a:ext>
             </a:extLst>
           </p:cNvPr>
@@ -5206,8 +5378,8 @@
         </p:nvSpPr>
         <p:spPr>
           <a:xfrm>
-            <a:off x="785611" y="1500389"/>
-            <a:ext cx="11223938" cy="369332"/>
+            <a:off x="560860" y="1571718"/>
+            <a:ext cx="10720053" cy="2536400"/>
           </a:xfrm>
           <a:prstGeom prst="rect">
             <a:avLst/>
@@ -5215,92 +5387,146 @@
           <a:noFill/>
         </p:spPr>
         <p:txBody>
-          <a:bodyPr wrap="square" rtlCol="0">
+          <a:bodyPr wrap="square">
             <a:spAutoFit/>
           </a:bodyPr>
           <a:lstStyle/>
           <a:p>
-            <a:r>
-              <a:rPr lang="zh-CN" altLang="en-US" b="0" dirty="0">
-                <a:effectLst/>
-                <a:latin typeface="微软雅黑" panose="020B0503020204020204" pitchFamily="34" charset="-122"/>
-                <a:ea typeface="微软雅黑" panose="020B0503020204020204" pitchFamily="34" charset="-122"/>
-              </a:rPr>
-              <a:t>使用虚拟标签分割和</a:t>
-            </a:r>
-            <a:r>
-              <a:rPr lang="en-US" altLang="zh-CN" b="0" dirty="0">
-                <a:effectLst/>
-                <a:latin typeface="微软雅黑" panose="020B0503020204020204" pitchFamily="34" charset="-122"/>
-                <a:ea typeface="微软雅黑" panose="020B0503020204020204" pitchFamily="34" charset="-122"/>
-              </a:rPr>
-              <a:t>MAP</a:t>
-            </a:r>
-            <a:r>
-              <a:rPr lang="zh-CN" altLang="en-US" b="0" dirty="0">
-                <a:effectLst/>
-                <a:latin typeface="微软雅黑" panose="020B0503020204020204" pitchFamily="34" charset="-122"/>
-                <a:ea typeface="微软雅黑" panose="020B0503020204020204" pitchFamily="34" charset="-122"/>
-              </a:rPr>
-              <a:t>推理实例化的两个</a:t>
-            </a:r>
-            <a:r>
-              <a:rPr lang="en-US" altLang="zh-CN" b="0" dirty="0">
-                <a:effectLst/>
-                <a:latin typeface="微软雅黑" panose="020B0503020204020204" pitchFamily="34" charset="-122"/>
-                <a:ea typeface="微软雅黑" panose="020B0503020204020204" pitchFamily="34" charset="-122"/>
-              </a:rPr>
-              <a:t>PARTICLE</a:t>
-            </a:r>
-            <a:r>
-              <a:rPr lang="zh-CN" altLang="en-US" b="0" dirty="0">
-                <a:effectLst/>
-                <a:latin typeface="微软雅黑" panose="020B0503020204020204" pitchFamily="34" charset="-122"/>
-                <a:ea typeface="微软雅黑" panose="020B0503020204020204" pitchFamily="34" charset="-122"/>
-              </a:rPr>
-              <a:t>变体分别被称为</a:t>
-            </a:r>
-            <a:r>
-              <a:rPr lang="en-US" altLang="zh-CN" b="1" dirty="0">
-                <a:effectLst/>
-                <a:latin typeface="微软雅黑" panose="020B0503020204020204" pitchFamily="34" charset="-122"/>
-                <a:ea typeface="微软雅黑" panose="020B0503020204020204" pitchFamily="34" charset="-122"/>
-              </a:rPr>
-              <a:t>PARTICLE-VLS</a:t>
-            </a:r>
-            <a:r>
-              <a:rPr lang="zh-CN" altLang="en-US" b="0" dirty="0">
-                <a:effectLst/>
-                <a:latin typeface="微软雅黑" panose="020B0503020204020204" pitchFamily="34" charset="-122"/>
-                <a:ea typeface="微软雅黑" panose="020B0503020204020204" pitchFamily="34" charset="-122"/>
-              </a:rPr>
-              <a:t>和</a:t>
-            </a:r>
-            <a:r>
-              <a:rPr lang="en-US" altLang="zh-CN" b="1" dirty="0">
-                <a:effectLst/>
-                <a:latin typeface="微软雅黑" panose="020B0503020204020204" pitchFamily="34" charset="-122"/>
-                <a:ea typeface="微软雅黑" panose="020B0503020204020204" pitchFamily="34" charset="-122"/>
-              </a:rPr>
-              <a:t>PARTICLE-MAP</a:t>
-            </a:r>
-            <a:r>
-              <a:rPr lang="zh-CN" altLang="en-US" b="0" dirty="0">
-                <a:effectLst/>
-                <a:latin typeface="微软雅黑" panose="020B0503020204020204" pitchFamily="34" charset="-122"/>
-                <a:ea typeface="微软雅黑" panose="020B0503020204020204" pitchFamily="34" charset="-122"/>
-              </a:rPr>
-              <a:t>。</a:t>
-            </a:r>
+            <a:pPr>
+              <a:lnSpc>
+                <a:spcPct val="150000"/>
+              </a:lnSpc>
+            </a:pPr>
+            <a:r>
+              <a:rPr lang="zh-CN" altLang="en-US" sz="1800" dirty="0">
+                <a:latin typeface="微软雅黑" panose="020B0503020204020204" pitchFamily="34" charset="-122"/>
+                <a:ea typeface="微软雅黑" panose="020B0503020204020204" pitchFamily="34" charset="-122"/>
+              </a:rPr>
+              <a:t>在 </a:t>
+            </a:r>
+            <a:r>
+              <a:rPr lang="en-US" altLang="zh-CN" sz="1800" dirty="0">
+                <a:latin typeface="微软雅黑" panose="020B0503020204020204" pitchFamily="34" charset="-122"/>
+                <a:ea typeface="微软雅黑" panose="020B0503020204020204" pitchFamily="34" charset="-122"/>
+              </a:rPr>
+              <a:t>SPML </a:t>
+            </a:r>
+            <a:r>
+              <a:rPr lang="zh-CN" altLang="en-US" sz="1800" dirty="0">
+                <a:latin typeface="微软雅黑" panose="020B0503020204020204" pitchFamily="34" charset="-122"/>
+                <a:ea typeface="微软雅黑" panose="020B0503020204020204" pitchFamily="34" charset="-122"/>
+              </a:rPr>
+              <a:t>中，大多数类别上未注释的正负标签的数量非常不平衡。本文提出非对称伪标记</a:t>
+            </a:r>
+            <a:r>
+              <a:rPr lang="en-US" altLang="zh-CN" sz="1800" dirty="0">
+                <a:latin typeface="微软雅黑" panose="020B0503020204020204" pitchFamily="34" charset="-122"/>
+                <a:ea typeface="微软雅黑" panose="020B0503020204020204" pitchFamily="34" charset="-122"/>
+              </a:rPr>
+              <a:t>(APL)</a:t>
+            </a:r>
+            <a:r>
+              <a:rPr lang="zh-CN" altLang="en-US" sz="1800" dirty="0">
+                <a:latin typeface="微软雅黑" panose="020B0503020204020204" pitchFamily="34" charset="-122"/>
+                <a:ea typeface="微软雅黑" panose="020B0503020204020204" pitchFamily="34" charset="-122"/>
+              </a:rPr>
+              <a:t>与</a:t>
+            </a:r>
+            <a:r>
+              <a:rPr lang="en-US" altLang="zh-CN" sz="1800" dirty="0">
+                <a:latin typeface="微软雅黑" panose="020B0503020204020204" pitchFamily="34" charset="-122"/>
+                <a:ea typeface="微软雅黑" panose="020B0503020204020204" pitchFamily="34" charset="-122"/>
+              </a:rPr>
+              <a:t>EM</a:t>
+            </a:r>
+            <a:r>
+              <a:rPr lang="zh-CN" altLang="en-US" sz="1800" dirty="0">
+                <a:latin typeface="微软雅黑" panose="020B0503020204020204" pitchFamily="34" charset="-122"/>
+                <a:ea typeface="微软雅黑" panose="020B0503020204020204" pitchFamily="34" charset="-122"/>
+              </a:rPr>
+              <a:t>损失配合，旨在生成相对充分和准确的伪标签。</a:t>
+            </a:r>
+            <a:endParaRPr lang="en-US" altLang="zh-CN" sz="1800" dirty="0">
+              <a:latin typeface="微软雅黑" panose="020B0503020204020204" pitchFamily="34" charset="-122"/>
+              <a:ea typeface="微软雅黑" panose="020B0503020204020204" pitchFamily="34" charset="-122"/>
+            </a:endParaRPr>
+          </a:p>
+          <a:p>
+            <a:pPr marL="285750" indent="-285750">
+              <a:lnSpc>
+                <a:spcPct val="150000"/>
+              </a:lnSpc>
+              <a:buFont typeface="Arial" panose="020B0604020202020204" pitchFamily="34" charset="0"/>
+              <a:buChar char="•"/>
+            </a:pPr>
+            <a:r>
+              <a:rPr lang="zh-CN" altLang="en-US" sz="1800" dirty="0">
+                <a:latin typeface="微软雅黑" panose="020B0503020204020204" pitchFamily="34" charset="-122"/>
+                <a:ea typeface="微软雅黑" panose="020B0503020204020204" pitchFamily="34" charset="-122"/>
+              </a:rPr>
+              <a:t>对于负伪标签，采用高样本比例 </a:t>
+            </a:r>
+            <a:r>
+              <a:rPr lang="en-US" altLang="zh-CN" sz="1800" dirty="0">
+                <a:latin typeface="微软雅黑" panose="020B0503020204020204" pitchFamily="34" charset="-122"/>
+                <a:ea typeface="微软雅黑" panose="020B0503020204020204" pitchFamily="34" charset="-122"/>
+              </a:rPr>
+              <a:t>θ% = 90% </a:t>
+            </a:r>
+            <a:r>
+              <a:rPr lang="zh-CN" altLang="en-US" sz="1800" dirty="0">
+                <a:latin typeface="微软雅黑" panose="020B0503020204020204" pitchFamily="34" charset="-122"/>
+                <a:ea typeface="微软雅黑" panose="020B0503020204020204" pitchFamily="34" charset="-122"/>
+              </a:rPr>
+              <a:t>的高容忍策略，这意味着在训练期间最多可以选择类别上 </a:t>
+            </a:r>
+            <a:r>
+              <a:rPr lang="en-US" altLang="zh-CN" sz="1800" dirty="0">
+                <a:latin typeface="微软雅黑" panose="020B0503020204020204" pitchFamily="34" charset="-122"/>
+                <a:ea typeface="微软雅黑" panose="020B0503020204020204" pitchFamily="34" charset="-122"/>
+              </a:rPr>
+              <a:t>90% </a:t>
+            </a:r>
+            <a:r>
+              <a:rPr lang="zh-CN" altLang="en-US" sz="1800" dirty="0">
+                <a:latin typeface="微软雅黑" panose="020B0503020204020204" pitchFamily="34" charset="-122"/>
+                <a:ea typeface="微软雅黑" panose="020B0503020204020204" pitchFamily="34" charset="-122"/>
+              </a:rPr>
+              <a:t>的未注释标签作为负伪标签。</a:t>
+            </a:r>
+            <a:endParaRPr lang="en-US" altLang="zh-CN" sz="1800" dirty="0">
+              <a:latin typeface="微软雅黑" panose="020B0503020204020204" pitchFamily="34" charset="-122"/>
+              <a:ea typeface="微软雅黑" panose="020B0503020204020204" pitchFamily="34" charset="-122"/>
+            </a:endParaRPr>
+          </a:p>
+          <a:p>
+            <a:pPr marL="285750" indent="-285750">
+              <a:lnSpc>
+                <a:spcPct val="150000"/>
+              </a:lnSpc>
+              <a:buFont typeface="Arial" panose="020B0604020202020204" pitchFamily="34" charset="0"/>
+              <a:buChar char="•"/>
+            </a:pPr>
+            <a:r>
+              <a:rPr lang="zh-CN" altLang="en-US" sz="1800" dirty="0">
+                <a:latin typeface="微软雅黑" panose="020B0503020204020204" pitchFamily="34" charset="-122"/>
+                <a:ea typeface="微软雅黑" panose="020B0503020204020204" pitchFamily="34" charset="-122"/>
+              </a:rPr>
+              <a:t>对于正伪标签，直接忽略它们以避免引入任何显着降低性能的噪声正伪标签，这可以看作是一种极端的低容忍策略。</a:t>
+            </a:r>
+            <a:endParaRPr lang="zh-CN" altLang="en-US" dirty="0">
+              <a:latin typeface="微软雅黑" panose="020B0503020204020204" pitchFamily="34" charset="-122"/>
+              <a:ea typeface="微软雅黑" panose="020B0503020204020204" pitchFamily="34" charset="-122"/>
+            </a:endParaRPr>
           </a:p>
         </p:txBody>
       </p:sp>
       <p:pic>
         <p:nvPicPr>
-          <p:cNvPr id="8" name="图片 7">
-            <a:extLst>
-              <a:ext uri="{FF2B5EF4-FFF2-40B4-BE49-F238E27FC236}">
-                <a16:creationId xmlns:a16="http://schemas.microsoft.com/office/drawing/2014/main" id="{DDBCE322-2322-4F42-927D-B71C062AE495}"/>
+          <p:cNvPr id="5" name="图片 4">
+            <a:extLst>
+              <a:ext uri="{FF2B5EF4-FFF2-40B4-BE49-F238E27FC236}">
+                <a16:creationId xmlns:a16="http://schemas.microsoft.com/office/drawing/2014/main" id="{703F16FF-6BE9-4635-BD34-D61B5A9C5B88}"/>
               </a:ext>
             </a:extLst>
           </p:cNvPr>
@@ -5317,8 +5543,8 @@
         </p:blipFill>
         <p:spPr>
           <a:xfrm>
-            <a:off x="1707924" y="2082276"/>
-            <a:ext cx="8776151" cy="4508732"/>
+            <a:off x="4411451" y="4101183"/>
+            <a:ext cx="3369098" cy="2739791"/>
           </a:xfrm>
           <a:prstGeom prst="rect">
             <a:avLst/>
@@ -5328,7 +5554,7 @@
     </p:spTree>
     <p:extLst>
       <p:ext uri="{BB962C8B-B14F-4D97-AF65-F5344CB8AC3E}">
-        <p14:creationId xmlns:p14="http://schemas.microsoft.com/office/powerpoint/2010/main" val="2052290023"/>
+        <p14:creationId xmlns:p14="http://schemas.microsoft.com/office/powerpoint/2010/main" val="755690900"/>
       </p:ext>
     </p:extLst>
   </p:cSld>
@@ -5384,7 +5610,7 @@
           <a:lstStyle/>
           <a:p>
             <a:r>
-              <a:rPr lang="it-IT" altLang="zh-CN" sz="1400" dirty="0">
+              <a:rPr lang="en-US" altLang="zh-CN" sz="1400" dirty="0">
                 <a:solidFill>
                   <a:schemeClr val="tx1">
                     <a:lumMod val="50000"/>
@@ -5394,8 +5620,18 @@
                 <a:latin typeface="微软雅黑" panose="020B0503020204020204" pitchFamily="34" charset="-122"/>
                 <a:ea typeface="微软雅黑" panose="020B0503020204020204" pitchFamily="34" charset="-122"/>
               </a:rPr>
-              <a:t>Partial Multi-Label Learning via Credible Label Elicitation</a:t>
-            </a:r>
+              <a:t>Acknowledging the Unknown for Multi-label Learning with Single Positive Labels</a:t>
+            </a:r>
+            <a:endParaRPr lang="it-IT" altLang="zh-CN" sz="1400" dirty="0">
+              <a:solidFill>
+                <a:schemeClr val="tx1">
+                  <a:lumMod val="50000"/>
+                  <a:lumOff val="50000"/>
+                </a:schemeClr>
+              </a:solidFill>
+              <a:latin typeface="微软雅黑" panose="020B0503020204020204" pitchFamily="34" charset="-122"/>
+              <a:ea typeface="微软雅黑" panose="020B0503020204020204" pitchFamily="34" charset="-122"/>
+            </a:endParaRPr>
           </a:p>
         </p:txBody>
       </p:sp>
@@ -5413,7 +5649,7 @@
         </p:nvSpPr>
         <p:spPr>
           <a:xfrm>
-            <a:off x="304410" y="688130"/>
+            <a:off x="324288" y="738851"/>
             <a:ext cx="10956625" cy="523220"/>
           </a:xfrm>
           <a:prstGeom prst="rect">
@@ -5428,18 +5664,11 @@
           <a:lstStyle/>
           <a:p>
             <a:r>
-              <a:rPr lang="it-IT" altLang="zh-CN" sz="2800" b="1" dirty="0">
-                <a:latin typeface="微软雅黑" panose="020B0503020204020204" pitchFamily="34" charset="-122"/>
-                <a:ea typeface="微软雅黑" panose="020B0503020204020204" pitchFamily="34" charset="-122"/>
-              </a:rPr>
-              <a:t>3. </a:t>
-            </a:r>
-            <a:r>
               <a:rPr lang="en-US" altLang="zh-CN" sz="2800" b="1" dirty="0">
                 <a:latin typeface="微软雅黑" panose="020B0503020204020204" pitchFamily="34" charset="-122"/>
                 <a:ea typeface="微软雅黑" panose="020B0503020204020204" pitchFamily="34" charset="-122"/>
               </a:rPr>
-              <a:t>Experiments</a:t>
+              <a:t>Asymmetric Pseudo-Labeling</a:t>
             </a:r>
             <a:endParaRPr lang="it-IT" altLang="zh-CN" sz="2000" dirty="0">
               <a:latin typeface="微软雅黑" panose="020B0503020204020204" pitchFamily="34" charset="-122"/>
@@ -5448,12 +5677,477 @@
           </a:p>
         </p:txBody>
       </p:sp>
+      <mc:AlternateContent xmlns:mc="http://schemas.openxmlformats.org/markup-compatibility/2006" xmlns:a14="http://schemas.microsoft.com/office/drawing/2010/main">
+        <mc:Choice Requires="a14">
+          <p:sp>
+            <p:nvSpPr>
+              <p:cNvPr id="11" name="文本框 10">
+                <a:extLst>
+                  <a:ext uri="{FF2B5EF4-FFF2-40B4-BE49-F238E27FC236}">
+                    <a16:creationId xmlns:a16="http://schemas.microsoft.com/office/drawing/2014/main" id="{7FAC079A-47D0-4E44-B566-F8DBCC94307B}"/>
+                  </a:ext>
+                </a:extLst>
+              </p:cNvPr>
+              <p:cNvSpPr txBox="1"/>
+              <p:nvPr/>
+            </p:nvSpPr>
+            <p:spPr>
+              <a:xfrm>
+                <a:off x="560860" y="1571718"/>
+                <a:ext cx="10720053" cy="1950470"/>
+              </a:xfrm>
+              <a:prstGeom prst="rect">
+                <a:avLst/>
+              </a:prstGeom>
+              <a:noFill/>
+            </p:spPr>
+            <p:txBody>
+              <a:bodyPr wrap="square">
+                <a:spAutoFit/>
+              </a:bodyPr>
+              <a:lstStyle/>
+              <a:p>
+                <a:pPr>
+                  <a:lnSpc>
+                    <a:spcPct val="150000"/>
+                  </a:lnSpc>
+                </a:pPr>
+                <a:r>
+                  <a:rPr lang="en-US" altLang="zh-CN" sz="1800" dirty="0">
+                    <a:latin typeface="微软雅黑" panose="020B0503020204020204" pitchFamily="34" charset="-122"/>
+                    <a:ea typeface="微软雅黑" panose="020B0503020204020204" pitchFamily="34" charset="-122"/>
+                  </a:rPr>
+                  <a:t>APL</a:t>
+                </a:r>
+                <a:r>
+                  <a:rPr lang="zh-CN" altLang="en-US" sz="1800" dirty="0">
+                    <a:latin typeface="微软雅黑" panose="020B0503020204020204" pitchFamily="34" charset="-122"/>
+                    <a:ea typeface="微软雅黑" panose="020B0503020204020204" pitchFamily="34" charset="-122"/>
+                  </a:rPr>
+                  <a:t>不是一次生成所有伪标签，而是逐步生成更自信的伪标签。具体来说，在每个 </a:t>
+                </a:r>
+                <a:r>
+                  <a:rPr lang="en-US" altLang="zh-CN" sz="1800" dirty="0">
+                    <a:latin typeface="微软雅黑" panose="020B0503020204020204" pitchFamily="34" charset="-122"/>
+                    <a:ea typeface="微软雅黑" panose="020B0503020204020204" pitchFamily="34" charset="-122"/>
+                  </a:rPr>
+                  <a:t>epoch </a:t>
+                </a:r>
+                <a:r>
+                  <a:rPr lang="zh-CN" altLang="en-US" sz="1800" dirty="0">
+                    <a:latin typeface="微软雅黑" panose="020B0503020204020204" pitchFamily="34" charset="-122"/>
+                    <a:ea typeface="微软雅黑" panose="020B0503020204020204" pitchFamily="34" charset="-122"/>
+                  </a:rPr>
+                  <a:t>中以样本比例 </a:t>
+                </a:r>
+                <a14:m>
+                  <m:oMath xmlns:m="http://schemas.openxmlformats.org/officeDocument/2006/math">
+                    <m:sSup>
+                      <m:sSupPr>
+                        <m:ctrlPr>
+                          <a:rPr lang="en-US" altLang="zh-CN" sz="1800" i="1" dirty="0" smtClean="0">
+                            <a:latin typeface="Cambria Math" panose="02040503050406030204" pitchFamily="18" charset="0"/>
+                            <a:ea typeface="微软雅黑" panose="020B0503020204020204" pitchFamily="34" charset="-122"/>
+                          </a:rPr>
+                        </m:ctrlPr>
+                      </m:sSupPr>
+                      <m:e>
+                        <m:r>
+                          <a:rPr lang="en-US" altLang="zh-CN" sz="1800" i="1" dirty="0" smtClean="0">
+                            <a:latin typeface="Cambria Math" panose="02040503050406030204" pitchFamily="18" charset="0"/>
+                            <a:ea typeface="微软雅黑" panose="020B0503020204020204" pitchFamily="34" charset="-122"/>
+                          </a:rPr>
+                          <m:t>𝜃</m:t>
+                        </m:r>
+                      </m:e>
+                      <m:sup>
+                        <m:r>
+                          <a:rPr lang="en-US" altLang="zh-CN" sz="1800" i="1" dirty="0" smtClean="0">
+                            <a:latin typeface="Cambria Math" panose="02040503050406030204" pitchFamily="18" charset="0"/>
+                            <a:ea typeface="微软雅黑" panose="020B0503020204020204" pitchFamily="34" charset="-122"/>
+                          </a:rPr>
+                          <m:t>′</m:t>
+                        </m:r>
+                      </m:sup>
+                    </m:sSup>
+                    <m:r>
+                      <a:rPr lang="en-US" altLang="zh-CN" sz="1800" i="1" dirty="0" smtClean="0">
+                        <a:latin typeface="Cambria Math" panose="02040503050406030204" pitchFamily="18" charset="0"/>
+                        <a:ea typeface="微软雅黑" panose="020B0503020204020204" pitchFamily="34" charset="-122"/>
+                      </a:rPr>
+                      <m:t>% = </m:t>
+                    </m:r>
+                    <m:f>
+                      <m:fPr>
+                        <m:ctrlPr>
+                          <a:rPr lang="en-US" altLang="zh-CN" sz="1800" b="0" i="1" dirty="0" smtClean="0">
+                            <a:latin typeface="Cambria Math" panose="02040503050406030204" pitchFamily="18" charset="0"/>
+                            <a:ea typeface="微软雅黑" panose="020B0503020204020204" pitchFamily="34" charset="-122"/>
+                          </a:rPr>
+                        </m:ctrlPr>
+                      </m:fPr>
+                      <m:num>
+                        <m:r>
+                          <a:rPr lang="en-US" altLang="zh-CN" i="1" dirty="0">
+                            <a:latin typeface="Cambria Math" panose="02040503050406030204" pitchFamily="18" charset="0"/>
+                            <a:ea typeface="微软雅黑" panose="020B0503020204020204" pitchFamily="34" charset="-122"/>
+                          </a:rPr>
+                          <m:t>𝜃</m:t>
+                        </m:r>
+                      </m:num>
+                      <m:den>
+                        <m:sSub>
+                          <m:sSubPr>
+                            <m:ctrlPr>
+                              <a:rPr lang="en-US" altLang="zh-CN" sz="1800" b="0" i="1" dirty="0" smtClean="0">
+                                <a:latin typeface="Cambria Math" panose="02040503050406030204" pitchFamily="18" charset="0"/>
+                                <a:ea typeface="微软雅黑" panose="020B0503020204020204" pitchFamily="34" charset="-122"/>
+                              </a:rPr>
+                            </m:ctrlPr>
+                          </m:sSubPr>
+                          <m:e>
+                            <m:r>
+                              <a:rPr lang="en-US" altLang="zh-CN" sz="1800" i="1" dirty="0" smtClean="0">
+                                <a:latin typeface="Cambria Math" panose="02040503050406030204" pitchFamily="18" charset="0"/>
+                                <a:ea typeface="微软雅黑" panose="020B0503020204020204" pitchFamily="34" charset="-122"/>
+                              </a:rPr>
+                              <m:t>𝑇</m:t>
+                            </m:r>
+                          </m:e>
+                          <m:sub>
+                            <m:r>
+                              <a:rPr lang="en-US" altLang="zh-CN" sz="1800" i="1" dirty="0" smtClean="0">
+                                <a:latin typeface="Cambria Math" panose="02040503050406030204" pitchFamily="18" charset="0"/>
+                                <a:ea typeface="微软雅黑" panose="020B0503020204020204" pitchFamily="34" charset="-122"/>
+                              </a:rPr>
+                              <m:t>𝑡</m:t>
+                            </m:r>
+                          </m:sub>
+                        </m:sSub>
+                        <m:r>
+                          <a:rPr lang="en-US" altLang="zh-CN" sz="1800" i="1" dirty="0" smtClean="0">
+                            <a:latin typeface="Cambria Math" panose="02040503050406030204" pitchFamily="18" charset="0"/>
+                            <a:ea typeface="微软雅黑" panose="020B0503020204020204" pitchFamily="34" charset="-122"/>
+                          </a:rPr>
+                          <m:t>−</m:t>
+                        </m:r>
+                        <m:sSub>
+                          <m:sSubPr>
+                            <m:ctrlPr>
+                              <a:rPr lang="en-US" altLang="zh-CN" sz="1800" b="0" i="1" dirty="0" smtClean="0">
+                                <a:latin typeface="Cambria Math" panose="02040503050406030204" pitchFamily="18" charset="0"/>
+                                <a:ea typeface="微软雅黑" panose="020B0503020204020204" pitchFamily="34" charset="-122"/>
+                              </a:rPr>
+                            </m:ctrlPr>
+                          </m:sSubPr>
+                          <m:e>
+                            <m:r>
+                              <a:rPr lang="en-US" altLang="zh-CN" sz="1800" i="1" dirty="0" smtClean="0">
+                                <a:latin typeface="Cambria Math" panose="02040503050406030204" pitchFamily="18" charset="0"/>
+                                <a:ea typeface="微软雅黑" panose="020B0503020204020204" pitchFamily="34" charset="-122"/>
+                              </a:rPr>
+                              <m:t>𝑇</m:t>
+                            </m:r>
+                          </m:e>
+                          <m:sub>
+                            <m:r>
+                              <a:rPr lang="en-US" altLang="zh-CN" sz="1800" i="1" dirty="0" smtClean="0">
+                                <a:latin typeface="Cambria Math" panose="02040503050406030204" pitchFamily="18" charset="0"/>
+                                <a:ea typeface="微软雅黑" panose="020B0503020204020204" pitchFamily="34" charset="-122"/>
+                              </a:rPr>
+                              <m:t>𝑤</m:t>
+                            </m:r>
+                          </m:sub>
+                        </m:sSub>
+                      </m:den>
+                    </m:f>
+                    <m:r>
+                      <a:rPr lang="en-US" altLang="zh-CN" sz="1800" b="0" i="1" dirty="0" smtClean="0">
+                        <a:latin typeface="Cambria Math" panose="02040503050406030204" pitchFamily="18" charset="0"/>
+                        <a:ea typeface="微软雅黑" panose="020B0503020204020204" pitchFamily="34" charset="-122"/>
+                      </a:rPr>
+                      <m:t>%</m:t>
+                    </m:r>
+                    <m:r>
+                      <a:rPr lang="en-US" altLang="zh-CN" sz="1800" i="1" dirty="0" smtClean="0">
+                        <a:latin typeface="Cambria Math" panose="02040503050406030204" pitchFamily="18" charset="0"/>
+                        <a:ea typeface="微软雅黑" panose="020B0503020204020204" pitchFamily="34" charset="-122"/>
+                      </a:rPr>
+                      <m:t> </m:t>
+                    </m:r>
+                  </m:oMath>
+                </a14:m>
+                <a:r>
+                  <a:rPr lang="zh-CN" altLang="en-US" sz="1800" dirty="0">
+                    <a:latin typeface="微软雅黑" panose="020B0503020204020204" pitchFamily="34" charset="-122"/>
+                    <a:ea typeface="微软雅黑" panose="020B0503020204020204" pitchFamily="34" charset="-122"/>
+                  </a:rPr>
+                  <a:t>生成负伪标签，其中 </a:t>
+                </a:r>
+                <a14:m>
+                  <m:oMath xmlns:m="http://schemas.openxmlformats.org/officeDocument/2006/math">
+                    <m:sSub>
+                      <m:sSubPr>
+                        <m:ctrlPr>
+                          <a:rPr lang="en-US" altLang="zh-CN" sz="1800" b="0" i="1" dirty="0" smtClean="0">
+                            <a:latin typeface="Cambria Math" panose="02040503050406030204" pitchFamily="18" charset="0"/>
+                            <a:ea typeface="微软雅黑" panose="020B0503020204020204" pitchFamily="34" charset="-122"/>
+                          </a:rPr>
+                        </m:ctrlPr>
+                      </m:sSubPr>
+                      <m:e>
+                        <m:r>
+                          <a:rPr lang="en-US" altLang="zh-CN" sz="1800" i="1" dirty="0" smtClean="0">
+                            <a:latin typeface="Cambria Math" panose="02040503050406030204" pitchFamily="18" charset="0"/>
+                            <a:ea typeface="微软雅黑" panose="020B0503020204020204" pitchFamily="34" charset="-122"/>
+                          </a:rPr>
+                          <m:t>𝑇</m:t>
+                        </m:r>
+                      </m:e>
+                      <m:sub>
+                        <m:r>
+                          <a:rPr lang="en-US" altLang="zh-CN" sz="1800" i="1" dirty="0" smtClean="0">
+                            <a:latin typeface="Cambria Math" panose="02040503050406030204" pitchFamily="18" charset="0"/>
+                            <a:ea typeface="微软雅黑" panose="020B0503020204020204" pitchFamily="34" charset="-122"/>
+                          </a:rPr>
+                          <m:t>𝑡</m:t>
+                        </m:r>
+                      </m:sub>
+                    </m:sSub>
+                  </m:oMath>
+                </a14:m>
+                <a:r>
+                  <a:rPr lang="en-US" altLang="zh-CN" sz="1800" dirty="0">
+                    <a:latin typeface="微软雅黑" panose="020B0503020204020204" pitchFamily="34" charset="-122"/>
+                    <a:ea typeface="微软雅黑" panose="020B0503020204020204" pitchFamily="34" charset="-122"/>
+                  </a:rPr>
+                  <a:t> </a:t>
+                </a:r>
+                <a:r>
+                  <a:rPr lang="zh-CN" altLang="en-US" sz="1800" dirty="0">
+                    <a:latin typeface="微软雅黑" panose="020B0503020204020204" pitchFamily="34" charset="-122"/>
+                    <a:ea typeface="微软雅黑" panose="020B0503020204020204" pitchFamily="34" charset="-122"/>
+                  </a:rPr>
+                  <a:t>是总训练时期。对于</a:t>
+                </a:r>
+                <a:r>
+                  <a:rPr lang="zh-CN" altLang="en-US" dirty="0">
+                    <a:latin typeface="微软雅黑" panose="020B0503020204020204" pitchFamily="34" charset="-122"/>
+                    <a:ea typeface="微软雅黑" panose="020B0503020204020204" pitchFamily="34" charset="-122"/>
+                  </a:rPr>
+                  <a:t>第</a:t>
+                </a:r>
+                <a:r>
+                  <a:rPr lang="en-US" altLang="zh-CN" sz="1800" dirty="0">
+                    <a:latin typeface="微软雅黑" panose="020B0503020204020204" pitchFamily="34" charset="-122"/>
+                    <a:ea typeface="微软雅黑" panose="020B0503020204020204" pitchFamily="34" charset="-122"/>
+                  </a:rPr>
+                  <a:t>c</a:t>
+                </a:r>
+                <a:r>
+                  <a:rPr lang="zh-CN" altLang="en-US" sz="1800" dirty="0">
+                    <a:latin typeface="微软雅黑" panose="020B0503020204020204" pitchFamily="34" charset="-122"/>
+                    <a:ea typeface="微软雅黑" panose="020B0503020204020204" pitchFamily="34" charset="-122"/>
+                  </a:rPr>
+                  <a:t>类，</a:t>
+                </a:r>
+                <a:r>
+                  <a:rPr lang="en-US" altLang="zh-CN" sz="1800" dirty="0">
+                    <a:latin typeface="微软雅黑" panose="020B0503020204020204" pitchFamily="34" charset="-122"/>
+                    <a:ea typeface="微软雅黑" panose="020B0503020204020204" pitchFamily="34" charset="-122"/>
+                  </a:rPr>
+                  <a:t>APL </a:t>
+                </a:r>
+                <a:r>
+                  <a:rPr lang="zh-CN" altLang="en-US" sz="1800" dirty="0">
+                    <a:latin typeface="微软雅黑" panose="020B0503020204020204" pitchFamily="34" charset="-122"/>
+                    <a:ea typeface="微软雅黑" panose="020B0503020204020204" pitchFamily="34" charset="-122"/>
+                  </a:rPr>
+                  <a:t>首先对预测概率集 </a:t>
+                </a:r>
+                <a:r>
+                  <a:rPr lang="en-US" altLang="zh-CN" sz="1800" dirty="0">
+                    <a:latin typeface="微软雅黑" panose="020B0503020204020204" pitchFamily="34" charset="-122"/>
+                    <a:ea typeface="微软雅黑" panose="020B0503020204020204" pitchFamily="34" charset="-122"/>
+                  </a:rPr>
+                  <a:t>                                             </a:t>
+                </a:r>
+              </a:p>
+              <a:p>
+                <a:pPr>
+                  <a:lnSpc>
+                    <a:spcPct val="150000"/>
+                  </a:lnSpc>
+                </a:pPr>
+                <a:endParaRPr lang="en-US" altLang="zh-CN" dirty="0">
+                  <a:latin typeface="微软雅黑" panose="020B0503020204020204" pitchFamily="34" charset="-122"/>
+                  <a:ea typeface="微软雅黑" panose="020B0503020204020204" pitchFamily="34" charset="-122"/>
+                </a:endParaRPr>
+              </a:p>
+              <a:p>
+                <a:pPr>
+                  <a:lnSpc>
+                    <a:spcPct val="150000"/>
+                  </a:lnSpc>
+                </a:pPr>
+                <a:r>
+                  <a:rPr lang="zh-CN" altLang="en-US" sz="1800" dirty="0">
+                    <a:latin typeface="微软雅黑" panose="020B0503020204020204" pitchFamily="34" charset="-122"/>
+                    <a:ea typeface="微软雅黑" panose="020B0503020204020204" pitchFamily="34" charset="-122"/>
+                  </a:rPr>
+                  <a:t>按升序排列。然后将第 </a:t>
+                </a:r>
+                <a:r>
+                  <a:rPr lang="en-US" altLang="zh-CN" sz="1800" dirty="0">
+                    <a:latin typeface="微软雅黑" panose="020B0503020204020204" pitchFamily="34" charset="-122"/>
+                    <a:ea typeface="微软雅黑" panose="020B0503020204020204" pitchFamily="34" charset="-122"/>
+                  </a:rPr>
+                  <a:t>c </a:t>
+                </a:r>
+                <a:r>
+                  <a:rPr lang="zh-CN" altLang="en-US" sz="1800" dirty="0">
+                    <a:latin typeface="微软雅黑" panose="020B0503020204020204" pitchFamily="34" charset="-122"/>
+                    <a:ea typeface="微软雅黑" panose="020B0503020204020204" pitchFamily="34" charset="-122"/>
+                  </a:rPr>
+                  <a:t>个类别的负伪标签分配给 </a:t>
+                </a:r>
+                <a14:m>
+                  <m:oMath xmlns:m="http://schemas.openxmlformats.org/officeDocument/2006/math">
+                    <m:sSub>
+                      <m:sSubPr>
+                        <m:ctrlPr>
+                          <a:rPr lang="en-US" altLang="zh-CN" sz="1800" b="0" i="1" dirty="0" smtClean="0">
+                            <a:latin typeface="Cambria Math" panose="02040503050406030204" pitchFamily="18" charset="0"/>
+                            <a:ea typeface="微软雅黑" panose="020B0503020204020204" pitchFamily="34" charset="-122"/>
+                          </a:rPr>
+                        </m:ctrlPr>
+                      </m:sSubPr>
+                      <m:e>
+                        <m:r>
+                          <a:rPr lang="en-US" altLang="zh-CN" sz="1800" i="1" dirty="0" smtClean="0">
+                            <a:latin typeface="Cambria Math" panose="02040503050406030204" pitchFamily="18" charset="0"/>
+                            <a:ea typeface="微软雅黑" panose="020B0503020204020204" pitchFamily="34" charset="-122"/>
+                          </a:rPr>
+                          <m:t>𝑈</m:t>
+                        </m:r>
+                      </m:e>
+                      <m:sub>
+                        <m:r>
+                          <a:rPr lang="en-US" altLang="zh-CN" sz="1800" i="1" dirty="0" smtClean="0">
+                            <a:latin typeface="Cambria Math" panose="02040503050406030204" pitchFamily="18" charset="0"/>
+                            <a:ea typeface="微软雅黑" panose="020B0503020204020204" pitchFamily="34" charset="-122"/>
+                          </a:rPr>
+                          <m:t>𝑐</m:t>
+                        </m:r>
+                      </m:sub>
+                    </m:sSub>
+                  </m:oMath>
+                </a14:m>
+                <a:r>
+                  <a:rPr lang="en-US" altLang="zh-CN" sz="1800" dirty="0">
+                    <a:latin typeface="微软雅黑" panose="020B0503020204020204" pitchFamily="34" charset="-122"/>
+                    <a:ea typeface="微软雅黑" panose="020B0503020204020204" pitchFamily="34" charset="-122"/>
+                  </a:rPr>
+                  <a:t> </a:t>
+                </a:r>
+                <a:r>
+                  <a:rPr lang="zh-CN" altLang="en-US" sz="1800" dirty="0">
+                    <a:latin typeface="微软雅黑" panose="020B0503020204020204" pitchFamily="34" charset="-122"/>
+                    <a:ea typeface="微软雅黑" panose="020B0503020204020204" pitchFamily="34" charset="-122"/>
+                  </a:rPr>
+                  <a:t>中 </a:t>
+                </a:r>
+                <a14:m>
+                  <m:oMath xmlns:m="http://schemas.openxmlformats.org/officeDocument/2006/math">
+                    <m:r>
+                      <a:rPr lang="en-US" altLang="zh-CN" sz="1800" i="1" dirty="0" smtClean="0">
+                        <a:latin typeface="Cambria Math" panose="02040503050406030204" pitchFamily="18" charset="0"/>
+                        <a:ea typeface="微软雅黑" panose="020B0503020204020204" pitchFamily="34" charset="-122"/>
+                      </a:rPr>
+                      <m:t>𝜃</m:t>
+                    </m:r>
+                    <m:r>
+                      <a:rPr lang="en-US" altLang="zh-CN" sz="1800" i="1" dirty="0" smtClean="0">
+                        <a:latin typeface="Cambria Math" panose="02040503050406030204" pitchFamily="18" charset="0"/>
+                        <a:ea typeface="微软雅黑" panose="020B0503020204020204" pitchFamily="34" charset="-122"/>
+                      </a:rPr>
+                      <m:t>′%</m:t>
+                    </m:r>
+                  </m:oMath>
+                </a14:m>
+                <a:r>
+                  <a:rPr lang="en-US" altLang="zh-CN" sz="1800" dirty="0">
+                    <a:latin typeface="微软雅黑" panose="020B0503020204020204" pitchFamily="34" charset="-122"/>
+                    <a:ea typeface="微软雅黑" panose="020B0503020204020204" pitchFamily="34" charset="-122"/>
+                  </a:rPr>
+                  <a:t> </a:t>
+                </a:r>
+                <a:r>
+                  <a:rPr lang="zh-CN" altLang="en-US" sz="1800" dirty="0">
+                    <a:latin typeface="微软雅黑" panose="020B0503020204020204" pitchFamily="34" charset="-122"/>
+                    <a:ea typeface="微软雅黑" panose="020B0503020204020204" pitchFamily="34" charset="-122"/>
+                  </a:rPr>
+                  <a:t>最低预测概率的图像。</a:t>
+                </a:r>
+                <a:endParaRPr lang="zh-CN" altLang="en-US" dirty="0">
+                  <a:latin typeface="微软雅黑" panose="020B0503020204020204" pitchFamily="34" charset="-122"/>
+                  <a:ea typeface="微软雅黑" panose="020B0503020204020204" pitchFamily="34" charset="-122"/>
+                </a:endParaRPr>
+              </a:p>
+            </p:txBody>
+          </p:sp>
+        </mc:Choice>
+        <mc:Fallback xmlns="">
+          <p:sp>
+            <p:nvSpPr>
+              <p:cNvPr id="11" name="文本框 10">
+                <a:extLst>
+                  <a:ext uri="{FF2B5EF4-FFF2-40B4-BE49-F238E27FC236}">
+                    <a16:creationId xmlns:a16="http://schemas.microsoft.com/office/drawing/2014/main" id="{7FAC079A-47D0-4E44-B566-F8DBCC94307B}"/>
+                  </a:ext>
+                </a:extLst>
+              </p:cNvPr>
+              <p:cNvSpPr txBox="1">
+                <a:spLocks noRot="1" noChangeAspect="1" noMove="1" noResize="1" noEditPoints="1" noAdjustHandles="1" noChangeArrowheads="1" noChangeShapeType="1" noTextEdit="1"/>
+              </p:cNvSpPr>
+              <p:nvPr/>
+            </p:nvSpPr>
+            <p:spPr>
+              <a:xfrm>
+                <a:off x="560860" y="1571718"/>
+                <a:ext cx="10720053" cy="1950470"/>
+              </a:xfrm>
+              <a:prstGeom prst="rect">
+                <a:avLst/>
+              </a:prstGeom>
+              <a:blipFill>
+                <a:blip r:embed="rId3"/>
+                <a:stretch>
+                  <a:fillRect l="-455" b="-4063"/>
+                </a:stretch>
+              </a:blipFill>
+            </p:spPr>
+            <p:txBody>
+              <a:bodyPr/>
+              <a:lstStyle/>
+              <a:p>
+                <a:r>
+                  <a:rPr lang="zh-CN" altLang="en-US">
+                    <a:noFill/>
+                  </a:rPr>
+                  <a:t> </a:t>
+                </a:r>
+              </a:p>
+            </p:txBody>
+          </p:sp>
+        </mc:Fallback>
+      </mc:AlternateContent>
       <p:pic>
         <p:nvPicPr>
-          <p:cNvPr id="11" name="图片 10">
-            <a:extLst>
-              <a:ext uri="{FF2B5EF4-FFF2-40B4-BE49-F238E27FC236}">
-                <a16:creationId xmlns:a16="http://schemas.microsoft.com/office/drawing/2014/main" id="{F4713446-D8CE-4E70-AC5C-200FE395C18A}"/>
+          <p:cNvPr id="6" name="图片 5">
+            <a:extLst>
+              <a:ext uri="{FF2B5EF4-FFF2-40B4-BE49-F238E27FC236}">
+                <a16:creationId xmlns:a16="http://schemas.microsoft.com/office/drawing/2014/main" id="{1F1181C7-345A-4FE1-ADDC-3086D35215B7}"/>
               </a:ext>
             </a:extLst>
           </p:cNvPr>
@@ -5462,15 +6156,76 @@
           </p:cNvPicPr>
           <p:nvPr/>
         </p:nvPicPr>
-        <p:blipFill rotWithShape="1">
-          <a:blip r:embed="rId3"/>
-          <a:srcRect b="4240"/>
-          <a:stretch/>
+        <p:blipFill>
+          <a:blip r:embed="rId4"/>
+          <a:stretch>
+            <a:fillRect/>
+          </a:stretch>
         </p:blipFill>
         <p:spPr>
           <a:xfrm>
-            <a:off x="1865266" y="1427742"/>
-            <a:ext cx="8358438" cy="5131495"/>
+            <a:off x="4185265" y="2668465"/>
+            <a:ext cx="3924502" cy="361969"/>
+          </a:xfrm>
+          <a:prstGeom prst="rect">
+            <a:avLst/>
+          </a:prstGeom>
+        </p:spPr>
+      </p:pic>
+      <p:pic>
+        <p:nvPicPr>
+          <p:cNvPr id="8" name="图片 7">
+            <a:extLst>
+              <a:ext uri="{FF2B5EF4-FFF2-40B4-BE49-F238E27FC236}">
+                <a16:creationId xmlns:a16="http://schemas.microsoft.com/office/drawing/2014/main" id="{BCA72D41-7491-4D3A-837B-98D75491F0BB}"/>
+              </a:ext>
+            </a:extLst>
+          </p:cNvPr>
+          <p:cNvPicPr>
+            <a:picLocks noChangeAspect="1"/>
+          </p:cNvPicPr>
+          <p:nvPr/>
+        </p:nvPicPr>
+        <p:blipFill>
+          <a:blip r:embed="rId5"/>
+          <a:stretch>
+            <a:fillRect/>
+          </a:stretch>
+        </p:blipFill>
+        <p:spPr>
+          <a:xfrm>
+            <a:off x="1962651" y="4907452"/>
+            <a:ext cx="8369730" cy="1327218"/>
+          </a:xfrm>
+          <a:prstGeom prst="rect">
+            <a:avLst/>
+          </a:prstGeom>
+        </p:spPr>
+      </p:pic>
+      <p:pic>
+        <p:nvPicPr>
+          <p:cNvPr id="10" name="图片 9">
+            <a:extLst>
+              <a:ext uri="{FF2B5EF4-FFF2-40B4-BE49-F238E27FC236}">
+                <a16:creationId xmlns:a16="http://schemas.microsoft.com/office/drawing/2014/main" id="{3E0F9DAF-AF26-4968-9A2C-5076042BB489}"/>
+              </a:ext>
+            </a:extLst>
+          </p:cNvPr>
+          <p:cNvPicPr>
+            <a:picLocks noChangeAspect="1"/>
+          </p:cNvPicPr>
+          <p:nvPr/>
+        </p:nvPicPr>
+        <p:blipFill>
+          <a:blip r:embed="rId6"/>
+          <a:stretch>
+            <a:fillRect/>
+          </a:stretch>
+        </p:blipFill>
+        <p:spPr>
+          <a:xfrm>
+            <a:off x="2628755" y="3884603"/>
+            <a:ext cx="7398130" cy="660434"/>
           </a:xfrm>
           <a:prstGeom prst="rect">
             <a:avLst/>
@@ -5480,7 +6235,7 @@
     </p:spTree>
     <p:extLst>
       <p:ext uri="{BB962C8B-B14F-4D97-AF65-F5344CB8AC3E}">
-        <p14:creationId xmlns:p14="http://schemas.microsoft.com/office/powerpoint/2010/main" val="360411445"/>
+        <p14:creationId xmlns:p14="http://schemas.microsoft.com/office/powerpoint/2010/main" val="397607315"/>
       </p:ext>
     </p:extLst>
   </p:cSld>
@@ -5536,7 +6291,7 @@
           <a:lstStyle/>
           <a:p>
             <a:r>
-              <a:rPr lang="it-IT" altLang="zh-CN" sz="1400" dirty="0">
+              <a:rPr lang="en-US" altLang="zh-CN" sz="1400" dirty="0">
                 <a:solidFill>
                   <a:schemeClr val="tx1">
                     <a:lumMod val="50000"/>
@@ -5546,8 +6301,18 @@
                 <a:latin typeface="微软雅黑" panose="020B0503020204020204" pitchFamily="34" charset="-122"/>
                 <a:ea typeface="微软雅黑" panose="020B0503020204020204" pitchFamily="34" charset="-122"/>
               </a:rPr>
-              <a:t>Partial Multi-Label Learning via Credible Label Elicitation</a:t>
-            </a:r>
+              <a:t>Acknowledging the Unknown for Multi-label Learning with Single Positive Labels</a:t>
+            </a:r>
+            <a:endParaRPr lang="it-IT" altLang="zh-CN" sz="1400" dirty="0">
+              <a:solidFill>
+                <a:schemeClr val="tx1">
+                  <a:lumMod val="50000"/>
+                  <a:lumOff val="50000"/>
+                </a:schemeClr>
+              </a:solidFill>
+              <a:latin typeface="微软雅黑" panose="020B0503020204020204" pitchFamily="34" charset="-122"/>
+              <a:ea typeface="微软雅黑" panose="020B0503020204020204" pitchFamily="34" charset="-122"/>
+            </a:endParaRPr>
           </a:p>
         </p:txBody>
       </p:sp>
@@ -5565,7 +6330,7 @@
         </p:nvSpPr>
         <p:spPr>
           <a:xfrm>
-            <a:off x="304410" y="688130"/>
+            <a:off x="324288" y="738851"/>
             <a:ext cx="10956625" cy="523220"/>
           </a:xfrm>
           <a:prstGeom prst="rect">
@@ -5580,18 +6345,11 @@
           <a:lstStyle/>
           <a:p>
             <a:r>
-              <a:rPr lang="it-IT" altLang="zh-CN" sz="2800" b="1" dirty="0">
-                <a:latin typeface="微软雅黑" panose="020B0503020204020204" pitchFamily="34" charset="-122"/>
-                <a:ea typeface="微软雅黑" panose="020B0503020204020204" pitchFamily="34" charset="-122"/>
-              </a:rPr>
-              <a:t>3. </a:t>
-            </a:r>
-            <a:r>
               <a:rPr lang="en-US" altLang="zh-CN" sz="2800" b="1" dirty="0">
                 <a:latin typeface="微软雅黑" panose="020B0503020204020204" pitchFamily="34" charset="-122"/>
                 <a:ea typeface="微软雅黑" panose="020B0503020204020204" pitchFamily="34" charset="-122"/>
               </a:rPr>
-              <a:t>Experiments</a:t>
+              <a:t>Experiment</a:t>
             </a:r>
             <a:endParaRPr lang="it-IT" altLang="zh-CN" sz="2000" dirty="0">
               <a:latin typeface="微软雅黑" panose="020B0503020204020204" pitchFamily="34" charset="-122"/>
@@ -5602,10 +6360,10 @@
       </p:sp>
       <p:pic>
         <p:nvPicPr>
-          <p:cNvPr id="6" name="图片 5">
-            <a:extLst>
-              <a:ext uri="{FF2B5EF4-FFF2-40B4-BE49-F238E27FC236}">
-                <a16:creationId xmlns:a16="http://schemas.microsoft.com/office/drawing/2014/main" id="{367D9527-5733-440E-845F-7F82503E63EB}"/>
+          <p:cNvPr id="5" name="图片 4">
+            <a:extLst>
+              <a:ext uri="{FF2B5EF4-FFF2-40B4-BE49-F238E27FC236}">
+                <a16:creationId xmlns:a16="http://schemas.microsoft.com/office/drawing/2014/main" id="{C705C923-8053-41A0-906E-EC9D489FAFF0}"/>
               </a:ext>
             </a:extLst>
           </p:cNvPr>
@@ -5614,277 +6372,26 @@
           </p:cNvPicPr>
           <p:nvPr/>
         </p:nvPicPr>
-        <p:blipFill rotWithShape="1">
+        <p:blipFill>
           <a:blip r:embed="rId3"/>
-          <a:srcRect r="5660"/>
-          <a:stretch/>
+          <a:stretch>
+            <a:fillRect/>
+          </a:stretch>
         </p:blipFill>
         <p:spPr>
           <a:xfrm>
-            <a:off x="3921617" y="398179"/>
-            <a:ext cx="8219388" cy="6459821"/>
+            <a:off x="1932948" y="1262071"/>
+            <a:ext cx="8725348" cy="5569236"/>
           </a:xfrm>
           <a:prstGeom prst="rect">
             <a:avLst/>
           </a:prstGeom>
         </p:spPr>
       </p:pic>
-      <p:sp>
-        <p:nvSpPr>
-          <p:cNvPr id="7" name="文本框 6">
-            <a:extLst>
-              <a:ext uri="{FF2B5EF4-FFF2-40B4-BE49-F238E27FC236}">
-                <a16:creationId xmlns:a16="http://schemas.microsoft.com/office/drawing/2014/main" id="{5C8C448F-95BF-412D-B037-26CFE8835221}"/>
-              </a:ext>
-            </a:extLst>
-          </p:cNvPr>
-          <p:cNvSpPr txBox="1"/>
-          <p:nvPr/>
-        </p:nvSpPr>
-        <p:spPr>
-          <a:xfrm>
-            <a:off x="304410" y="2099315"/>
-            <a:ext cx="3391827" cy="2308324"/>
-          </a:xfrm>
-          <a:prstGeom prst="rect">
-            <a:avLst/>
-          </a:prstGeom>
-          <a:noFill/>
-        </p:spPr>
-        <p:txBody>
-          <a:bodyPr wrap="square">
-            <a:spAutoFit/>
-          </a:bodyPr>
-          <a:lstStyle/>
-          <a:p>
-            <a:r>
-              <a:rPr lang="zh-CN" altLang="en-US" b="0" i="0" dirty="0">
-                <a:solidFill>
-                  <a:srgbClr val="1D2129"/>
-                </a:solidFill>
-                <a:effectLst/>
-                <a:latin typeface="微软雅黑" panose="020B0503020204020204" pitchFamily="34" charset="-122"/>
-                <a:ea typeface="微软雅黑" panose="020B0503020204020204" pitchFamily="34" charset="-122"/>
-              </a:rPr>
-              <a:t>当</a:t>
-            </a:r>
-            <a:r>
-              <a:rPr lang="en-US" altLang="zh-CN" b="0" i="0" dirty="0" err="1">
-                <a:solidFill>
-                  <a:srgbClr val="1D2129"/>
-                </a:solidFill>
-                <a:effectLst/>
-                <a:latin typeface="微软雅黑" panose="020B0503020204020204" pitchFamily="34" charset="-122"/>
-                <a:ea typeface="微软雅黑" panose="020B0503020204020204" pitchFamily="34" charset="-122"/>
-              </a:rPr>
-              <a:t>thr</a:t>
-            </a:r>
-            <a:r>
-              <a:rPr lang="zh-CN" altLang="en-US" b="0" i="0" dirty="0">
-                <a:solidFill>
-                  <a:srgbClr val="1D2129"/>
-                </a:solidFill>
-                <a:effectLst/>
-                <a:latin typeface="微软雅黑" panose="020B0503020204020204" pitchFamily="34" charset="-122"/>
-                <a:ea typeface="微软雅黑" panose="020B0503020204020204" pitchFamily="34" charset="-122"/>
-              </a:rPr>
-              <a:t>减小到</a:t>
-            </a:r>
-            <a:r>
-              <a:rPr lang="en-US" altLang="zh-CN" b="0" i="0" dirty="0">
-                <a:solidFill>
-                  <a:srgbClr val="1D2129"/>
-                </a:solidFill>
-                <a:effectLst/>
-                <a:latin typeface="微软雅黑" panose="020B0503020204020204" pitchFamily="34" charset="-122"/>
-                <a:ea typeface="微软雅黑" panose="020B0503020204020204" pitchFamily="34" charset="-122"/>
-              </a:rPr>
-              <a:t>0.9</a:t>
-            </a:r>
-            <a:r>
-              <a:rPr lang="zh-CN" altLang="en-US" b="0" i="0" dirty="0">
-                <a:solidFill>
-                  <a:srgbClr val="1D2129"/>
-                </a:solidFill>
-                <a:effectLst/>
-                <a:latin typeface="微软雅黑" panose="020B0503020204020204" pitchFamily="34" charset="-122"/>
-                <a:ea typeface="微软雅黑" panose="020B0503020204020204" pitchFamily="34" charset="-122"/>
-              </a:rPr>
-              <a:t>时，</a:t>
-            </a:r>
-            <a:r>
-              <a:rPr lang="en-US" altLang="zh-CN" b="0" i="0" dirty="0">
-                <a:solidFill>
-                  <a:srgbClr val="1D2129"/>
-                </a:solidFill>
-                <a:effectLst/>
-                <a:latin typeface="微软雅黑" panose="020B0503020204020204" pitchFamily="34" charset="-122"/>
-                <a:ea typeface="微软雅黑" panose="020B0503020204020204" pitchFamily="34" charset="-122"/>
-              </a:rPr>
-              <a:t>P ARTICLE</a:t>
-            </a:r>
-            <a:r>
-              <a:rPr lang="zh-CN" altLang="en-US" b="0" i="0" dirty="0">
-                <a:solidFill>
-                  <a:srgbClr val="1D2129"/>
-                </a:solidFill>
-                <a:effectLst/>
-                <a:latin typeface="微软雅黑" panose="020B0503020204020204" pitchFamily="34" charset="-122"/>
-                <a:ea typeface="微软雅黑" panose="020B0503020204020204" pitchFamily="34" charset="-122"/>
-              </a:rPr>
-              <a:t>的预测性能相对稳定，这也是本文使用的数值。</a:t>
-            </a:r>
-            <a:endParaRPr lang="en-US" altLang="zh-CN" b="0" i="0" dirty="0">
-              <a:solidFill>
-                <a:srgbClr val="1D2129"/>
-              </a:solidFill>
-              <a:effectLst/>
-              <a:latin typeface="微软雅黑" panose="020B0503020204020204" pitchFamily="34" charset="-122"/>
-              <a:ea typeface="微软雅黑" panose="020B0503020204020204" pitchFamily="34" charset="-122"/>
-            </a:endParaRPr>
-          </a:p>
-          <a:p>
-            <a:endParaRPr lang="en-US" altLang="zh-CN" b="0" i="0" dirty="0">
-              <a:solidFill>
-                <a:srgbClr val="1D2129"/>
-              </a:solidFill>
-              <a:effectLst/>
-              <a:latin typeface="微软雅黑" panose="020B0503020204020204" pitchFamily="34" charset="-122"/>
-              <a:ea typeface="微软雅黑" panose="020B0503020204020204" pitchFamily="34" charset="-122"/>
-            </a:endParaRPr>
-          </a:p>
-          <a:p>
-            <a:r>
-              <a:rPr lang="zh-CN" altLang="en-US" b="0" i="0" dirty="0">
-                <a:solidFill>
-                  <a:srgbClr val="1D2129"/>
-                </a:solidFill>
-                <a:effectLst/>
-                <a:latin typeface="微软雅黑" panose="020B0503020204020204" pitchFamily="34" charset="-122"/>
-                <a:ea typeface="微软雅黑" panose="020B0503020204020204" pitchFamily="34" charset="-122"/>
-              </a:rPr>
-              <a:t>此外，如图</a:t>
-            </a:r>
-            <a:r>
-              <a:rPr lang="en-US" altLang="zh-CN" b="0" i="0" dirty="0">
-                <a:solidFill>
-                  <a:srgbClr val="1D2129"/>
-                </a:solidFill>
-                <a:effectLst/>
-                <a:latin typeface="微软雅黑" panose="020B0503020204020204" pitchFamily="34" charset="-122"/>
-                <a:ea typeface="微软雅黑" panose="020B0503020204020204" pitchFamily="34" charset="-122"/>
-              </a:rPr>
-              <a:t>(g)</a:t>
-            </a:r>
-            <a:r>
-              <a:rPr lang="zh-CN" altLang="en-US" b="0" i="0" dirty="0">
-                <a:solidFill>
-                  <a:srgbClr val="1D2129"/>
-                </a:solidFill>
-                <a:effectLst/>
-                <a:latin typeface="微软雅黑" panose="020B0503020204020204" pitchFamily="34" charset="-122"/>
-                <a:ea typeface="微软雅黑" panose="020B0503020204020204" pitchFamily="34" charset="-122"/>
-              </a:rPr>
-              <a:t>、</a:t>
-            </a:r>
-            <a:r>
-              <a:rPr lang="en-US" altLang="zh-CN" b="0" i="0" dirty="0">
-                <a:solidFill>
-                  <a:srgbClr val="1D2129"/>
-                </a:solidFill>
-                <a:effectLst/>
-                <a:latin typeface="微软雅黑" panose="020B0503020204020204" pitchFamily="34" charset="-122"/>
-                <a:ea typeface="微软雅黑" panose="020B0503020204020204" pitchFamily="34" charset="-122"/>
-              </a:rPr>
-              <a:t>(h)</a:t>
-            </a:r>
-            <a:r>
-              <a:rPr lang="zh-CN" altLang="en-US" b="0" i="0" dirty="0">
-                <a:solidFill>
-                  <a:srgbClr val="1D2129"/>
-                </a:solidFill>
-                <a:effectLst/>
-                <a:latin typeface="微软雅黑" panose="020B0503020204020204" pitchFamily="34" charset="-122"/>
-                <a:ea typeface="微软雅黑" panose="020B0503020204020204" pitchFamily="34" charset="-122"/>
-              </a:rPr>
-              <a:t>和</a:t>
-            </a:r>
-            <a:r>
-              <a:rPr lang="en-US" altLang="zh-CN" dirty="0">
-                <a:solidFill>
-                  <a:srgbClr val="1D2129"/>
-                </a:solidFill>
-                <a:latin typeface="微软雅黑" panose="020B0503020204020204" pitchFamily="34" charset="-122"/>
-                <a:ea typeface="微软雅黑" panose="020B0503020204020204" pitchFamily="34" charset="-122"/>
-              </a:rPr>
-              <a:t>(</a:t>
-            </a:r>
-            <a:r>
-              <a:rPr lang="en-US" altLang="zh-CN" b="0" i="0" dirty="0" err="1">
-                <a:solidFill>
-                  <a:srgbClr val="1D2129"/>
-                </a:solidFill>
-                <a:effectLst/>
-                <a:latin typeface="微软雅黑" panose="020B0503020204020204" pitchFamily="34" charset="-122"/>
-                <a:ea typeface="微软雅黑" panose="020B0503020204020204" pitchFamily="34" charset="-122"/>
-              </a:rPr>
-              <a:t>i</a:t>
-            </a:r>
-            <a:r>
-              <a:rPr lang="en-US" altLang="zh-CN" b="0" i="0" dirty="0">
-                <a:solidFill>
-                  <a:srgbClr val="1D2129"/>
-                </a:solidFill>
-                <a:effectLst/>
-                <a:latin typeface="微软雅黑" panose="020B0503020204020204" pitchFamily="34" charset="-122"/>
-                <a:ea typeface="微软雅黑" panose="020B0503020204020204" pitchFamily="34" charset="-122"/>
-              </a:rPr>
-              <a:t>)</a:t>
-            </a:r>
-            <a:r>
-              <a:rPr lang="zh-CN" altLang="en-US" b="0" i="0" dirty="0">
-                <a:solidFill>
-                  <a:srgbClr val="1D2129"/>
-                </a:solidFill>
-                <a:effectLst/>
-                <a:latin typeface="微软雅黑" panose="020B0503020204020204" pitchFamily="34" charset="-122"/>
-                <a:ea typeface="微软雅黑" panose="020B0503020204020204" pitchFamily="34" charset="-122"/>
-              </a:rPr>
-              <a:t>所示，随着</a:t>
-            </a:r>
-            <a:r>
-              <a:rPr lang="en-US" altLang="zh-CN" b="0" i="0" dirty="0" err="1">
-                <a:solidFill>
-                  <a:srgbClr val="1D2129"/>
-                </a:solidFill>
-                <a:effectLst/>
-                <a:latin typeface="微软雅黑" panose="020B0503020204020204" pitchFamily="34" charset="-122"/>
-                <a:ea typeface="微软雅黑" panose="020B0503020204020204" pitchFamily="34" charset="-122"/>
-              </a:rPr>
-              <a:t>thr</a:t>
-            </a:r>
-            <a:r>
-              <a:rPr lang="zh-CN" altLang="en-US" b="0" i="0" dirty="0">
-                <a:solidFill>
-                  <a:srgbClr val="1D2129"/>
-                </a:solidFill>
-                <a:effectLst/>
-                <a:latin typeface="微软雅黑" panose="020B0503020204020204" pitchFamily="34" charset="-122"/>
-                <a:ea typeface="微软雅黑" panose="020B0503020204020204" pitchFamily="34" charset="-122"/>
-              </a:rPr>
-              <a:t>的降低，引出的可信标签的平均大小以线性或次线性的速度增加。</a:t>
-            </a:r>
-            <a:endParaRPr lang="zh-CN" altLang="en-US" dirty="0">
-              <a:latin typeface="微软雅黑" panose="020B0503020204020204" pitchFamily="34" charset="-122"/>
-              <a:ea typeface="微软雅黑" panose="020B0503020204020204" pitchFamily="34" charset="-122"/>
-            </a:endParaRPr>
-          </a:p>
-        </p:txBody>
-      </p:sp>
     </p:spTree>
     <p:extLst>
       <p:ext uri="{BB962C8B-B14F-4D97-AF65-F5344CB8AC3E}">
-        <p14:creationId xmlns:p14="http://schemas.microsoft.com/office/powerpoint/2010/main" val="2346907644"/>
+        <p14:creationId xmlns:p14="http://schemas.microsoft.com/office/powerpoint/2010/main" val="3212538264"/>
       </p:ext>
     </p:extLst>
   </p:cSld>
@@ -6280,8 +6787,8 @@
           <a:chExt cx="0" cy="0"/>
         </a:xfrm>
       </p:grpSpPr>
-      <mc:AlternateContent xmlns:mc="http://schemas.openxmlformats.org/markup-compatibility/2006">
-        <mc:Choice xmlns:a14="http://schemas.microsoft.com/office/drawing/2010/main" Requires="a14">
+      <mc:AlternateContent xmlns:mc="http://schemas.openxmlformats.org/markup-compatibility/2006" xmlns:a14="http://schemas.microsoft.com/office/drawing/2010/main">
+        <mc:Choice Requires="a14">
           <p:sp>
             <p:nvSpPr>
               <p:cNvPr id="13" name="文本框 12">
@@ -6345,7 +6852,7 @@
                       <m:sSubSupPr>
                         <m:ctrlPr>
                           <a:rPr lang="en-US" altLang="zh-CN" b="0" i="1" dirty="0" smtClean="0">
-                            <a:latin typeface="微软雅黑" panose="020B0503020204020204" pitchFamily="34" charset="-122"/>
+                            <a:latin typeface="Cambria Math" panose="02040503050406030204" pitchFamily="18" charset="0"/>
                             <a:ea typeface="微软雅黑" panose="020B0503020204020204" pitchFamily="34" charset="-122"/>
                           </a:rPr>
                         </m:ctrlPr>
@@ -6805,7 +7312,7 @@
             </p:txBody>
           </p:sp>
         </mc:Choice>
-        <mc:Fallback>
+        <mc:Fallback xmlns="">
           <p:sp>
             <p:nvSpPr>
               <p:cNvPr id="13" name="文本框 12">
@@ -7449,8 +7956,490 @@
         </p:blipFill>
         <p:spPr>
           <a:xfrm>
-            <a:off x="3407477" y="4442701"/>
+            <a:off x="3074028" y="5256968"/>
             <a:ext cx="5457143" cy="1542857"/>
+          </a:xfrm>
+          <a:prstGeom prst="rect">
+            <a:avLst/>
+          </a:prstGeom>
+        </p:spPr>
+      </p:pic>
+      <mc:AlternateContent xmlns:mc="http://schemas.openxmlformats.org/markup-compatibility/2006" xmlns:a14="http://schemas.microsoft.com/office/drawing/2010/main">
+        <mc:Choice Requires="a14">
+          <p:sp>
+            <p:nvSpPr>
+              <p:cNvPr id="9" name="文本框 8">
+                <a:extLst>
+                  <a:ext uri="{FF2B5EF4-FFF2-40B4-BE49-F238E27FC236}">
+                    <a16:creationId xmlns:a16="http://schemas.microsoft.com/office/drawing/2014/main" id="{84EDBE19-2F43-4791-B1A9-60542BA06155}"/>
+                  </a:ext>
+                </a:extLst>
+              </p:cNvPr>
+              <p:cNvSpPr txBox="1"/>
+              <p:nvPr/>
+            </p:nvSpPr>
+            <p:spPr>
+              <a:xfrm>
+                <a:off x="1018472" y="3838306"/>
+                <a:ext cx="10235152" cy="1463349"/>
+              </a:xfrm>
+              <a:prstGeom prst="rect">
+                <a:avLst/>
+              </a:prstGeom>
+              <a:noFill/>
+            </p:spPr>
+            <p:txBody>
+              <a:bodyPr wrap="square">
+                <a:spAutoFit/>
+              </a:bodyPr>
+              <a:lstStyle/>
+              <a:p>
+                <a:pPr>
+                  <a:lnSpc>
+                    <a:spcPct val="150000"/>
+                  </a:lnSpc>
+                </a:pPr>
+                <a:r>
+                  <a:rPr lang="zh-CN" altLang="en-US" dirty="0">
+                    <a:latin typeface="微软雅黑" panose="020B0503020204020204" pitchFamily="34" charset="-122"/>
+                    <a:ea typeface="微软雅黑" panose="020B0503020204020204" pitchFamily="34" charset="-122"/>
+                  </a:rPr>
+                  <a:t>对</a:t>
+                </a:r>
+                <a:r>
+                  <a:rPr lang="en-US" altLang="zh-CN" dirty="0">
+                    <a:latin typeface="微软雅黑" panose="020B0503020204020204" pitchFamily="34" charset="-122"/>
+                    <a:ea typeface="微软雅黑" panose="020B0503020204020204" pitchFamily="34" charset="-122"/>
+                  </a:rPr>
+                  <a:t>AN</a:t>
+                </a:r>
+                <a:r>
+                  <a:rPr lang="zh-CN" altLang="en-US" dirty="0">
+                    <a:latin typeface="微软雅黑" panose="020B0503020204020204" pitchFamily="34" charset="-122"/>
+                    <a:ea typeface="微软雅黑" panose="020B0503020204020204" pitchFamily="34" charset="-122"/>
+                  </a:rPr>
+                  <a:t> </a:t>
+                </a:r>
+                <a:r>
+                  <a:rPr lang="en-US" altLang="zh-CN" dirty="0">
+                    <a:latin typeface="微软雅黑" panose="020B0503020204020204" pitchFamily="34" charset="-122"/>
+                    <a:ea typeface="微软雅黑" panose="020B0503020204020204" pitchFamily="34" charset="-122"/>
+                  </a:rPr>
+                  <a:t>Loss</a:t>
+                </a:r>
+                <a:r>
+                  <a:rPr lang="zh-CN" altLang="en-US" dirty="0">
+                    <a:latin typeface="微软雅黑" panose="020B0503020204020204" pitchFamily="34" charset="-122"/>
+                    <a:ea typeface="微软雅黑" panose="020B0503020204020204" pitchFamily="34" charset="-122"/>
+                  </a:rPr>
+                  <a:t>进行了基于梯度的分析，为方便起见，设                表示</a:t>
+                </a:r>
+                <a:r>
+                  <a:rPr lang="en-US" altLang="zh-CN" dirty="0">
+                    <a:latin typeface="微软雅黑" panose="020B0503020204020204" pitchFamily="34" charset="-122"/>
+                    <a:ea typeface="微软雅黑" panose="020B0503020204020204" pitchFamily="34" charset="-122"/>
+                  </a:rPr>
+                  <a:t>        </a:t>
+                </a:r>
+                <a:r>
+                  <a:rPr lang="zh-CN" altLang="en-US" dirty="0">
+                    <a:latin typeface="微软雅黑" panose="020B0503020204020204" pitchFamily="34" charset="-122"/>
+                    <a:ea typeface="微软雅黑" panose="020B0503020204020204" pitchFamily="34" charset="-122"/>
+                  </a:rPr>
+                  <a:t>第</a:t>
+                </a:r>
+                <a:r>
+                  <a:rPr lang="en-US" altLang="zh-CN" dirty="0">
+                    <a:latin typeface="微软雅黑" panose="020B0503020204020204" pitchFamily="34" charset="-122"/>
+                    <a:ea typeface="微软雅黑" panose="020B0503020204020204" pitchFamily="34" charset="-122"/>
+                  </a:rPr>
+                  <a:t>c</a:t>
+                </a:r>
+                <a:r>
+                  <a:rPr lang="zh-CN" altLang="en-US" dirty="0">
+                    <a:latin typeface="微软雅黑" panose="020B0503020204020204" pitchFamily="34" charset="-122"/>
+                    <a:ea typeface="微软雅黑" panose="020B0503020204020204" pitchFamily="34" charset="-122"/>
+                  </a:rPr>
+                  <a:t>类的输出</a:t>
+                </a:r>
+                <a:r>
+                  <a:rPr lang="en-US" altLang="zh-CN" dirty="0">
+                    <a:latin typeface="微软雅黑" panose="020B0503020204020204" pitchFamily="34" charset="-122"/>
+                    <a:ea typeface="微软雅黑" panose="020B0503020204020204" pitchFamily="34" charset="-122"/>
+                  </a:rPr>
+                  <a:t>logit, </a:t>
+                </a:r>
+                <a14:m>
+                  <m:oMath xmlns:m="http://schemas.openxmlformats.org/officeDocument/2006/math">
+                    <m:r>
+                      <a:rPr lang="en-US" altLang="zh-CN" i="1" dirty="0" smtClean="0">
+                        <a:latin typeface="Cambria Math" panose="02040503050406030204" pitchFamily="18" charset="0"/>
+                        <a:ea typeface="微软雅黑" panose="020B0503020204020204" pitchFamily="34" charset="-122"/>
+                      </a:rPr>
+                      <m:t>𝑝</m:t>
+                    </m:r>
+                    <m:r>
+                      <a:rPr lang="en-US" altLang="zh-CN" i="1" dirty="0" smtClean="0">
+                        <a:latin typeface="Cambria Math" panose="02040503050406030204" pitchFamily="18" charset="0"/>
+                        <a:ea typeface="微软雅黑" panose="020B0503020204020204" pitchFamily="34" charset="-122"/>
+                      </a:rPr>
+                      <m:t> =</m:t>
+                    </m:r>
+                    <m:f>
+                      <m:fPr>
+                        <m:ctrlPr>
+                          <a:rPr lang="en-US" altLang="zh-CN" i="1" dirty="0" smtClean="0">
+                            <a:latin typeface="Cambria Math" panose="02040503050406030204" pitchFamily="18" charset="0"/>
+                            <a:ea typeface="微软雅黑" panose="020B0503020204020204" pitchFamily="34" charset="-122"/>
+                          </a:rPr>
+                        </m:ctrlPr>
+                      </m:fPr>
+                      <m:num>
+                        <m:r>
+                          <a:rPr lang="en-US" altLang="zh-CN" i="1" dirty="0" smtClean="0">
+                            <a:latin typeface="Cambria Math" panose="02040503050406030204" pitchFamily="18" charset="0"/>
+                            <a:ea typeface="微软雅黑" panose="020B0503020204020204" pitchFamily="34" charset="-122"/>
+                          </a:rPr>
+                          <m:t>1</m:t>
+                        </m:r>
+                      </m:num>
+                      <m:den>
+                        <m:r>
+                          <a:rPr lang="en-US" altLang="zh-CN" i="1" dirty="0" smtClean="0">
+                            <a:latin typeface="Cambria Math" panose="02040503050406030204" pitchFamily="18" charset="0"/>
+                            <a:ea typeface="微软雅黑" panose="020B0503020204020204" pitchFamily="34" charset="-122"/>
+                          </a:rPr>
+                          <m:t>1 + </m:t>
+                        </m:r>
+                        <m:sSup>
+                          <m:sSupPr>
+                            <m:ctrlPr>
+                              <a:rPr lang="en-US" altLang="zh-CN" b="0" i="1" dirty="0" smtClean="0">
+                                <a:latin typeface="Cambria Math" panose="02040503050406030204" pitchFamily="18" charset="0"/>
+                                <a:ea typeface="微软雅黑" panose="020B0503020204020204" pitchFamily="34" charset="-122"/>
+                              </a:rPr>
+                            </m:ctrlPr>
+                          </m:sSupPr>
+                          <m:e>
+                            <m:r>
+                              <a:rPr lang="en-US" altLang="zh-CN" i="1" dirty="0" smtClean="0">
+                                <a:latin typeface="Cambria Math" panose="02040503050406030204" pitchFamily="18" charset="0"/>
+                                <a:ea typeface="微软雅黑" panose="020B0503020204020204" pitchFamily="34" charset="-122"/>
+                              </a:rPr>
+                              <m:t>𝑒</m:t>
+                            </m:r>
+                          </m:e>
+                          <m:sup>
+                            <m:d>
+                              <m:dPr>
+                                <m:begChr m:val="{"/>
+                                <m:endChr m:val="}"/>
+                                <m:ctrlPr>
+                                  <a:rPr lang="en-US" altLang="zh-CN" b="0" i="1" dirty="0" smtClean="0">
+                                    <a:latin typeface="Cambria Math" panose="02040503050406030204" pitchFamily="18" charset="0"/>
+                                    <a:ea typeface="微软雅黑" panose="020B0503020204020204" pitchFamily="34" charset="-122"/>
+                                  </a:rPr>
+                                </m:ctrlPr>
+                              </m:dPr>
+                              <m:e>
+                                <m:r>
+                                  <a:rPr lang="en-US" altLang="zh-CN" i="1" dirty="0" smtClean="0">
+                                    <a:latin typeface="Cambria Math" panose="02040503050406030204" pitchFamily="18" charset="0"/>
+                                    <a:ea typeface="微软雅黑" panose="020B0503020204020204" pitchFamily="34" charset="-122"/>
+                                  </a:rPr>
+                                  <m:t>−</m:t>
+                                </m:r>
+                                <m:r>
+                                  <a:rPr lang="en-US" altLang="zh-CN" i="1" dirty="0" smtClean="0">
+                                    <a:latin typeface="Cambria Math" panose="02040503050406030204" pitchFamily="18" charset="0"/>
+                                    <a:ea typeface="微软雅黑" panose="020B0503020204020204" pitchFamily="34" charset="-122"/>
+                                  </a:rPr>
+                                  <m:t>𝑔</m:t>
+                                </m:r>
+                              </m:e>
+                            </m:d>
+                          </m:sup>
+                        </m:sSup>
+                      </m:den>
+                    </m:f>
+                  </m:oMath>
+                </a14:m>
+                <a:r>
+                  <a:rPr lang="en-US" altLang="zh-CN" dirty="0">
+                    <a:latin typeface="微软雅黑" panose="020B0503020204020204" pitchFamily="34" charset="-122"/>
+                    <a:ea typeface="微软雅黑" panose="020B0503020204020204" pitchFamily="34" charset="-122"/>
+                  </a:rPr>
+                  <a:t> (</a:t>
+                </a:r>
+                <a:r>
+                  <a:rPr lang="zh-CN" altLang="en-US" dirty="0">
+                    <a:latin typeface="微软雅黑" panose="020B0503020204020204" pitchFamily="34" charset="-122"/>
+                    <a:ea typeface="微软雅黑" panose="020B0503020204020204" pitchFamily="34" charset="-122"/>
+                  </a:rPr>
+                  <a:t>即</a:t>
+                </a:r>
+                <a:r>
+                  <a:rPr lang="en-US" altLang="zh-CN" dirty="0">
+                    <a:latin typeface="微软雅黑" panose="020B0503020204020204" pitchFamily="34" charset="-122"/>
+                    <a:ea typeface="微软雅黑" panose="020B0503020204020204" pitchFamily="34" charset="-122"/>
+                  </a:rPr>
+                  <a:t>sigmoid</a:t>
+                </a:r>
+                <a:r>
+                  <a:rPr lang="zh-CN" altLang="en-US" dirty="0">
+                    <a:latin typeface="微软雅黑" panose="020B0503020204020204" pitchFamily="34" charset="-122"/>
+                    <a:ea typeface="微软雅黑" panose="020B0503020204020204" pitchFamily="34" charset="-122"/>
+                  </a:rPr>
+                  <a:t>函数</a:t>
+                </a:r>
+                <a:r>
+                  <a:rPr lang="en-US" altLang="zh-CN" dirty="0">
+                    <a:latin typeface="微软雅黑" panose="020B0503020204020204" pitchFamily="34" charset="-122"/>
+                    <a:ea typeface="微软雅黑" panose="020B0503020204020204" pitchFamily="34" charset="-122"/>
+                  </a:rPr>
+                  <a:t>) </a:t>
+                </a:r>
+                <a:r>
+                  <a:rPr lang="zh-CN" altLang="en-US" dirty="0">
+                    <a:latin typeface="微软雅黑" panose="020B0503020204020204" pitchFamily="34" charset="-122"/>
+                    <a:ea typeface="微软雅黑" panose="020B0503020204020204" pitchFamily="34" charset="-122"/>
+                  </a:rPr>
+                  <a:t>表示预测概率，      </a:t>
+                </a:r>
+                <a:r>
+                  <a:rPr lang="en-US" altLang="zh-CN" dirty="0">
+                    <a:latin typeface="微软雅黑" panose="020B0503020204020204" pitchFamily="34" charset="-122"/>
+                    <a:ea typeface="微软雅黑" panose="020B0503020204020204" pitchFamily="34" charset="-122"/>
+                  </a:rPr>
+                  <a:t>                                                        </a:t>
+                </a:r>
+                <a:r>
+                  <a:rPr lang="zh-CN" altLang="en-US" dirty="0">
+                    <a:latin typeface="微软雅黑" panose="020B0503020204020204" pitchFamily="34" charset="-122"/>
+                    <a:ea typeface="微软雅黑" panose="020B0503020204020204" pitchFamily="34" charset="-122"/>
+                  </a:rPr>
+                  <a:t>表示带注释的正标签</a:t>
+                </a:r>
+                <a:r>
+                  <a:rPr lang="en-US" altLang="zh-CN" dirty="0">
+                    <a:latin typeface="微软雅黑" panose="020B0503020204020204" pitchFamily="34" charset="-122"/>
+                    <a:ea typeface="微软雅黑" panose="020B0503020204020204" pitchFamily="34" charset="-122"/>
+                  </a:rPr>
+                  <a:t>(</a:t>
+                </a:r>
+                <a:r>
+                  <a:rPr lang="zh-CN" altLang="en-US" dirty="0">
+                    <a:latin typeface="微软雅黑" panose="020B0503020204020204" pitchFamily="34" charset="-122"/>
+                    <a:ea typeface="微软雅黑" panose="020B0503020204020204" pitchFamily="34" charset="-122"/>
+                  </a:rPr>
+                  <a:t>假设的负标签</a:t>
+                </a:r>
+                <a:r>
+                  <a:rPr lang="en-US" altLang="zh-CN" dirty="0">
+                    <a:latin typeface="微软雅黑" panose="020B0503020204020204" pitchFamily="34" charset="-122"/>
+                    <a:ea typeface="微软雅黑" panose="020B0503020204020204" pitchFamily="34" charset="-122"/>
+                  </a:rPr>
+                  <a:t>)</a:t>
+                </a:r>
+                <a:r>
+                  <a:rPr lang="zh-CN" altLang="en-US" dirty="0">
+                    <a:latin typeface="微软雅黑" panose="020B0503020204020204" pitchFamily="34" charset="-122"/>
+                    <a:ea typeface="微软雅黑" panose="020B0503020204020204" pitchFamily="34" charset="-122"/>
+                  </a:rPr>
+                  <a:t>的</a:t>
+                </a:r>
+                <a:r>
+                  <a:rPr lang="en-US" altLang="zh-CN" dirty="0">
+                    <a:latin typeface="微软雅黑" panose="020B0503020204020204" pitchFamily="34" charset="-122"/>
+                    <a:ea typeface="微软雅黑" panose="020B0503020204020204" pitchFamily="34" charset="-122"/>
+                  </a:rPr>
+                  <a:t>AN</a:t>
+                </a:r>
+                <a:r>
+                  <a:rPr lang="zh-CN" altLang="en-US" dirty="0">
+                    <a:latin typeface="微软雅黑" panose="020B0503020204020204" pitchFamily="34" charset="-122"/>
+                    <a:ea typeface="微软雅黑" panose="020B0503020204020204" pitchFamily="34" charset="-122"/>
+                  </a:rPr>
+                  <a:t>损失。对于</a:t>
+                </a:r>
+                <a:r>
+                  <a:rPr lang="en-US" altLang="zh-CN" dirty="0">
+                    <a:latin typeface="微软雅黑" panose="020B0503020204020204" pitchFamily="34" charset="-122"/>
+                    <a:ea typeface="微软雅黑" panose="020B0503020204020204" pitchFamily="34" charset="-122"/>
+                  </a:rPr>
+                  <a:t>logit</a:t>
+                </a:r>
+                <a:r>
+                  <a:rPr lang="zh-CN" altLang="en-US" dirty="0">
+                    <a:latin typeface="微软雅黑" panose="020B0503020204020204" pitchFamily="34" charset="-122"/>
+                    <a:ea typeface="微软雅黑" panose="020B0503020204020204" pitchFamily="34" charset="-122"/>
+                  </a:rPr>
+                  <a:t>值</a:t>
+                </a:r>
+                <a:r>
+                  <a:rPr lang="en-US" altLang="zh-CN" dirty="0">
+                    <a:latin typeface="微软雅黑" panose="020B0503020204020204" pitchFamily="34" charset="-122"/>
+                    <a:ea typeface="微软雅黑" panose="020B0503020204020204" pitchFamily="34" charset="-122"/>
+                  </a:rPr>
+                  <a:t> </a:t>
+                </a:r>
+                <a14:m>
+                  <m:oMath xmlns:m="http://schemas.openxmlformats.org/officeDocument/2006/math">
+                    <m:r>
+                      <a:rPr lang="en-US" altLang="zh-CN" i="1" dirty="0" smtClean="0">
+                        <a:latin typeface="Cambria Math" panose="02040503050406030204" pitchFamily="18" charset="0"/>
+                        <a:ea typeface="微软雅黑" panose="020B0503020204020204" pitchFamily="34" charset="-122"/>
+                      </a:rPr>
+                      <m:t>𝑔</m:t>
+                    </m:r>
+                  </m:oMath>
+                </a14:m>
+                <a:r>
+                  <a:rPr lang="en-US" altLang="zh-CN" dirty="0">
+                    <a:latin typeface="微软雅黑" panose="020B0503020204020204" pitchFamily="34" charset="-122"/>
+                    <a:ea typeface="微软雅黑" panose="020B0503020204020204" pitchFamily="34" charset="-122"/>
+                  </a:rPr>
+                  <a:t>, AN</a:t>
+                </a:r>
+                <a:r>
+                  <a:rPr lang="zh-CN" altLang="en-US" dirty="0">
+                    <a:latin typeface="微软雅黑" panose="020B0503020204020204" pitchFamily="34" charset="-122"/>
+                    <a:ea typeface="微软雅黑" panose="020B0503020204020204" pitchFamily="34" charset="-122"/>
+                  </a:rPr>
+                  <a:t>损失的梯度为：</a:t>
+                </a:r>
+              </a:p>
+            </p:txBody>
+          </p:sp>
+        </mc:Choice>
+        <mc:Fallback xmlns="">
+          <p:sp>
+            <p:nvSpPr>
+              <p:cNvPr id="9" name="文本框 8">
+                <a:extLst>
+                  <a:ext uri="{FF2B5EF4-FFF2-40B4-BE49-F238E27FC236}">
+                    <a16:creationId xmlns:a16="http://schemas.microsoft.com/office/drawing/2014/main" id="{84EDBE19-2F43-4791-B1A9-60542BA06155}"/>
+                  </a:ext>
+                </a:extLst>
+              </p:cNvPr>
+              <p:cNvSpPr txBox="1">
+                <a:spLocks noRot="1" noChangeAspect="1" noMove="1" noResize="1" noEditPoints="1" noAdjustHandles="1" noChangeArrowheads="1" noChangeShapeType="1" noTextEdit="1"/>
+              </p:cNvSpPr>
+              <p:nvPr/>
+            </p:nvSpPr>
+            <p:spPr>
+              <a:xfrm>
+                <a:off x="1018472" y="3838306"/>
+                <a:ext cx="10235152" cy="1463349"/>
+              </a:xfrm>
+              <a:prstGeom prst="rect">
+                <a:avLst/>
+              </a:prstGeom>
+              <a:blipFill>
+                <a:blip r:embed="rId5"/>
+                <a:stretch>
+                  <a:fillRect l="-476" r="-60" b="-5833"/>
+                </a:stretch>
+              </a:blipFill>
+            </p:spPr>
+            <p:txBody>
+              <a:bodyPr/>
+              <a:lstStyle/>
+              <a:p>
+                <a:r>
+                  <a:rPr lang="zh-CN" altLang="en-US">
+                    <a:noFill/>
+                  </a:rPr>
+                  <a:t> </a:t>
+                </a:r>
+              </a:p>
+            </p:txBody>
+          </p:sp>
+        </mc:Fallback>
+      </mc:AlternateContent>
+      <p:pic>
+        <p:nvPicPr>
+          <p:cNvPr id="6" name="图片 5">
+            <a:extLst>
+              <a:ext uri="{FF2B5EF4-FFF2-40B4-BE49-F238E27FC236}">
+                <a16:creationId xmlns:a16="http://schemas.microsoft.com/office/drawing/2014/main" id="{A6D309EF-2B18-44B4-B1C6-01C0FD23AE38}"/>
+              </a:ext>
+            </a:extLst>
+          </p:cNvPr>
+          <p:cNvPicPr>
+            <a:picLocks noChangeAspect="1"/>
+          </p:cNvPicPr>
+          <p:nvPr/>
+        </p:nvPicPr>
+        <p:blipFill>
+          <a:blip r:embed="rId6"/>
+          <a:stretch>
+            <a:fillRect/>
+          </a:stretch>
+        </p:blipFill>
+        <p:spPr>
+          <a:xfrm>
+            <a:off x="6438701" y="3891622"/>
+            <a:ext cx="931840" cy="360207"/>
+          </a:xfrm>
+          <a:prstGeom prst="rect">
+            <a:avLst/>
+          </a:prstGeom>
+        </p:spPr>
+      </p:pic>
+      <p:pic>
+        <p:nvPicPr>
+          <p:cNvPr id="11" name="图片 10">
+            <a:extLst>
+              <a:ext uri="{FF2B5EF4-FFF2-40B4-BE49-F238E27FC236}">
+                <a16:creationId xmlns:a16="http://schemas.microsoft.com/office/drawing/2014/main" id="{13C79FA1-413B-4142-812B-DE8F8880C117}"/>
+              </a:ext>
+            </a:extLst>
+          </p:cNvPr>
+          <p:cNvPicPr>
+            <a:picLocks noChangeAspect="1"/>
+          </p:cNvPicPr>
+          <p:nvPr/>
+        </p:nvPicPr>
+        <p:blipFill>
+          <a:blip r:embed="rId7"/>
+          <a:stretch>
+            <a:fillRect/>
+          </a:stretch>
+        </p:blipFill>
+        <p:spPr>
+          <a:xfrm>
+            <a:off x="7989814" y="3953181"/>
+            <a:ext cx="452008" cy="298648"/>
+          </a:xfrm>
+          <a:prstGeom prst="rect">
+            <a:avLst/>
+          </a:prstGeom>
+        </p:spPr>
+      </p:pic>
+      <p:pic>
+        <p:nvPicPr>
+          <p:cNvPr id="13" name="图片 12">
+            <a:extLst>
+              <a:ext uri="{FF2B5EF4-FFF2-40B4-BE49-F238E27FC236}">
+                <a16:creationId xmlns:a16="http://schemas.microsoft.com/office/drawing/2014/main" id="{350687CD-D950-43C1-AAFF-A1D9D62D4BF7}"/>
+              </a:ext>
+            </a:extLst>
+          </p:cNvPr>
+          <p:cNvPicPr>
+            <a:picLocks noChangeAspect="1"/>
+          </p:cNvPicPr>
+          <p:nvPr/>
+        </p:nvPicPr>
+        <p:blipFill rotWithShape="1">
+          <a:blip r:embed="rId8"/>
+          <a:srcRect t="7487" b="9603"/>
+          <a:stretch/>
+        </p:blipFill>
+        <p:spPr>
+          <a:xfrm>
+            <a:off x="5151575" y="4485862"/>
+            <a:ext cx="4259840" cy="298648"/>
           </a:xfrm>
           <a:prstGeom prst="rect">
             <a:avLst/>
@@ -7555,7 +8544,7 @@
         </p:nvSpPr>
         <p:spPr>
           <a:xfrm>
-            <a:off x="324288" y="936608"/>
+            <a:off x="324288" y="738851"/>
             <a:ext cx="10956625" cy="523220"/>
           </a:xfrm>
           <a:prstGeom prst="rect">
@@ -7570,11 +8559,11 @@
           <a:lstStyle/>
           <a:p>
             <a:r>
-              <a:rPr lang="it-IT" altLang="zh-CN" sz="2800" b="1" dirty="0">
-                <a:latin typeface="微软雅黑" panose="020B0503020204020204" pitchFamily="34" charset="-122"/>
-                <a:ea typeface="微软雅黑" panose="020B0503020204020204" pitchFamily="34" charset="-122"/>
-              </a:rPr>
-              <a:t>1. Credible Label Elicitation</a:t>
+              <a:rPr lang="en-US" altLang="zh-CN" sz="2800" b="1" dirty="0">
+                <a:latin typeface="微软雅黑" panose="020B0503020204020204" pitchFamily="34" charset="-122"/>
+                <a:ea typeface="微软雅黑" panose="020B0503020204020204" pitchFamily="34" charset="-122"/>
+              </a:rPr>
+              <a:t>Loss Function</a:t>
             </a:r>
             <a:endParaRPr lang="it-IT" altLang="zh-CN" sz="2000" dirty="0">
               <a:latin typeface="微软雅黑" panose="020B0503020204020204" pitchFamily="34" charset="-122"/>
@@ -7583,126 +8572,95 @@
           </a:p>
         </p:txBody>
       </p:sp>
-      <p:pic>
-        <p:nvPicPr>
-          <p:cNvPr id="6" name="图片 5">
-            <a:extLst>
-              <a:ext uri="{FF2B5EF4-FFF2-40B4-BE49-F238E27FC236}">
-                <a16:creationId xmlns:a16="http://schemas.microsoft.com/office/drawing/2014/main" id="{C159AF1F-CB66-47F8-9378-7E6A9D49B327}"/>
-              </a:ext>
-            </a:extLst>
-          </p:cNvPr>
-          <p:cNvPicPr>
-            <a:picLocks noChangeAspect="1"/>
-          </p:cNvPicPr>
+      <p:sp>
+        <p:nvSpPr>
+          <p:cNvPr id="3" name="文本框 2">
+            <a:extLst>
+              <a:ext uri="{FF2B5EF4-FFF2-40B4-BE49-F238E27FC236}">
+                <a16:creationId xmlns:a16="http://schemas.microsoft.com/office/drawing/2014/main" id="{7E4CD9D6-FD58-4C9B-8BA6-5F0CD6F0F4E7}"/>
+              </a:ext>
+            </a:extLst>
+          </p:cNvPr>
+          <p:cNvSpPr txBox="1"/>
           <p:nvPr/>
-        </p:nvPicPr>
-        <p:blipFill rotWithShape="1">
-          <a:blip r:embed="rId3">
-            <a:extLst>
-              <a:ext uri="{28A0092B-C50C-407E-A947-70E740481C1C}">
-                <a14:useLocalDpi xmlns:a14="http://schemas.microsoft.com/office/drawing/2010/main" val="0"/>
-              </a:ext>
-            </a:extLst>
-          </a:blip>
-          <a:srcRect t="1139" b="1139"/>
-          <a:stretch/>
-        </p:blipFill>
+        </p:nvSpPr>
         <p:spPr>
           <a:xfrm>
-            <a:off x="418268" y="1878160"/>
-            <a:ext cx="5873202" cy="4574622"/>
+            <a:off x="3407477" y="5985558"/>
+            <a:ext cx="4492185" cy="338554"/>
           </a:xfrm>
           <a:prstGeom prst="rect">
             <a:avLst/>
           </a:prstGeom>
+          <a:noFill/>
         </p:spPr>
-      </p:pic>
-      <p:grpSp>
-        <p:nvGrpSpPr>
-          <p:cNvPr id="11" name="组合 10">
-            <a:extLst>
-              <a:ext uri="{FF2B5EF4-FFF2-40B4-BE49-F238E27FC236}">
-                <a16:creationId xmlns:a16="http://schemas.microsoft.com/office/drawing/2014/main" id="{1F3731CD-57C4-4555-B3F7-70EEBAB2065F}"/>
-              </a:ext>
-            </a:extLst>
-          </p:cNvPr>
-          <p:cNvGrpSpPr/>
+        <p:txBody>
+          <a:bodyPr wrap="square" rtlCol="0">
+            <a:spAutoFit/>
+          </a:bodyPr>
+          <a:lstStyle/>
+          <a:p>
+            <a:endParaRPr lang="en-US" altLang="zh-CN" sz="1600" dirty="0">
+              <a:latin typeface="微软雅黑" panose="020B0503020204020204" pitchFamily="34" charset="-122"/>
+              <a:ea typeface="微软雅黑" panose="020B0503020204020204" pitchFamily="34" charset="-122"/>
+            </a:endParaRPr>
+          </a:p>
+        </p:txBody>
+      </p:sp>
+      <p:sp>
+        <p:nvSpPr>
+          <p:cNvPr id="16" name="文本框 15">
+            <a:extLst>
+              <a:ext uri="{FF2B5EF4-FFF2-40B4-BE49-F238E27FC236}">
+                <a16:creationId xmlns:a16="http://schemas.microsoft.com/office/drawing/2014/main" id="{522AEEB2-2E21-45ED-9A70-C281B4E448DC}"/>
+              </a:ext>
+            </a:extLst>
+          </p:cNvPr>
+          <p:cNvSpPr txBox="1"/>
           <p:nvPr/>
-        </p:nvGrpSpPr>
-        <p:grpSpPr>
+        </p:nvSpPr>
+        <p:spPr>
           <a:xfrm>
-            <a:off x="6381752" y="1371038"/>
-            <a:ext cx="5697315" cy="2794433"/>
-            <a:chOff x="6381752" y="1371038"/>
-            <a:chExt cx="5697315" cy="2794433"/>
+            <a:off x="897904" y="1774704"/>
+            <a:ext cx="10235152" cy="646331"/>
           </a:xfrm>
-        </p:grpSpPr>
-        <p:pic>
-          <p:nvPicPr>
-            <p:cNvPr id="10" name="图片 9">
-              <a:extLst>
-                <a:ext uri="{FF2B5EF4-FFF2-40B4-BE49-F238E27FC236}">
-                  <a16:creationId xmlns:a16="http://schemas.microsoft.com/office/drawing/2014/main" id="{196771DD-F891-4F03-AFCD-8A6F8F951D20}"/>
-                </a:ext>
-              </a:extLst>
-            </p:cNvPr>
-            <p:cNvPicPr>
-              <a:picLocks noChangeAspect="1"/>
-            </p:cNvPicPr>
-            <p:nvPr/>
-          </p:nvPicPr>
-          <p:blipFill rotWithShape="1">
-            <a:blip r:embed="rId4"/>
-            <a:srcRect t="3114"/>
-            <a:stretch/>
-          </p:blipFill>
-          <p:spPr>
-            <a:xfrm>
-              <a:off x="6381752" y="2117035"/>
-              <a:ext cx="5666667" cy="2048436"/>
-            </a:xfrm>
-            <a:prstGeom prst="rect">
-              <a:avLst/>
-            </a:prstGeom>
-          </p:spPr>
-        </p:pic>
-        <p:pic>
-          <p:nvPicPr>
-            <p:cNvPr id="8" name="图片 7">
-              <a:extLst>
-                <a:ext uri="{FF2B5EF4-FFF2-40B4-BE49-F238E27FC236}">
-                  <a16:creationId xmlns:a16="http://schemas.microsoft.com/office/drawing/2014/main" id="{911FAFD4-6CB6-42BA-A314-8A4EAA31129B}"/>
-                </a:ext>
-              </a:extLst>
-            </p:cNvPr>
-            <p:cNvPicPr>
-              <a:picLocks noChangeAspect="1"/>
-            </p:cNvPicPr>
-            <p:nvPr/>
-          </p:nvPicPr>
-          <p:blipFill rotWithShape="1">
-            <a:blip r:embed="rId5"/>
-            <a:srcRect b="1569"/>
-            <a:stretch/>
-          </p:blipFill>
-          <p:spPr>
-            <a:xfrm>
-              <a:off x="6431448" y="1371038"/>
-              <a:ext cx="5647619" cy="815571"/>
-            </a:xfrm>
-            <a:prstGeom prst="rect">
-              <a:avLst/>
-            </a:prstGeom>
-          </p:spPr>
-        </p:pic>
-      </p:grpSp>
+          <a:prstGeom prst="rect">
+            <a:avLst/>
+          </a:prstGeom>
+          <a:noFill/>
+        </p:spPr>
+        <p:txBody>
+          <a:bodyPr wrap="square">
+            <a:spAutoFit/>
+          </a:bodyPr>
+          <a:lstStyle/>
+          <a:p>
+            <a:r>
+              <a:rPr lang="zh-CN" altLang="en-US" dirty="0">
+                <a:latin typeface="微软雅黑" panose="020B0503020204020204" pitchFamily="34" charset="-122"/>
+                <a:ea typeface="微软雅黑" panose="020B0503020204020204" pitchFamily="34" charset="-122"/>
+              </a:rPr>
+              <a:t>assuming-negative (AN) loss基于梯度的分析：</a:t>
+            </a:r>
+            <a:endParaRPr lang="en-US" altLang="zh-CN" sz="1800" dirty="0">
+              <a:latin typeface="微软雅黑" panose="020B0503020204020204" pitchFamily="34" charset="-122"/>
+              <a:ea typeface="微软雅黑" panose="020B0503020204020204" pitchFamily="34" charset="-122"/>
+            </a:endParaRPr>
+          </a:p>
+          <a:p>
+            <a:endParaRPr lang="zh-CN" altLang="en-US" dirty="0">
+              <a:latin typeface="微软雅黑" panose="020B0503020204020204" pitchFamily="34" charset="-122"/>
+              <a:ea typeface="微软雅黑" panose="020B0503020204020204" pitchFamily="34" charset="-122"/>
+            </a:endParaRPr>
+          </a:p>
+        </p:txBody>
+      </p:sp>
       <p:pic>
         <p:nvPicPr>
-          <p:cNvPr id="13" name="图片 12">
-            <a:extLst>
-              <a:ext uri="{FF2B5EF4-FFF2-40B4-BE49-F238E27FC236}">
-                <a16:creationId xmlns:a16="http://schemas.microsoft.com/office/drawing/2014/main" id="{7C7FFC33-B8C2-4358-8BC3-3F80F5D825F6}"/>
+          <p:cNvPr id="7" name="图片 6">
+            <a:extLst>
+              <a:ext uri="{FF2B5EF4-FFF2-40B4-BE49-F238E27FC236}">
+                <a16:creationId xmlns:a16="http://schemas.microsoft.com/office/drawing/2014/main" id="{B5EECBDD-E22E-4EE3-9D12-5D71F96CB872}"/>
               </a:ext>
             </a:extLst>
           </p:cNvPr>
@@ -7712,20 +8670,15 @@
           <p:nvPr/>
         </p:nvPicPr>
         <p:blipFill>
-          <a:blip r:embed="rId6">
-            <a:extLst>
-              <a:ext uri="{28A0092B-C50C-407E-A947-70E740481C1C}">
-                <a14:useLocalDpi xmlns:a14="http://schemas.microsoft.com/office/drawing/2010/main" val="0"/>
-              </a:ext>
-            </a:extLst>
-          </a:blip>
-          <a:srcRect/>
-          <a:stretch/>
+          <a:blip r:embed="rId3"/>
+          <a:stretch>
+            <a:fillRect/>
+          </a:stretch>
         </p:blipFill>
         <p:spPr>
           <a:xfrm>
-            <a:off x="7035768" y="4599435"/>
-            <a:ext cx="4737964" cy="624065"/>
+            <a:off x="242804" y="3374048"/>
+            <a:ext cx="5457143" cy="1542857"/>
           </a:xfrm>
           <a:prstGeom prst="rect">
             <a:avLst/>
@@ -7734,10 +8687,10 @@
       </p:pic>
       <p:pic>
         <p:nvPicPr>
-          <p:cNvPr id="5" name="图片 4">
-            <a:extLst>
-              <a:ext uri="{FF2B5EF4-FFF2-40B4-BE49-F238E27FC236}">
-                <a16:creationId xmlns:a16="http://schemas.microsoft.com/office/drawing/2014/main" id="{E7B28309-F3BC-4A9B-93D8-0CA9769BD292}"/>
+          <p:cNvPr id="10" name="图片 9">
+            <a:extLst>
+              <a:ext uri="{FF2B5EF4-FFF2-40B4-BE49-F238E27FC236}">
+                <a16:creationId xmlns:a16="http://schemas.microsoft.com/office/drawing/2014/main" id="{4C479A69-810A-4EC3-B591-63513C9A2C23}"/>
               </a:ext>
             </a:extLst>
           </p:cNvPr>
@@ -7747,20 +8700,15 @@
           <p:nvPr/>
         </p:nvPicPr>
         <p:blipFill>
-          <a:blip r:embed="rId7">
-            <a:extLst>
-              <a:ext uri="{28A0092B-C50C-407E-A947-70E740481C1C}">
-                <a14:useLocalDpi xmlns:a14="http://schemas.microsoft.com/office/drawing/2010/main" val="0"/>
-              </a:ext>
-            </a:extLst>
-          </a:blip>
-          <a:srcRect/>
-          <a:stretch/>
+          <a:blip r:embed="rId4"/>
+          <a:stretch>
+            <a:fillRect/>
+          </a:stretch>
         </p:blipFill>
         <p:spPr>
           <a:xfrm>
-            <a:off x="6474303" y="5523169"/>
-            <a:ext cx="5561905" cy="1003775"/>
+            <a:off x="6015480" y="2388985"/>
+            <a:ext cx="5454930" cy="4095961"/>
           </a:xfrm>
           <a:prstGeom prst="rect">
             <a:avLst/>
@@ -7770,7 +8718,7 @@
     </p:spTree>
     <p:extLst>
       <p:ext uri="{BB962C8B-B14F-4D97-AF65-F5344CB8AC3E}">
-        <p14:creationId xmlns:p14="http://schemas.microsoft.com/office/powerpoint/2010/main" val="3462022451"/>
+        <p14:creationId xmlns:p14="http://schemas.microsoft.com/office/powerpoint/2010/main" val="3571260515"/>
       </p:ext>
     </p:extLst>
   </p:cSld>
@@ -7865,7 +8813,7 @@
         </p:nvSpPr>
         <p:spPr>
           <a:xfrm>
-            <a:off x="324288" y="936608"/>
+            <a:off x="324288" y="738851"/>
             <a:ext cx="10956625" cy="523220"/>
           </a:xfrm>
           <a:prstGeom prst="rect">
@@ -7880,11 +8828,11 @@
           <a:lstStyle/>
           <a:p>
             <a:r>
-              <a:rPr lang="it-IT" altLang="zh-CN" sz="2800" b="1" dirty="0">
-                <a:latin typeface="微软雅黑" panose="020B0503020204020204" pitchFamily="34" charset="-122"/>
-                <a:ea typeface="微软雅黑" panose="020B0503020204020204" pitchFamily="34" charset="-122"/>
-              </a:rPr>
-              <a:t>1. Credible Label Elicitation</a:t>
+              <a:rPr lang="en-US" altLang="zh-CN" sz="2800" b="1" dirty="0">
+                <a:latin typeface="微软雅黑" panose="020B0503020204020204" pitchFamily="34" charset="-122"/>
+                <a:ea typeface="微软雅黑" panose="020B0503020204020204" pitchFamily="34" charset="-122"/>
+              </a:rPr>
+              <a:t>Loss Function</a:t>
             </a:r>
             <a:endParaRPr lang="it-IT" altLang="zh-CN" sz="2000" dirty="0">
               <a:latin typeface="微软雅黑" panose="020B0503020204020204" pitchFamily="34" charset="-122"/>
@@ -7893,80 +8841,254 @@
           </a:p>
         </p:txBody>
       </p:sp>
-      <p:pic>
-        <p:nvPicPr>
-          <p:cNvPr id="9" name="图片 8">
-            <a:extLst>
-              <a:ext uri="{FF2B5EF4-FFF2-40B4-BE49-F238E27FC236}">
-                <a16:creationId xmlns:a16="http://schemas.microsoft.com/office/drawing/2014/main" id="{AA025D67-AB87-4AA8-A3DE-6FF307D21BAF}"/>
-              </a:ext>
-            </a:extLst>
-          </p:cNvPr>
-          <p:cNvPicPr>
-            <a:picLocks noChangeAspect="1"/>
-          </p:cNvPicPr>
+      <p:sp>
+        <p:nvSpPr>
+          <p:cNvPr id="16" name="文本框 15">
+            <a:extLst>
+              <a:ext uri="{FF2B5EF4-FFF2-40B4-BE49-F238E27FC236}">
+                <a16:creationId xmlns:a16="http://schemas.microsoft.com/office/drawing/2014/main" id="{522AEEB2-2E21-45ED-9A70-C281B4E448DC}"/>
+              </a:ext>
+            </a:extLst>
+          </p:cNvPr>
+          <p:cNvSpPr txBox="1"/>
           <p:nvPr/>
-        </p:nvPicPr>
-        <p:blipFill>
-          <a:blip r:embed="rId3">
-            <a:extLst>
-              <a:ext uri="{28A0092B-C50C-407E-A947-70E740481C1C}">
-                <a14:useLocalDpi xmlns:a14="http://schemas.microsoft.com/office/drawing/2010/main" val="0"/>
-              </a:ext>
-            </a:extLst>
-          </a:blip>
-          <a:srcRect/>
-          <a:stretch/>
-        </p:blipFill>
+        </p:nvSpPr>
         <p:spPr>
           <a:xfrm>
-            <a:off x="511887" y="1663443"/>
-            <a:ext cx="5501559" cy="4723809"/>
+            <a:off x="897904" y="1774704"/>
+            <a:ext cx="10235152" cy="3416320"/>
           </a:xfrm>
           <a:prstGeom prst="rect">
             <a:avLst/>
           </a:prstGeom>
+          <a:noFill/>
         </p:spPr>
-      </p:pic>
-      <p:pic>
-        <p:nvPicPr>
-          <p:cNvPr id="14" name="图片 13">
-            <a:extLst>
-              <a:ext uri="{FF2B5EF4-FFF2-40B4-BE49-F238E27FC236}">
-                <a16:creationId xmlns:a16="http://schemas.microsoft.com/office/drawing/2014/main" id="{B11ABB7E-734C-43CF-9737-05CB98BB3C4A}"/>
-              </a:ext>
-            </a:extLst>
-          </p:cNvPr>
-          <p:cNvPicPr>
-            <a:picLocks noChangeAspect="1"/>
-          </p:cNvPicPr>
-          <p:nvPr/>
-        </p:nvPicPr>
-        <p:blipFill>
-          <a:blip r:embed="rId4">
-            <a:extLst>
-              <a:ext uri="{28A0092B-C50C-407E-A947-70E740481C1C}">
-                <a14:useLocalDpi xmlns:a14="http://schemas.microsoft.com/office/drawing/2010/main" val="0"/>
-              </a:ext>
-            </a:extLst>
-          </a:blip>
-          <a:srcRect/>
-          <a:stretch/>
-        </p:blipFill>
-        <p:spPr>
-          <a:xfrm>
-            <a:off x="6377961" y="2780702"/>
-            <a:ext cx="5638095" cy="1296594"/>
-          </a:xfrm>
-          <a:prstGeom prst="rect">
-            <a:avLst/>
-          </a:prstGeom>
-        </p:spPr>
-      </p:pic>
+        <p:txBody>
+          <a:bodyPr wrap="square">
+            <a:spAutoFit/>
+          </a:bodyPr>
+          <a:lstStyle/>
+          <a:p>
+            <a:r>
+              <a:rPr lang="zh-CN" altLang="en-US" dirty="0">
+                <a:latin typeface="微软雅黑" panose="020B0503020204020204" pitchFamily="34" charset="-122"/>
+                <a:ea typeface="微软雅黑" panose="020B0503020204020204" pitchFamily="34" charset="-122"/>
+              </a:rPr>
+              <a:t>assuming-negative (AN) loss </a:t>
+            </a:r>
+            <a:r>
+              <a:rPr lang="zh-CN" altLang="en-US" sz="1800" dirty="0">
+                <a:latin typeface="微软雅黑" panose="020B0503020204020204" pitchFamily="34" charset="-122"/>
+                <a:ea typeface="微软雅黑" panose="020B0503020204020204" pitchFamily="34" charset="-122"/>
+              </a:rPr>
+              <a:t>的缺陷：</a:t>
+            </a:r>
+            <a:endParaRPr lang="en-US" altLang="zh-CN" sz="1800" dirty="0">
+              <a:latin typeface="微软雅黑" panose="020B0503020204020204" pitchFamily="34" charset="-122"/>
+              <a:ea typeface="微软雅黑" panose="020B0503020204020204" pitchFamily="34" charset="-122"/>
+            </a:endParaRPr>
+          </a:p>
+          <a:p>
+            <a:endParaRPr lang="en-US" altLang="zh-CN" dirty="0">
+              <a:latin typeface="微软雅黑" panose="020B0503020204020204" pitchFamily="34" charset="-122"/>
+              <a:ea typeface="微软雅黑" panose="020B0503020204020204" pitchFamily="34" charset="-122"/>
+            </a:endParaRPr>
+          </a:p>
+          <a:p>
+            <a:pPr marL="285750" indent="-285750">
+              <a:buFont typeface="Arial" panose="020B0604020202020204" pitchFamily="34" charset="0"/>
+              <a:buChar char="•"/>
+            </a:pPr>
+            <a:r>
+              <a:rPr lang="zh-CN" altLang="en-US" sz="1800" dirty="0">
+                <a:latin typeface="微软雅黑" panose="020B0503020204020204" pitchFamily="34" charset="-122"/>
+                <a:ea typeface="微软雅黑" panose="020B0503020204020204" pitchFamily="34" charset="-122"/>
+              </a:rPr>
+              <a:t>假定负标签的支配效：假设的负标签比已注释的正标签多 </a:t>
+            </a:r>
+            <a:r>
+              <a:rPr lang="en-US" altLang="zh-CN" sz="1800" dirty="0">
+                <a:latin typeface="微软雅黑" panose="020B0503020204020204" pitchFamily="34" charset="-122"/>
+                <a:ea typeface="微软雅黑" panose="020B0503020204020204" pitchFamily="34" charset="-122"/>
+              </a:rPr>
+              <a:t>C-1 </a:t>
+            </a:r>
+            <a:r>
+              <a:rPr lang="zh-CN" altLang="en-US" sz="1800" dirty="0">
+                <a:latin typeface="微软雅黑" panose="020B0503020204020204" pitchFamily="34" charset="-122"/>
+                <a:ea typeface="微软雅黑" panose="020B0503020204020204" pitchFamily="34" charset="-122"/>
+              </a:rPr>
+              <a:t>倍。因此，受相同梯度机制的影响，模型训练将以假设的负标签为主，直到拟合良好，这阻碍了模型从已注释的正标签中学习；</a:t>
+            </a:r>
+            <a:endParaRPr lang="en-US" altLang="zh-CN" sz="1800" dirty="0">
+              <a:latin typeface="微软雅黑" panose="020B0503020204020204" pitchFamily="34" charset="-122"/>
+              <a:ea typeface="微软雅黑" panose="020B0503020204020204" pitchFamily="34" charset="-122"/>
+            </a:endParaRPr>
+          </a:p>
+          <a:p>
+            <a:pPr marL="285750" indent="-285750">
+              <a:buFont typeface="Arial" panose="020B0604020202020204" pitchFamily="34" charset="0"/>
+              <a:buChar char="•"/>
+            </a:pPr>
+            <a:endParaRPr lang="en-US" altLang="zh-CN" dirty="0">
+              <a:latin typeface="微软雅黑" panose="020B0503020204020204" pitchFamily="34" charset="-122"/>
+              <a:ea typeface="微软雅黑" panose="020B0503020204020204" pitchFamily="34" charset="-122"/>
+            </a:endParaRPr>
+          </a:p>
+          <a:p>
+            <a:pPr marL="285750" indent="-285750">
+              <a:buFont typeface="Arial" panose="020B0604020202020204" pitchFamily="34" charset="0"/>
+              <a:buChar char="•"/>
+            </a:pPr>
+            <a:r>
+              <a:rPr lang="zh-CN" altLang="en-US" sz="1800" dirty="0">
+                <a:latin typeface="微软雅黑" panose="020B0503020204020204" pitchFamily="34" charset="-122"/>
+                <a:ea typeface="微软雅黑" panose="020B0503020204020204" pitchFamily="34" charset="-122"/>
+              </a:rPr>
+              <a:t>引入了标签噪声</a:t>
+            </a:r>
+            <a:r>
+              <a:rPr lang="zh-CN" altLang="en-US" dirty="0">
+                <a:latin typeface="微软雅黑" panose="020B0503020204020204" pitchFamily="34" charset="-122"/>
+                <a:ea typeface="微软雅黑" panose="020B0503020204020204" pitchFamily="34" charset="-122"/>
+              </a:rPr>
+              <a:t>：</a:t>
+            </a:r>
+            <a:r>
+              <a:rPr lang="zh-CN" altLang="en-US" sz="1800" dirty="0">
+                <a:latin typeface="微软雅黑" panose="020B0503020204020204" pitchFamily="34" charset="-122"/>
+                <a:ea typeface="微软雅黑" panose="020B0503020204020204" pitchFamily="34" charset="-122"/>
+              </a:rPr>
+              <a:t>在</a:t>
+            </a:r>
+            <a:r>
+              <a:rPr lang="en-US" altLang="zh-CN" sz="1800" dirty="0">
+                <a:latin typeface="微软雅黑" panose="020B0503020204020204" pitchFamily="34" charset="-122"/>
+                <a:ea typeface="微软雅黑" panose="020B0503020204020204" pitchFamily="34" charset="-122"/>
+              </a:rPr>
+              <a:t>AN</a:t>
+            </a:r>
+            <a:r>
+              <a:rPr lang="zh-CN" altLang="en-US" sz="1800" dirty="0">
+                <a:latin typeface="微软雅黑" panose="020B0503020204020204" pitchFamily="34" charset="-122"/>
+                <a:ea typeface="微软雅黑" panose="020B0503020204020204" pitchFamily="34" charset="-122"/>
+              </a:rPr>
+              <a:t>损失中，正标签被错误地假设为负标签这种情况是不可避免的。由于梯度机制相同，虚假负标签和真实正标签会严重影响模型。</a:t>
+            </a:r>
+            <a:endParaRPr lang="en-US" altLang="zh-CN" sz="1800" dirty="0">
+              <a:latin typeface="微软雅黑" panose="020B0503020204020204" pitchFamily="34" charset="-122"/>
+              <a:ea typeface="微软雅黑" panose="020B0503020204020204" pitchFamily="34" charset="-122"/>
+            </a:endParaRPr>
+          </a:p>
+          <a:p>
+            <a:pPr marL="285750" indent="-285750">
+              <a:buFont typeface="Arial" panose="020B0604020202020204" pitchFamily="34" charset="0"/>
+              <a:buChar char="•"/>
+            </a:pPr>
+            <a:endParaRPr lang="en-US" altLang="zh-CN" dirty="0">
+              <a:latin typeface="微软雅黑" panose="020B0503020204020204" pitchFamily="34" charset="-122"/>
+              <a:ea typeface="微软雅黑" panose="020B0503020204020204" pitchFamily="34" charset="-122"/>
+            </a:endParaRPr>
+          </a:p>
+          <a:p>
+            <a:pPr marL="285750" indent="-285750">
+              <a:buFont typeface="Arial" panose="020B0604020202020204" pitchFamily="34" charset="0"/>
+              <a:buChar char="•"/>
+            </a:pPr>
+            <a:r>
+              <a:rPr lang="zh-CN" altLang="en-US" sz="1800" dirty="0">
+                <a:latin typeface="微软雅黑" panose="020B0503020204020204" pitchFamily="34" charset="-122"/>
+                <a:ea typeface="微软雅黑" panose="020B0503020204020204" pitchFamily="34" charset="-122"/>
+              </a:rPr>
+              <a:t>对自信（</a:t>
+            </a:r>
+            <a:r>
+              <a:rPr lang="en-US" altLang="zh-CN" sz="1800" dirty="0">
+                <a:latin typeface="微软雅黑" panose="020B0503020204020204" pitchFamily="34" charset="-122"/>
+                <a:ea typeface="微软雅黑" panose="020B0503020204020204" pitchFamily="34" charset="-122"/>
+              </a:rPr>
+              <a:t>confident</a:t>
+            </a:r>
+            <a:r>
+              <a:rPr lang="zh-CN" altLang="en-US" sz="1800" dirty="0">
+                <a:latin typeface="微软雅黑" panose="020B0503020204020204" pitchFamily="34" charset="-122"/>
+                <a:ea typeface="微软雅黑" panose="020B0503020204020204" pitchFamily="34" charset="-122"/>
+              </a:rPr>
+              <a:t>）的正标签预测</a:t>
+            </a:r>
+            <a:r>
+              <a:rPr lang="zh-CN" altLang="en-US" dirty="0">
+                <a:latin typeface="微软雅黑" panose="020B0503020204020204" pitchFamily="34" charset="-122"/>
+                <a:ea typeface="微软雅黑" panose="020B0503020204020204" pitchFamily="34" charset="-122"/>
+              </a:rPr>
+              <a:t>有</a:t>
+            </a:r>
+            <a:r>
+              <a:rPr lang="zh-CN" altLang="en-US" sz="1800" dirty="0">
+                <a:latin typeface="微软雅黑" panose="020B0503020204020204" pitchFamily="34" charset="-122"/>
+                <a:ea typeface="微软雅黑" panose="020B0503020204020204" pitchFamily="34" charset="-122"/>
+              </a:rPr>
+              <a:t>过度抑制：在训练过程中，模型可能会对一个假设的负标签输出一置信度很高的（</a:t>
+            </a:r>
+            <a:r>
+              <a:rPr lang="en-US" altLang="zh-CN" sz="1800" dirty="0">
+                <a:latin typeface="微软雅黑" panose="020B0503020204020204" pitchFamily="34" charset="-122"/>
+                <a:ea typeface="微软雅黑" panose="020B0503020204020204" pitchFamily="34" charset="-122"/>
+              </a:rPr>
+              <a:t>confident</a:t>
+            </a:r>
+            <a:r>
+              <a:rPr lang="zh-CN" altLang="en-US" sz="1800" dirty="0">
+                <a:latin typeface="微软雅黑" panose="020B0503020204020204" pitchFamily="34" charset="-122"/>
+                <a:ea typeface="微软雅黑" panose="020B0503020204020204" pitchFamily="34" charset="-122"/>
+              </a:rPr>
+              <a:t>）的正预测，而这个负标签可能是一个真实的正预测。然而</a:t>
+            </a:r>
+            <a:r>
+              <a:rPr lang="en-US" altLang="zh-CN" sz="1800" dirty="0">
+                <a:latin typeface="微软雅黑" panose="020B0503020204020204" pitchFamily="34" charset="-122"/>
+                <a:ea typeface="微软雅黑" panose="020B0503020204020204" pitchFamily="34" charset="-122"/>
+              </a:rPr>
+              <a:t>AN </a:t>
+            </a:r>
+            <a:r>
+              <a:rPr lang="zh-CN" altLang="en-US" sz="1800" dirty="0">
+                <a:latin typeface="微软雅黑" panose="020B0503020204020204" pitchFamily="34" charset="-122"/>
+                <a:ea typeface="微软雅黑" panose="020B0503020204020204" pitchFamily="34" charset="-122"/>
+              </a:rPr>
+              <a:t>损失将为它提供很大的梯度（见梯度图），旨在获得更小的 </a:t>
+            </a:r>
+            <a:r>
+              <a:rPr lang="en-US" altLang="zh-CN" sz="1800" dirty="0">
+                <a:latin typeface="微软雅黑" panose="020B0503020204020204" pitchFamily="34" charset="-122"/>
+                <a:ea typeface="微软雅黑" panose="020B0503020204020204" pitchFamily="34" charset="-122"/>
+              </a:rPr>
+              <a:t>logit</a:t>
+            </a:r>
+            <a:r>
+              <a:rPr lang="zh-CN" altLang="en-US" sz="1800" dirty="0">
+                <a:latin typeface="微软雅黑" panose="020B0503020204020204" pitchFamily="34" charset="-122"/>
+                <a:ea typeface="微软雅黑" panose="020B0503020204020204" pitchFamily="34" charset="-122"/>
+              </a:rPr>
+              <a:t>。</a:t>
+            </a:r>
+            <a:endParaRPr lang="en-US" altLang="zh-CN" sz="1800" dirty="0">
+              <a:latin typeface="微软雅黑" panose="020B0503020204020204" pitchFamily="34" charset="-122"/>
+              <a:ea typeface="微软雅黑" panose="020B0503020204020204" pitchFamily="34" charset="-122"/>
+            </a:endParaRPr>
+          </a:p>
+          <a:p>
+            <a:endParaRPr lang="zh-CN" altLang="en-US" dirty="0">
+              <a:latin typeface="微软雅黑" panose="020B0503020204020204" pitchFamily="34" charset="-122"/>
+              <a:ea typeface="微软雅黑" panose="020B0503020204020204" pitchFamily="34" charset="-122"/>
+            </a:endParaRPr>
+          </a:p>
+        </p:txBody>
+      </p:sp>
     </p:spTree>
     <p:extLst>
       <p:ext uri="{BB962C8B-B14F-4D97-AF65-F5344CB8AC3E}">
-        <p14:creationId xmlns:p14="http://schemas.microsoft.com/office/powerpoint/2010/main" val="357408437"/>
+        <p14:creationId xmlns:p14="http://schemas.microsoft.com/office/powerpoint/2010/main" val="3517164962"/>
       </p:ext>
     </p:extLst>
   </p:cSld>
@@ -8061,7 +9183,7 @@
         </p:nvSpPr>
         <p:spPr>
           <a:xfrm>
-            <a:off x="304410" y="688130"/>
+            <a:off x="324288" y="738851"/>
             <a:ext cx="10956625" cy="523220"/>
           </a:xfrm>
           <a:prstGeom prst="rect">
@@ -8076,11 +9198,11 @@
           <a:lstStyle/>
           <a:p>
             <a:r>
-              <a:rPr lang="it-IT" altLang="zh-CN" sz="2800" b="1" dirty="0">
-                <a:latin typeface="微软雅黑" panose="020B0503020204020204" pitchFamily="34" charset="-122"/>
-                <a:ea typeface="微软雅黑" panose="020B0503020204020204" pitchFamily="34" charset="-122"/>
-              </a:rPr>
-              <a:t>2. Predictive Model Induction</a:t>
+              <a:rPr lang="en-US" altLang="zh-CN" sz="2800" b="1" dirty="0">
+                <a:latin typeface="微软雅黑" panose="020B0503020204020204" pitchFamily="34" charset="-122"/>
+                <a:ea typeface="微软雅黑" panose="020B0503020204020204" pitchFamily="34" charset="-122"/>
+              </a:rPr>
+              <a:t>EM Loss</a:t>
             </a:r>
             <a:endParaRPr lang="it-IT" altLang="zh-CN" sz="2000" dirty="0">
               <a:latin typeface="微软雅黑" panose="020B0503020204020204" pitchFamily="34" charset="-122"/>
@@ -8089,12 +9211,92 @@
           </a:p>
         </p:txBody>
       </p:sp>
+      <p:sp>
+        <p:nvSpPr>
+          <p:cNvPr id="16" name="文本框 15">
+            <a:extLst>
+              <a:ext uri="{FF2B5EF4-FFF2-40B4-BE49-F238E27FC236}">
+                <a16:creationId xmlns:a16="http://schemas.microsoft.com/office/drawing/2014/main" id="{522AEEB2-2E21-45ED-9A70-C281B4E448DC}"/>
+              </a:ext>
+            </a:extLst>
+          </p:cNvPr>
+          <p:cNvSpPr txBox="1"/>
+          <p:nvPr/>
+        </p:nvSpPr>
+        <p:spPr>
+          <a:xfrm>
+            <a:off x="897903" y="1774704"/>
+            <a:ext cx="10609369" cy="646331"/>
+          </a:xfrm>
+          <a:prstGeom prst="rect">
+            <a:avLst/>
+          </a:prstGeom>
+          <a:noFill/>
+        </p:spPr>
+        <p:txBody>
+          <a:bodyPr wrap="square">
+            <a:spAutoFit/>
+          </a:bodyPr>
+          <a:lstStyle/>
+          <a:p>
+            <a:r>
+              <a:rPr lang="zh-CN" altLang="en-US" dirty="0">
+                <a:latin typeface="微软雅黑" panose="020B0503020204020204" pitchFamily="34" charset="-122"/>
+                <a:ea typeface="微软雅黑" panose="020B0503020204020204" pitchFamily="34" charset="-122"/>
+              </a:rPr>
+              <a:t>本文从另一个角度来看待未标记的标签，而不是假设它们是负的，即承认它们是未知的（</a:t>
+            </a:r>
+            <a:r>
+              <a:rPr lang="en-US" altLang="zh-CN" dirty="0">
+                <a:latin typeface="微软雅黑" panose="020B0503020204020204" pitchFamily="34" charset="-122"/>
+                <a:ea typeface="微软雅黑" panose="020B0503020204020204" pitchFamily="34" charset="-122"/>
+              </a:rPr>
+              <a:t>Unknown</a:t>
+            </a:r>
+            <a:r>
+              <a:rPr lang="zh-CN" altLang="en-US" dirty="0">
+                <a:latin typeface="微软雅黑" panose="020B0503020204020204" pitchFamily="34" charset="-122"/>
+                <a:ea typeface="微软雅黑" panose="020B0503020204020204" pitchFamily="34" charset="-122"/>
+              </a:rPr>
+              <a:t>）。并提出了</a:t>
+            </a:r>
+            <a:r>
+              <a:rPr lang="en-US" altLang="zh-CN" dirty="0">
+                <a:latin typeface="微软雅黑" panose="020B0503020204020204" pitchFamily="34" charset="-122"/>
+                <a:ea typeface="微软雅黑" panose="020B0503020204020204" pitchFamily="34" charset="-122"/>
+              </a:rPr>
+              <a:t>SPML</a:t>
+            </a:r>
+            <a:r>
+              <a:rPr lang="zh-CN" altLang="en-US" dirty="0">
+                <a:latin typeface="微软雅黑" panose="020B0503020204020204" pitchFamily="34" charset="-122"/>
+                <a:ea typeface="微软雅黑" panose="020B0503020204020204" pitchFamily="34" charset="-122"/>
+              </a:rPr>
+              <a:t>的熵最大化</a:t>
+            </a:r>
+            <a:r>
+              <a:rPr lang="en-US" altLang="zh-CN" dirty="0">
+                <a:latin typeface="微软雅黑" panose="020B0503020204020204" pitchFamily="34" charset="-122"/>
+                <a:ea typeface="微软雅黑" panose="020B0503020204020204" pitchFamily="34" charset="-122"/>
+              </a:rPr>
+              <a:t>(EM)</a:t>
+            </a:r>
+            <a:r>
+              <a:rPr lang="zh-CN" altLang="en-US" dirty="0">
+                <a:latin typeface="微软雅黑" panose="020B0503020204020204" pitchFamily="34" charset="-122"/>
+                <a:ea typeface="微软雅黑" panose="020B0503020204020204" pitchFamily="34" charset="-122"/>
+              </a:rPr>
+              <a:t>损失，定义为：</a:t>
+            </a:r>
+          </a:p>
+        </p:txBody>
+      </p:sp>
       <p:pic>
         <p:nvPicPr>
-          <p:cNvPr id="7" name="图片 6">
-            <a:extLst>
-              <a:ext uri="{FF2B5EF4-FFF2-40B4-BE49-F238E27FC236}">
-                <a16:creationId xmlns:a16="http://schemas.microsoft.com/office/drawing/2014/main" id="{C5627346-6C8B-4046-A5AB-2A67AFD32C72}"/>
+          <p:cNvPr id="5" name="图片 4">
+            <a:extLst>
+              <a:ext uri="{FF2B5EF4-FFF2-40B4-BE49-F238E27FC236}">
+                <a16:creationId xmlns:a16="http://schemas.microsoft.com/office/drawing/2014/main" id="{258E6CD7-F084-409E-A0B5-8B6DEDA31E38}"/>
               </a:ext>
             </a:extLst>
           </p:cNvPr>
@@ -8104,32 +9306,57 @@
           <p:nvPr/>
         </p:nvPicPr>
         <p:blipFill>
-          <a:blip r:embed="rId3">
-            <a:extLst>
-              <a:ext uri="{28A0092B-C50C-407E-A947-70E740481C1C}">
-                <a14:useLocalDpi xmlns:a14="http://schemas.microsoft.com/office/drawing/2010/main" val="0"/>
-              </a:ext>
-            </a:extLst>
-          </a:blip>
-          <a:srcRect/>
-          <a:stretch/>
+          <a:blip r:embed="rId3"/>
+          <a:stretch>
+            <a:fillRect/>
+          </a:stretch>
         </p:blipFill>
         <p:spPr>
           <a:xfrm>
-            <a:off x="4517880" y="1211350"/>
-            <a:ext cx="5615674" cy="5533333"/>
+            <a:off x="2057192" y="2527286"/>
+            <a:ext cx="8077615" cy="1479626"/>
           </a:xfrm>
           <a:prstGeom prst="rect">
             <a:avLst/>
           </a:prstGeom>
         </p:spPr>
       </p:pic>
-      <p:sp>
-        <p:nvSpPr>
-          <p:cNvPr id="14" name="文本框 13">
-            <a:extLst>
-              <a:ext uri="{FF2B5EF4-FFF2-40B4-BE49-F238E27FC236}">
-                <a16:creationId xmlns:a16="http://schemas.microsoft.com/office/drawing/2014/main" id="{038C6B73-89A2-4C9B-B030-A5AD3FDAD22C}"/>
+      <p:pic>
+        <p:nvPicPr>
+          <p:cNvPr id="7" name="图片 6">
+            <a:extLst>
+              <a:ext uri="{FF2B5EF4-FFF2-40B4-BE49-F238E27FC236}">
+                <a16:creationId xmlns:a16="http://schemas.microsoft.com/office/drawing/2014/main" id="{46D65D9D-0B2F-48E1-A6F5-31B9D84C4CD2}"/>
+              </a:ext>
+            </a:extLst>
+          </p:cNvPr>
+          <p:cNvPicPr>
+            <a:picLocks noChangeAspect="1"/>
+          </p:cNvPicPr>
+          <p:nvPr/>
+        </p:nvPicPr>
+        <p:blipFill>
+          <a:blip r:embed="rId4"/>
+          <a:stretch>
+            <a:fillRect/>
+          </a:stretch>
+        </p:blipFill>
+        <p:spPr>
+          <a:xfrm>
+            <a:off x="1904157" y="4295297"/>
+            <a:ext cx="8838095" cy="1171429"/>
+          </a:xfrm>
+          <a:prstGeom prst="rect">
+            <a:avLst/>
+          </a:prstGeom>
+        </p:spPr>
+      </p:pic>
+      <p:sp>
+        <p:nvSpPr>
+          <p:cNvPr id="9" name="文本框 8">
+            <a:extLst>
+              <a:ext uri="{FF2B5EF4-FFF2-40B4-BE49-F238E27FC236}">
+                <a16:creationId xmlns:a16="http://schemas.microsoft.com/office/drawing/2014/main" id="{D2641C40-8E28-4A37-9D0C-7D687A26AB93}"/>
               </a:ext>
             </a:extLst>
           </p:cNvPr>
@@ -8138,8 +9365,8 @@
         </p:nvSpPr>
         <p:spPr>
           <a:xfrm>
-            <a:off x="708126" y="3419061"/>
-            <a:ext cx="3351971" cy="400110"/>
+            <a:off x="3275741" y="3943886"/>
+            <a:ext cx="6094926" cy="338554"/>
           </a:xfrm>
           <a:prstGeom prst="rect">
             <a:avLst/>
@@ -8153,19 +9380,34 @@
           <a:lstStyle/>
           <a:p>
             <a:r>
-              <a:rPr lang="zh-CN" altLang="en-US" sz="2000" i="1" dirty="0">
-                <a:latin typeface="微软雅黑" panose="020B0503020204020204" pitchFamily="34" charset="-122"/>
-                <a:ea typeface="微软雅黑" panose="020B0503020204020204" pitchFamily="34" charset="-122"/>
-              </a:rPr>
-              <a:t>Pairwise label ranking</a:t>
-            </a:r>
+              <a:rPr lang="zh-CN" altLang="en-US" sz="1600" dirty="0">
+                <a:latin typeface="微软雅黑" panose="020B0503020204020204" pitchFamily="34" charset="-122"/>
+                <a:ea typeface="微软雅黑" panose="020B0503020204020204" pitchFamily="34" charset="-122"/>
+              </a:rPr>
+              <a:t>其中</a:t>
+            </a:r>
+            <a:r>
+              <a:rPr lang="en-US" altLang="zh-CN" sz="1600" dirty="0">
+                <a:latin typeface="微软雅黑" panose="020B0503020204020204" pitchFamily="34" charset="-122"/>
+                <a:ea typeface="微软雅黑" panose="020B0503020204020204" pitchFamily="34" charset="-122"/>
+              </a:rPr>
+              <a:t>α</a:t>
+            </a:r>
+            <a:r>
+              <a:rPr lang="zh-CN" altLang="en-US" sz="1600" dirty="0">
+                <a:latin typeface="微软雅黑" panose="020B0503020204020204" pitchFamily="34" charset="-122"/>
+                <a:ea typeface="微软雅黑" panose="020B0503020204020204" pitchFamily="34" charset="-122"/>
+              </a:rPr>
+              <a:t>是一个超参数，用于降权熵最大化的强度</a:t>
+            </a:r>
+            <a:endParaRPr lang="zh-CN" altLang="en-US" sz="1600" dirty="0"/>
           </a:p>
         </p:txBody>
       </p:sp>
     </p:spTree>
     <p:extLst>
       <p:ext uri="{BB962C8B-B14F-4D97-AF65-F5344CB8AC3E}">
-        <p14:creationId xmlns:p14="http://schemas.microsoft.com/office/powerpoint/2010/main" val="2693308510"/>
+        <p14:creationId xmlns:p14="http://schemas.microsoft.com/office/powerpoint/2010/main" val="3227659447"/>
       </p:ext>
     </p:extLst>
   </p:cSld>
@@ -8260,7 +9502,7 @@
         </p:nvSpPr>
         <p:spPr>
           <a:xfrm>
-            <a:off x="304410" y="688130"/>
+            <a:off x="324288" y="738851"/>
             <a:ext cx="10956625" cy="523220"/>
           </a:xfrm>
           <a:prstGeom prst="rect">
@@ -8275,11 +9517,11 @@
           <a:lstStyle/>
           <a:p>
             <a:r>
-              <a:rPr lang="it-IT" altLang="zh-CN" sz="2800" b="1" dirty="0">
-                <a:latin typeface="微软雅黑" panose="020B0503020204020204" pitchFamily="34" charset="-122"/>
-                <a:ea typeface="微软雅黑" panose="020B0503020204020204" pitchFamily="34" charset="-122"/>
-              </a:rPr>
-              <a:t>2.1. Virtual Label Splitting</a:t>
+              <a:rPr lang="en-US" altLang="zh-CN" sz="2800" b="1" dirty="0">
+                <a:latin typeface="微软雅黑" panose="020B0503020204020204" pitchFamily="34" charset="-122"/>
+                <a:ea typeface="微软雅黑" panose="020B0503020204020204" pitchFamily="34" charset="-122"/>
+              </a:rPr>
+              <a:t>EM Loss</a:t>
             </a:r>
             <a:endParaRPr lang="it-IT" altLang="zh-CN" sz="2000" dirty="0">
               <a:latin typeface="微软雅黑" panose="020B0503020204020204" pitchFamily="34" charset="-122"/>
@@ -8288,12 +9530,96 @@
           </a:p>
         </p:txBody>
       </p:sp>
+      <p:sp>
+        <p:nvSpPr>
+          <p:cNvPr id="3" name="文本框 2">
+            <a:extLst>
+              <a:ext uri="{FF2B5EF4-FFF2-40B4-BE49-F238E27FC236}">
+                <a16:creationId xmlns:a16="http://schemas.microsoft.com/office/drawing/2014/main" id="{7E4CD9D6-FD58-4C9B-8BA6-5F0CD6F0F4E7}"/>
+              </a:ext>
+            </a:extLst>
+          </p:cNvPr>
+          <p:cNvSpPr txBox="1"/>
+          <p:nvPr/>
+        </p:nvSpPr>
+        <p:spPr>
+          <a:xfrm>
+            <a:off x="931052" y="5997671"/>
+            <a:ext cx="9912959" cy="584775"/>
+          </a:xfrm>
+          <a:prstGeom prst="rect">
+            <a:avLst/>
+          </a:prstGeom>
+          <a:noFill/>
+        </p:spPr>
+        <p:txBody>
+          <a:bodyPr wrap="square" rtlCol="0">
+            <a:spAutoFit/>
+          </a:bodyPr>
+          <a:lstStyle/>
+          <a:p>
+            <a:r>
+              <a:rPr lang="zh-CN" altLang="en-US" sz="1600" dirty="0">
+                <a:latin typeface="微软雅黑" panose="020B0503020204020204" pitchFamily="34" charset="-122"/>
+                <a:ea typeface="微软雅黑" panose="020B0503020204020204" pitchFamily="34" charset="-122"/>
+              </a:rPr>
+              <a:t>这表明，对于已注释的正标签，</a:t>
+            </a:r>
+            <a:r>
+              <a:rPr lang="en-US" altLang="zh-CN" sz="1600" dirty="0">
+                <a:latin typeface="微软雅黑" panose="020B0503020204020204" pitchFamily="34" charset="-122"/>
+                <a:ea typeface="微软雅黑" panose="020B0503020204020204" pitchFamily="34" charset="-122"/>
+              </a:rPr>
+              <a:t>EM</a:t>
+            </a:r>
+            <a:r>
+              <a:rPr lang="zh-CN" altLang="en-US" sz="1600" dirty="0">
+                <a:latin typeface="微软雅黑" panose="020B0503020204020204" pitchFamily="34" charset="-122"/>
+                <a:ea typeface="微软雅黑" panose="020B0503020204020204" pitchFamily="34" charset="-122"/>
+              </a:rPr>
+              <a:t>损失使用与</a:t>
+            </a:r>
+            <a:r>
+              <a:rPr lang="en-US" altLang="zh-CN" sz="1600" dirty="0">
+                <a:latin typeface="微软雅黑" panose="020B0503020204020204" pitchFamily="34" charset="-122"/>
+                <a:ea typeface="微软雅黑" panose="020B0503020204020204" pitchFamily="34" charset="-122"/>
+              </a:rPr>
+              <a:t>AN</a:t>
+            </a:r>
+            <a:r>
+              <a:rPr lang="zh-CN" altLang="en-US" sz="1600" dirty="0">
+                <a:latin typeface="微软雅黑" panose="020B0503020204020204" pitchFamily="34" charset="-122"/>
+                <a:ea typeface="微软雅黑" panose="020B0503020204020204" pitchFamily="34" charset="-122"/>
+              </a:rPr>
+              <a:t>损失相同的梯度机制，而对于未注释的标签，</a:t>
+            </a:r>
+            <a:r>
+              <a:rPr lang="en-US" altLang="zh-CN" sz="1600" dirty="0">
+                <a:latin typeface="微软雅黑" panose="020B0503020204020204" pitchFamily="34" charset="-122"/>
+                <a:ea typeface="微软雅黑" panose="020B0503020204020204" pitchFamily="34" charset="-122"/>
+              </a:rPr>
+              <a:t>EM</a:t>
+            </a:r>
+            <a:r>
+              <a:rPr lang="zh-CN" altLang="en-US" sz="1600" dirty="0">
+                <a:latin typeface="微软雅黑" panose="020B0503020204020204" pitchFamily="34" charset="-122"/>
+                <a:ea typeface="微软雅黑" panose="020B0503020204020204" pitchFamily="34" charset="-122"/>
+              </a:rPr>
+              <a:t>损失采用完全不同的梯度机制。</a:t>
+            </a:r>
+            <a:endParaRPr lang="en-US" altLang="zh-CN" sz="1600" dirty="0">
+              <a:latin typeface="微软雅黑" panose="020B0503020204020204" pitchFamily="34" charset="-122"/>
+              <a:ea typeface="微软雅黑" panose="020B0503020204020204" pitchFamily="34" charset="-122"/>
+            </a:endParaRPr>
+          </a:p>
+        </p:txBody>
+      </p:sp>
       <p:pic>
         <p:nvPicPr>
-          <p:cNvPr id="5" name="图片 4">
-            <a:extLst>
-              <a:ext uri="{FF2B5EF4-FFF2-40B4-BE49-F238E27FC236}">
-                <a16:creationId xmlns:a16="http://schemas.microsoft.com/office/drawing/2014/main" id="{AE56127E-49B0-4719-8A5C-BAED43FE9759}"/>
+          <p:cNvPr id="7" name="图片 6">
+            <a:extLst>
+              <a:ext uri="{FF2B5EF4-FFF2-40B4-BE49-F238E27FC236}">
+                <a16:creationId xmlns:a16="http://schemas.microsoft.com/office/drawing/2014/main" id="{B5EECBDD-E22E-4EE3-9D12-5D71F96CB872}"/>
               </a:ext>
             </a:extLst>
           </p:cNvPr>
@@ -8303,20 +9629,45 @@
           <p:nvPr/>
         </p:nvPicPr>
         <p:blipFill>
-          <a:blip r:embed="rId3">
-            <a:extLst>
-              <a:ext uri="{28A0092B-C50C-407E-A947-70E740481C1C}">
-                <a14:useLocalDpi xmlns:a14="http://schemas.microsoft.com/office/drawing/2010/main" val="0"/>
-              </a:ext>
-            </a:extLst>
-          </a:blip>
-          <a:srcRect/>
-          <a:stretch/>
+          <a:blip r:embed="rId3"/>
+          <a:stretch>
+            <a:fillRect/>
+          </a:stretch>
         </p:blipFill>
         <p:spPr>
           <a:xfrm>
-            <a:off x="324892" y="2049740"/>
-            <a:ext cx="5635226" cy="3542857"/>
+            <a:off x="531807" y="1965410"/>
+            <a:ext cx="5457143" cy="1542857"/>
+          </a:xfrm>
+          <a:prstGeom prst="rect">
+            <a:avLst/>
+          </a:prstGeom>
+        </p:spPr>
+      </p:pic>
+      <p:pic>
+        <p:nvPicPr>
+          <p:cNvPr id="10" name="图片 9">
+            <a:extLst>
+              <a:ext uri="{FF2B5EF4-FFF2-40B4-BE49-F238E27FC236}">
+                <a16:creationId xmlns:a16="http://schemas.microsoft.com/office/drawing/2014/main" id="{4C479A69-810A-4EC3-B591-63513C9A2C23}"/>
+              </a:ext>
+            </a:extLst>
+          </p:cNvPr>
+          <p:cNvPicPr>
+            <a:picLocks noChangeAspect="1"/>
+          </p:cNvPicPr>
+          <p:nvPr/>
+        </p:nvPicPr>
+        <p:blipFill>
+          <a:blip r:embed="rId4"/>
+          <a:stretch>
+            <a:fillRect/>
+          </a:stretch>
+        </p:blipFill>
+        <p:spPr>
+          <a:xfrm>
+            <a:off x="6256986" y="1529184"/>
+            <a:ext cx="5454930" cy="4095961"/>
           </a:xfrm>
           <a:prstGeom prst="rect">
             <a:avLst/>
@@ -8328,7 +9679,7 @@
           <p:cNvPr id="8" name="图片 7">
             <a:extLst>
               <a:ext uri="{FF2B5EF4-FFF2-40B4-BE49-F238E27FC236}">
-                <a16:creationId xmlns:a16="http://schemas.microsoft.com/office/drawing/2014/main" id="{543820BB-5DCA-4ECB-BE46-56F1376BA335}"/>
+                <a16:creationId xmlns:a16="http://schemas.microsoft.com/office/drawing/2014/main" id="{347AF330-9ED0-4D2A-97E1-5FA32F9A67B6}"/>
               </a:ext>
             </a:extLst>
           </p:cNvPr>
@@ -8337,31 +9688,115 @@
           </p:cNvPicPr>
           <p:nvPr/>
         </p:nvPicPr>
-        <p:blipFill>
-          <a:blip r:embed="rId4">
-            <a:extLst>
-              <a:ext uri="{28A0092B-C50C-407E-A947-70E740481C1C}">
-                <a14:useLocalDpi xmlns:a14="http://schemas.microsoft.com/office/drawing/2010/main" val="0"/>
-              </a:ext>
-            </a:extLst>
-          </a:blip>
-          <a:srcRect/>
+        <p:blipFill rotWithShape="1">
+          <a:blip r:embed="rId5"/>
+          <a:srcRect r="19538"/>
           <a:stretch/>
         </p:blipFill>
         <p:spPr>
           <a:xfrm>
-            <a:off x="6096000" y="845694"/>
-            <a:ext cx="5742857" cy="5586755"/>
+            <a:off x="375803" y="3959178"/>
+            <a:ext cx="5881183" cy="1587582"/>
           </a:xfrm>
           <a:prstGeom prst="rect">
             <a:avLst/>
           </a:prstGeom>
         </p:spPr>
       </p:pic>
+      <p:sp>
+        <p:nvSpPr>
+          <p:cNvPr id="9" name="文本框 8">
+            <a:extLst>
+              <a:ext uri="{FF2B5EF4-FFF2-40B4-BE49-F238E27FC236}">
+                <a16:creationId xmlns:a16="http://schemas.microsoft.com/office/drawing/2014/main" id="{DE9A96FF-4B57-4760-B5C4-521B5264CF54}"/>
+              </a:ext>
+            </a:extLst>
+          </p:cNvPr>
+          <p:cNvSpPr txBox="1"/>
+          <p:nvPr/>
+        </p:nvSpPr>
+        <p:spPr>
+          <a:xfrm>
+            <a:off x="531807" y="1664301"/>
+            <a:ext cx="1787342" cy="369332"/>
+          </a:xfrm>
+          <a:prstGeom prst="rect">
+            <a:avLst/>
+          </a:prstGeom>
+          <a:noFill/>
+        </p:spPr>
+        <p:txBody>
+          <a:bodyPr wrap="square">
+            <a:spAutoFit/>
+          </a:bodyPr>
+          <a:lstStyle/>
+          <a:p>
+            <a:r>
+              <a:rPr lang="en-US" altLang="zh-CN" dirty="0">
+                <a:latin typeface="微软雅黑" panose="020B0503020204020204" pitchFamily="34" charset="-122"/>
+                <a:ea typeface="微软雅黑" panose="020B0503020204020204" pitchFamily="34" charset="-122"/>
+              </a:rPr>
+              <a:t>AN Loss </a:t>
+            </a:r>
+            <a:r>
+              <a:rPr lang="zh-CN" altLang="en-US" dirty="0">
+                <a:latin typeface="微软雅黑" panose="020B0503020204020204" pitchFamily="34" charset="-122"/>
+                <a:ea typeface="微软雅黑" panose="020B0503020204020204" pitchFamily="34" charset="-122"/>
+              </a:rPr>
+              <a:t>梯度</a:t>
+            </a:r>
+          </a:p>
+        </p:txBody>
+      </p:sp>
+      <p:sp>
+        <p:nvSpPr>
+          <p:cNvPr id="11" name="文本框 10">
+            <a:extLst>
+              <a:ext uri="{FF2B5EF4-FFF2-40B4-BE49-F238E27FC236}">
+                <a16:creationId xmlns:a16="http://schemas.microsoft.com/office/drawing/2014/main" id="{82EB1403-35B4-417B-861F-1678994EE40F}"/>
+              </a:ext>
+            </a:extLst>
+          </p:cNvPr>
+          <p:cNvSpPr txBox="1"/>
+          <p:nvPr/>
+        </p:nvSpPr>
+        <p:spPr>
+          <a:xfrm>
+            <a:off x="531807" y="3577732"/>
+            <a:ext cx="1787342" cy="369332"/>
+          </a:xfrm>
+          <a:prstGeom prst="rect">
+            <a:avLst/>
+          </a:prstGeom>
+          <a:noFill/>
+        </p:spPr>
+        <p:txBody>
+          <a:bodyPr wrap="square">
+            <a:spAutoFit/>
+          </a:bodyPr>
+          <a:lstStyle/>
+          <a:p>
+            <a:r>
+              <a:rPr lang="en-US" altLang="zh-CN" dirty="0">
+                <a:latin typeface="微软雅黑" panose="020B0503020204020204" pitchFamily="34" charset="-122"/>
+                <a:ea typeface="微软雅黑" panose="020B0503020204020204" pitchFamily="34" charset="-122"/>
+              </a:rPr>
+              <a:t>EM Loss </a:t>
+            </a:r>
+            <a:r>
+              <a:rPr lang="zh-CN" altLang="en-US" dirty="0">
+                <a:latin typeface="微软雅黑" panose="020B0503020204020204" pitchFamily="34" charset="-122"/>
+                <a:ea typeface="微软雅黑" panose="020B0503020204020204" pitchFamily="34" charset="-122"/>
+              </a:rPr>
+              <a:t>梯度</a:t>
+            </a:r>
+          </a:p>
+        </p:txBody>
+      </p:sp>
     </p:spTree>
     <p:extLst>
       <p:ext uri="{BB962C8B-B14F-4D97-AF65-F5344CB8AC3E}">
-        <p14:creationId xmlns:p14="http://schemas.microsoft.com/office/powerpoint/2010/main" val="4046192260"/>
+        <p14:creationId xmlns:p14="http://schemas.microsoft.com/office/powerpoint/2010/main" val="1223159216"/>
       </p:ext>
     </p:extLst>
   </p:cSld>
@@ -8417,7 +9852,7 @@
           <a:lstStyle/>
           <a:p>
             <a:r>
-              <a:rPr lang="en-US" altLang="zh-CN" sz="1400">
+              <a:rPr lang="en-US" altLang="zh-CN" sz="1400" dirty="0">
                 <a:solidFill>
                   <a:schemeClr val="tx1">
                     <a:lumMod val="50000"/>
@@ -8456,7 +9891,7 @@
         </p:nvSpPr>
         <p:spPr>
           <a:xfrm>
-            <a:off x="304410" y="688130"/>
+            <a:off x="324288" y="738851"/>
             <a:ext cx="10956625" cy="523220"/>
           </a:xfrm>
           <a:prstGeom prst="rect">
@@ -8471,11 +9906,11 @@
           <a:lstStyle/>
           <a:p>
             <a:r>
-              <a:rPr lang="it-IT" altLang="zh-CN" sz="2800" b="1" dirty="0">
-                <a:latin typeface="微软雅黑" panose="020B0503020204020204" pitchFamily="34" charset="-122"/>
-                <a:ea typeface="微软雅黑" panose="020B0503020204020204" pitchFamily="34" charset="-122"/>
-              </a:rPr>
-              <a:t>2.2. MAP Reasoning</a:t>
+              <a:rPr lang="en-US" altLang="zh-CN" sz="2800" b="1" dirty="0">
+                <a:latin typeface="微软雅黑" panose="020B0503020204020204" pitchFamily="34" charset="-122"/>
+                <a:ea typeface="微软雅黑" panose="020B0503020204020204" pitchFamily="34" charset="-122"/>
+              </a:rPr>
+              <a:t>EM Loss</a:t>
             </a:r>
             <a:endParaRPr lang="it-IT" altLang="zh-CN" sz="2000" dirty="0">
               <a:latin typeface="微软雅黑" panose="020B0503020204020204" pitchFamily="34" charset="-122"/>
@@ -8484,12 +9919,215 @@
           </a:p>
         </p:txBody>
       </p:sp>
+      <p:sp>
+        <p:nvSpPr>
+          <p:cNvPr id="11" name="文本框 10">
+            <a:extLst>
+              <a:ext uri="{FF2B5EF4-FFF2-40B4-BE49-F238E27FC236}">
+                <a16:creationId xmlns:a16="http://schemas.microsoft.com/office/drawing/2014/main" id="{7FAC079A-47D0-4E44-B566-F8DBCC94307B}"/>
+              </a:ext>
+            </a:extLst>
+          </p:cNvPr>
+          <p:cNvSpPr txBox="1"/>
+          <p:nvPr/>
+        </p:nvSpPr>
+        <p:spPr>
+          <a:xfrm>
+            <a:off x="645553" y="1308098"/>
+            <a:ext cx="9966637" cy="2120902"/>
+          </a:xfrm>
+          <a:prstGeom prst="rect">
+            <a:avLst/>
+          </a:prstGeom>
+          <a:noFill/>
+        </p:spPr>
+        <p:txBody>
+          <a:bodyPr wrap="square">
+            <a:spAutoFit/>
+          </a:bodyPr>
+          <a:lstStyle/>
+          <a:p>
+            <a:pPr>
+              <a:lnSpc>
+                <a:spcPct val="150000"/>
+              </a:lnSpc>
+            </a:pPr>
+            <a:r>
+              <a:rPr lang="zh-CN" altLang="en-US" sz="1800" dirty="0">
+                <a:latin typeface="微软雅黑" panose="020B0503020204020204" pitchFamily="34" charset="-122"/>
+                <a:ea typeface="微软雅黑" panose="020B0503020204020204" pitchFamily="34" charset="-122"/>
+              </a:rPr>
+              <a:t>与</a:t>
+            </a:r>
+            <a:r>
+              <a:rPr lang="en-US" altLang="zh-CN" sz="1800" dirty="0">
+                <a:latin typeface="微软雅黑" panose="020B0503020204020204" pitchFamily="34" charset="-122"/>
+                <a:ea typeface="微软雅黑" panose="020B0503020204020204" pitchFamily="34" charset="-122"/>
+              </a:rPr>
+              <a:t>AN</a:t>
+            </a:r>
+            <a:r>
+              <a:rPr lang="zh-CN" altLang="en-US" sz="1800" dirty="0">
+                <a:latin typeface="微软雅黑" panose="020B0503020204020204" pitchFamily="34" charset="-122"/>
+                <a:ea typeface="微软雅黑" panose="020B0503020204020204" pitchFamily="34" charset="-122"/>
+              </a:rPr>
+              <a:t>损失相比，</a:t>
+            </a:r>
+            <a:r>
+              <a:rPr lang="en-US" altLang="zh-CN" sz="1800" dirty="0">
+                <a:latin typeface="微软雅黑" panose="020B0503020204020204" pitchFamily="34" charset="-122"/>
+                <a:ea typeface="微软雅黑" panose="020B0503020204020204" pitchFamily="34" charset="-122"/>
+              </a:rPr>
+              <a:t>EM</a:t>
+            </a:r>
+            <a:r>
+              <a:rPr lang="zh-CN" altLang="en-US" sz="1800" dirty="0">
+                <a:latin typeface="微软雅黑" panose="020B0503020204020204" pitchFamily="34" charset="-122"/>
+                <a:ea typeface="微软雅黑" panose="020B0503020204020204" pitchFamily="34" charset="-122"/>
+              </a:rPr>
+              <a:t>损失的特殊梯度制度可以导致以下有益的训练行为：</a:t>
+            </a:r>
+            <a:endParaRPr lang="en-US" altLang="zh-CN" dirty="0">
+              <a:latin typeface="微软雅黑" panose="020B0503020204020204" pitchFamily="34" charset="-122"/>
+              <a:ea typeface="微软雅黑" panose="020B0503020204020204" pitchFamily="34" charset="-122"/>
+            </a:endParaRPr>
+          </a:p>
+          <a:p>
+            <a:pPr marL="342900" indent="-342900">
+              <a:lnSpc>
+                <a:spcPct val="150000"/>
+              </a:lnSpc>
+              <a:buFont typeface="+mj-lt"/>
+              <a:buAutoNum type="arabicPeriod"/>
+            </a:pPr>
+            <a:r>
+              <a:rPr lang="zh-CN" altLang="en-US" dirty="0">
+                <a:latin typeface="微软雅黑" panose="020B0503020204020204" pitchFamily="34" charset="-122"/>
+                <a:ea typeface="微软雅黑" panose="020B0503020204020204" pitchFamily="34" charset="-122"/>
+              </a:rPr>
+              <a:t>优先从已注释的标签进行学习：在早期的训练中，模型在得到良好的训练之前会产生模糊的预测，预测概率将接近</a:t>
+            </a:r>
+            <a:r>
+              <a:rPr lang="en-US" altLang="zh-CN" dirty="0">
+                <a:latin typeface="微软雅黑" panose="020B0503020204020204" pitchFamily="34" charset="-122"/>
+                <a:ea typeface="微软雅黑" panose="020B0503020204020204" pitchFamily="34" charset="-122"/>
+              </a:rPr>
+              <a:t>0.5 (</a:t>
+            </a:r>
+            <a:r>
+              <a:rPr lang="zh-CN" altLang="en-US" dirty="0">
+                <a:latin typeface="微软雅黑" panose="020B0503020204020204" pitchFamily="34" charset="-122"/>
+                <a:ea typeface="微软雅黑" panose="020B0503020204020204" pitchFamily="34" charset="-122"/>
+              </a:rPr>
+              <a:t>即输出</a:t>
+            </a:r>
+            <a:r>
+              <a:rPr lang="en-US" altLang="zh-CN" dirty="0">
+                <a:latin typeface="微软雅黑" panose="020B0503020204020204" pitchFamily="34" charset="-122"/>
+                <a:ea typeface="微软雅黑" panose="020B0503020204020204" pitchFamily="34" charset="-122"/>
+              </a:rPr>
+              <a:t>logits</a:t>
+            </a:r>
+            <a:r>
+              <a:rPr lang="zh-CN" altLang="en-US" dirty="0">
+                <a:latin typeface="微软雅黑" panose="020B0503020204020204" pitchFamily="34" charset="-122"/>
+                <a:ea typeface="微软雅黑" panose="020B0503020204020204" pitchFamily="34" charset="-122"/>
+              </a:rPr>
+              <a:t>接近</a:t>
+            </a:r>
+            <a:r>
+              <a:rPr lang="en-US" altLang="zh-CN" dirty="0">
+                <a:latin typeface="微软雅黑" panose="020B0503020204020204" pitchFamily="34" charset="-122"/>
+                <a:ea typeface="微软雅黑" panose="020B0503020204020204" pitchFamily="34" charset="-122"/>
+              </a:rPr>
+              <a:t> 0)</a:t>
+            </a:r>
+            <a:r>
+              <a:rPr lang="zh-CN" altLang="en-US" dirty="0">
+                <a:latin typeface="微软雅黑" panose="020B0503020204020204" pitchFamily="34" charset="-122"/>
+                <a:ea typeface="微软雅黑" panose="020B0503020204020204" pitchFamily="34" charset="-122"/>
+              </a:rPr>
+              <a:t>。此时，梯度   </a:t>
+            </a:r>
+            <a:r>
+              <a:rPr lang="en-US" altLang="zh-CN" dirty="0">
+                <a:latin typeface="微软雅黑" panose="020B0503020204020204" pitchFamily="34" charset="-122"/>
+                <a:ea typeface="微软雅黑" panose="020B0503020204020204" pitchFamily="34" charset="-122"/>
+              </a:rPr>
+              <a:t>     </a:t>
+            </a:r>
+            <a:r>
+              <a:rPr lang="zh-CN" altLang="en-US" dirty="0">
+                <a:latin typeface="微软雅黑" panose="020B0503020204020204" pitchFamily="34" charset="-122"/>
+                <a:ea typeface="微软雅黑" panose="020B0503020204020204" pitchFamily="34" charset="-122"/>
+              </a:rPr>
+              <a:t>将相对较大（</a:t>
+            </a:r>
+            <a:r>
+              <a:rPr lang="en-US" altLang="zh-CN" dirty="0">
+                <a:latin typeface="微软雅黑" panose="020B0503020204020204" pitchFamily="34" charset="-122"/>
+                <a:ea typeface="微软雅黑" panose="020B0503020204020204" pitchFamily="34" charset="-122"/>
+              </a:rPr>
+              <a:t>      </a:t>
+            </a:r>
+            <a:r>
+              <a:rPr lang="zh-CN" altLang="en-US" dirty="0">
+                <a:latin typeface="微软雅黑" panose="020B0503020204020204" pitchFamily="34" charset="-122"/>
+                <a:ea typeface="微软雅黑" panose="020B0503020204020204" pitchFamily="34" charset="-122"/>
+              </a:rPr>
+              <a:t>则相对较小），导致模型优先从带注释的正标签学习</a:t>
+            </a:r>
+            <a:r>
+              <a:rPr lang="en-US" altLang="zh-CN" dirty="0">
+                <a:latin typeface="微软雅黑" panose="020B0503020204020204" pitchFamily="34" charset="-122"/>
+                <a:ea typeface="微软雅黑" panose="020B0503020204020204" pitchFamily="34" charset="-122"/>
+              </a:rPr>
+              <a:t>(</a:t>
+            </a:r>
+            <a:r>
+              <a:rPr lang="zh-CN" altLang="en-US" dirty="0">
+                <a:latin typeface="微软雅黑" panose="020B0503020204020204" pitchFamily="34" charset="-122"/>
+                <a:ea typeface="微软雅黑" panose="020B0503020204020204" pitchFamily="34" charset="-122"/>
+              </a:rPr>
+              <a:t>如下图</a:t>
+            </a:r>
+            <a:r>
+              <a:rPr lang="en-US" altLang="zh-CN" dirty="0">
+                <a:latin typeface="微软雅黑" panose="020B0503020204020204" pitchFamily="34" charset="-122"/>
+                <a:ea typeface="微软雅黑" panose="020B0503020204020204" pitchFamily="34" charset="-122"/>
+              </a:rPr>
+              <a:t>)</a:t>
+            </a:r>
+            <a:r>
+              <a:rPr lang="zh-CN" altLang="en-US" dirty="0">
+                <a:latin typeface="微软雅黑" panose="020B0503020204020204" pitchFamily="34" charset="-122"/>
+                <a:ea typeface="微软雅黑" panose="020B0503020204020204" pitchFamily="34" charset="-122"/>
+              </a:rPr>
+              <a:t>。与简单地降低       的权重不同，</a:t>
+            </a:r>
+            <a:r>
+              <a:rPr lang="en-US" altLang="zh-CN" dirty="0">
+                <a:latin typeface="微软雅黑" panose="020B0503020204020204" pitchFamily="34" charset="-122"/>
+                <a:ea typeface="微软雅黑" panose="020B0503020204020204" pitchFamily="34" charset="-122"/>
+              </a:rPr>
+              <a:t>EM</a:t>
+            </a:r>
+            <a:r>
+              <a:rPr lang="zh-CN" altLang="en-US" dirty="0">
+                <a:latin typeface="微软雅黑" panose="020B0503020204020204" pitchFamily="34" charset="-122"/>
+                <a:ea typeface="微软雅黑" panose="020B0503020204020204" pitchFamily="34" charset="-122"/>
+              </a:rPr>
+              <a:t>损失倾向于使未注释标签的预测保持模糊，因此能够在整个训练过程中为它们提供小的梯度。</a:t>
+            </a:r>
+          </a:p>
+        </p:txBody>
+      </p:sp>
       <p:pic>
         <p:nvPicPr>
-          <p:cNvPr id="9" name="图片 8">
-            <a:extLst>
-              <a:ext uri="{FF2B5EF4-FFF2-40B4-BE49-F238E27FC236}">
-                <a16:creationId xmlns:a16="http://schemas.microsoft.com/office/drawing/2014/main" id="{33AFC5AD-E5D6-45BF-9D4D-468E5D7EE2E2}"/>
+          <p:cNvPr id="8" name="图片 7">
+            <a:extLst>
+              <a:ext uri="{FF2B5EF4-FFF2-40B4-BE49-F238E27FC236}">
+                <a16:creationId xmlns:a16="http://schemas.microsoft.com/office/drawing/2014/main" id="{AAC05C41-2E0D-4515-A855-695293AB0CBC}"/>
               </a:ext>
             </a:extLst>
           </p:cNvPr>
@@ -8499,20 +10137,403 @@
           <p:nvPr/>
         </p:nvPicPr>
         <p:blipFill>
-          <a:blip r:embed="rId3">
-            <a:extLst>
-              <a:ext uri="{28A0092B-C50C-407E-A947-70E740481C1C}">
-                <a14:useLocalDpi xmlns:a14="http://schemas.microsoft.com/office/drawing/2010/main" val="0"/>
-              </a:ext>
-            </a:extLst>
-          </a:blip>
-          <a:srcRect/>
+          <a:blip r:embed="rId3"/>
+          <a:stretch>
+            <a:fillRect/>
+          </a:stretch>
+        </p:blipFill>
+        <p:spPr>
+          <a:xfrm>
+            <a:off x="7055148" y="2249559"/>
+            <a:ext cx="414594" cy="342918"/>
+          </a:xfrm>
+          <a:prstGeom prst="rect">
+            <a:avLst/>
+          </a:prstGeom>
+        </p:spPr>
+      </p:pic>
+      <p:pic>
+        <p:nvPicPr>
+          <p:cNvPr id="13" name="图片 12">
+            <a:extLst>
+              <a:ext uri="{FF2B5EF4-FFF2-40B4-BE49-F238E27FC236}">
+                <a16:creationId xmlns:a16="http://schemas.microsoft.com/office/drawing/2014/main" id="{A27B5B9D-A28B-48D2-A88D-75615D15AEAC}"/>
+              </a:ext>
+            </a:extLst>
+          </p:cNvPr>
+          <p:cNvPicPr>
+            <a:picLocks noChangeAspect="1"/>
+          </p:cNvPicPr>
+          <p:nvPr/>
+        </p:nvPicPr>
+        <p:blipFill rotWithShape="1">
+          <a:blip r:embed="rId4"/>
+          <a:srcRect l="1" r="7610"/>
           <a:stretch/>
         </p:blipFill>
         <p:spPr>
           <a:xfrm>
-            <a:off x="3023876" y="1427742"/>
-            <a:ext cx="5735762" cy="4885714"/>
+            <a:off x="8953534" y="2267243"/>
+            <a:ext cx="357892" cy="330217"/>
+          </a:xfrm>
+          <a:prstGeom prst="rect">
+            <a:avLst/>
+          </a:prstGeom>
+        </p:spPr>
+      </p:pic>
+      <p:pic>
+        <p:nvPicPr>
+          <p:cNvPr id="15" name="图片 14">
+            <a:extLst>
+              <a:ext uri="{FF2B5EF4-FFF2-40B4-BE49-F238E27FC236}">
+                <a16:creationId xmlns:a16="http://schemas.microsoft.com/office/drawing/2014/main" id="{26609E0A-765C-4FBA-B32C-AAE8D39DF3DA}"/>
+              </a:ext>
+            </a:extLst>
+          </p:cNvPr>
+          <p:cNvPicPr>
+            <a:picLocks noChangeAspect="1"/>
+          </p:cNvPicPr>
+          <p:nvPr/>
+        </p:nvPicPr>
+        <p:blipFill>
+          <a:blip r:embed="rId5"/>
+          <a:stretch>
+            <a:fillRect/>
+          </a:stretch>
+        </p:blipFill>
+        <p:spPr>
+          <a:xfrm>
+            <a:off x="1061937" y="3442000"/>
+            <a:ext cx="3993022" cy="3250257"/>
+          </a:xfrm>
+          <a:prstGeom prst="rect">
+            <a:avLst/>
+          </a:prstGeom>
+        </p:spPr>
+      </p:pic>
+      <mc:AlternateContent xmlns:mc="http://schemas.openxmlformats.org/markup-compatibility/2006" xmlns:a14="http://schemas.microsoft.com/office/drawing/2010/main">
+        <mc:Choice Requires="a14">
+          <p:sp>
+            <p:nvSpPr>
+              <p:cNvPr id="18" name="文本框 17">
+                <a:extLst>
+                  <a:ext uri="{FF2B5EF4-FFF2-40B4-BE49-F238E27FC236}">
+                    <a16:creationId xmlns:a16="http://schemas.microsoft.com/office/drawing/2014/main" id="{23B17A54-2718-4BA8-B5BE-0D818831E720}"/>
+                  </a:ext>
+                </a:extLst>
+              </p:cNvPr>
+              <p:cNvSpPr txBox="1"/>
+              <p:nvPr/>
+            </p:nvSpPr>
+            <p:spPr>
+              <a:xfrm>
+                <a:off x="5185987" y="4626572"/>
+                <a:ext cx="6094926" cy="923330"/>
+              </a:xfrm>
+              <a:prstGeom prst="rect">
+                <a:avLst/>
+              </a:prstGeom>
+              <a:noFill/>
+            </p:spPr>
+            <p:txBody>
+              <a:bodyPr wrap="square">
+                <a:spAutoFit/>
+              </a:bodyPr>
+              <a:lstStyle/>
+              <a:p>
+                <a:r>
+                  <a:rPr lang="zh-CN" altLang="en-US" b="0" i="0" dirty="0">
+                    <a:solidFill>
+                      <a:srgbClr val="1D2129"/>
+                    </a:solidFill>
+                    <a:effectLst/>
+                    <a:latin typeface="PingFangSC-Regular"/>
+                  </a:rPr>
+                  <a:t>在用</a:t>
+                </a:r>
+                <a:r>
+                  <a:rPr lang="en-US" altLang="zh-CN" b="0" i="0" dirty="0">
+                    <a:solidFill>
+                      <a:srgbClr val="1D2129"/>
+                    </a:solidFill>
+                    <a:effectLst/>
+                    <a:latin typeface="PingFangSC-Regular"/>
+                  </a:rPr>
+                  <a:t>AN</a:t>
+                </a:r>
+                <a:r>
+                  <a:rPr lang="zh-CN" altLang="en-US" b="0" i="0" dirty="0">
+                    <a:solidFill>
+                      <a:srgbClr val="1D2129"/>
+                    </a:solidFill>
+                    <a:effectLst/>
+                    <a:latin typeface="PingFangSC-Regular"/>
+                  </a:rPr>
+                  <a:t>和</a:t>
+                </a:r>
+                <a:r>
+                  <a:rPr lang="en-US" altLang="zh-CN" b="0" i="0" dirty="0">
+                    <a:solidFill>
+                      <a:srgbClr val="1D2129"/>
+                    </a:solidFill>
+                    <a:effectLst/>
+                    <a:latin typeface="PingFangSC-Regular"/>
+                  </a:rPr>
+                  <a:t>EM</a:t>
+                </a:r>
+                <a:r>
+                  <a:rPr lang="zh-CN" altLang="en-US" b="0" i="0" dirty="0">
+                    <a:solidFill>
+                      <a:srgbClr val="1D2129"/>
+                    </a:solidFill>
+                    <a:effectLst/>
+                    <a:latin typeface="PingFangSC-Regular"/>
+                  </a:rPr>
+                  <a:t>损失训练的模型中，</a:t>
+                </a:r>
+                <a:r>
+                  <a:rPr lang="en-US" altLang="zh-CN" b="0" i="0" dirty="0">
+                    <a:solidFill>
+                      <a:srgbClr val="1D2129"/>
+                    </a:solidFill>
+                    <a:effectLst/>
+                    <a:latin typeface="PingFangSC-Regular"/>
+                  </a:rPr>
+                  <a:t>VOC</a:t>
+                </a:r>
+                <a:r>
+                  <a:rPr lang="zh-CN" altLang="en-US" b="0" i="0" dirty="0">
+                    <a:solidFill>
+                      <a:srgbClr val="1D2129"/>
+                    </a:solidFill>
+                    <a:effectLst/>
+                    <a:latin typeface="PingFangSC-Regular"/>
+                  </a:rPr>
+                  <a:t>上已标注的正标签</a:t>
+                </a:r>
+                <a:r>
+                  <a:rPr lang="en-US" altLang="zh-CN" b="0" i="0" dirty="0">
+                    <a:solidFill>
+                      <a:srgbClr val="1D2129"/>
+                    </a:solidFill>
+                    <a:effectLst/>
+                    <a:latin typeface="PingFangSC-Regular"/>
+                  </a:rPr>
+                  <a:t>(</a:t>
+                </a:r>
+                <a:r>
+                  <a:rPr lang="zh-CN" altLang="en-US" b="0" i="0" dirty="0">
+                    <a:solidFill>
+                      <a:srgbClr val="1D2129"/>
+                    </a:solidFill>
+                    <a:effectLst/>
+                    <a:latin typeface="PingFangSC-Regular"/>
+                  </a:rPr>
+                  <a:t>即</a:t>
+                </a:r>
+                <a14:m>
+                  <m:oMath xmlns:m="http://schemas.openxmlformats.org/officeDocument/2006/math">
+                    <m:sSub>
+                      <m:sSubPr>
+                        <m:ctrlPr>
+                          <a:rPr lang="en-US" altLang="zh-CN" b="0" i="1" dirty="0" smtClean="0">
+                            <a:solidFill>
+                              <a:srgbClr val="1D2129"/>
+                            </a:solidFill>
+                            <a:effectLst/>
+                            <a:latin typeface="Cambria Math" panose="02040503050406030204" pitchFamily="18" charset="0"/>
+                          </a:rPr>
+                        </m:ctrlPr>
+                      </m:sSubPr>
+                      <m:e>
+                        <m:r>
+                          <a:rPr lang="en-US" altLang="zh-CN" b="0" i="1" dirty="0" smtClean="0">
+                            <a:solidFill>
+                              <a:srgbClr val="1D2129"/>
+                            </a:solidFill>
+                            <a:effectLst/>
+                            <a:latin typeface="Cambria Math" panose="02040503050406030204" pitchFamily="18" charset="0"/>
+                          </a:rPr>
+                          <m:t>𝐿</m:t>
+                        </m:r>
+                      </m:e>
+                      <m:sub>
+                        <m:r>
+                          <a:rPr lang="en-US" altLang="zh-CN" b="0" i="1" dirty="0" smtClean="0">
+                            <a:solidFill>
+                              <a:srgbClr val="1D2129"/>
+                            </a:solidFill>
+                            <a:effectLst/>
+                            <a:latin typeface="Cambria Math" panose="02040503050406030204" pitchFamily="18" charset="0"/>
+                          </a:rPr>
+                          <m:t>+</m:t>
+                        </m:r>
+                      </m:sub>
+                    </m:sSub>
+                    <m:r>
+                      <a:rPr lang="en-US" altLang="zh-CN" b="0" i="1" dirty="0" smtClean="0">
+                        <a:solidFill>
+                          <a:srgbClr val="1D2129"/>
+                        </a:solidFill>
+                        <a:effectLst/>
+                        <a:latin typeface="Cambria Math" panose="02040503050406030204" pitchFamily="18" charset="0"/>
+                      </a:rPr>
+                      <m:t>)</m:t>
+                    </m:r>
+                  </m:oMath>
+                </a14:m>
+                <a:r>
+                  <a:rPr lang="zh-CN" altLang="en-US" b="0" i="0" dirty="0">
+                    <a:solidFill>
+                      <a:srgbClr val="1D2129"/>
+                    </a:solidFill>
+                    <a:effectLst/>
+                    <a:latin typeface="PingFangSC-Regular"/>
+                  </a:rPr>
+                  <a:t>的训练损失。</a:t>
+                </a:r>
+                <a:r>
+                  <a:rPr lang="en-US" altLang="zh-CN" b="0" i="0" dirty="0">
+                    <a:solidFill>
+                      <a:srgbClr val="1D2129"/>
+                    </a:solidFill>
+                    <a:effectLst/>
+                    <a:latin typeface="PingFangSC-Regular"/>
+                  </a:rPr>
+                  <a:t>AN</a:t>
+                </a:r>
+                <a:r>
+                  <a:rPr lang="zh-CN" altLang="en-US" b="0" i="0" dirty="0">
+                    <a:solidFill>
+                      <a:srgbClr val="1D2129"/>
+                    </a:solidFill>
+                    <a:effectLst/>
+                    <a:latin typeface="PingFangSC-Regular"/>
+                  </a:rPr>
+                  <a:t>损失的</a:t>
+                </a:r>
+                <a14:m>
+                  <m:oMath xmlns:m="http://schemas.openxmlformats.org/officeDocument/2006/math">
+                    <m:sSub>
+                      <m:sSubPr>
+                        <m:ctrlPr>
+                          <a:rPr lang="en-US" altLang="zh-CN" i="1" dirty="0">
+                            <a:solidFill>
+                              <a:srgbClr val="1D2129"/>
+                            </a:solidFill>
+                            <a:latin typeface="Cambria Math" panose="02040503050406030204" pitchFamily="18" charset="0"/>
+                          </a:rPr>
+                        </m:ctrlPr>
+                      </m:sSubPr>
+                      <m:e>
+                        <m:r>
+                          <a:rPr lang="en-US" altLang="zh-CN" i="1" dirty="0">
+                            <a:solidFill>
+                              <a:srgbClr val="1D2129"/>
+                            </a:solidFill>
+                            <a:latin typeface="Cambria Math" panose="02040503050406030204" pitchFamily="18" charset="0"/>
+                          </a:rPr>
+                          <m:t>𝐿</m:t>
+                        </m:r>
+                      </m:e>
+                      <m:sub>
+                        <m:r>
+                          <a:rPr lang="en-US" altLang="zh-CN" i="1" dirty="0">
+                            <a:solidFill>
+                              <a:srgbClr val="1D2129"/>
+                            </a:solidFill>
+                            <a:latin typeface="Cambria Math" panose="02040503050406030204" pitchFamily="18" charset="0"/>
+                          </a:rPr>
+                          <m:t>+</m:t>
+                        </m:r>
+                      </m:sub>
+                    </m:sSub>
+                  </m:oMath>
+                </a14:m>
+                <a:r>
+                  <a:rPr lang="zh-CN" altLang="en-US" b="0" i="0" dirty="0">
+                    <a:solidFill>
+                      <a:srgbClr val="1D2129"/>
+                    </a:solidFill>
+                    <a:effectLst/>
+                    <a:latin typeface="PingFangSC-Regular"/>
+                  </a:rPr>
+                  <a:t>更不稳定，并且会在早期训练中增加。</a:t>
+                </a:r>
+                <a:endParaRPr lang="zh-CN" altLang="en-US" dirty="0"/>
+              </a:p>
+            </p:txBody>
+          </p:sp>
+        </mc:Choice>
+        <mc:Fallback xmlns="">
+          <p:sp>
+            <p:nvSpPr>
+              <p:cNvPr id="18" name="文本框 17">
+                <a:extLst>
+                  <a:ext uri="{FF2B5EF4-FFF2-40B4-BE49-F238E27FC236}">
+                    <a16:creationId xmlns:a16="http://schemas.microsoft.com/office/drawing/2014/main" id="{23B17A54-2718-4BA8-B5BE-0D818831E720}"/>
+                  </a:ext>
+                </a:extLst>
+              </p:cNvPr>
+              <p:cNvSpPr txBox="1">
+                <a:spLocks noRot="1" noChangeAspect="1" noMove="1" noResize="1" noEditPoints="1" noAdjustHandles="1" noChangeArrowheads="1" noChangeShapeType="1" noTextEdit="1"/>
+              </p:cNvSpPr>
+              <p:nvPr/>
+            </p:nvSpPr>
+            <p:spPr>
+              <a:xfrm>
+                <a:off x="5185987" y="4626572"/>
+                <a:ext cx="6094926" cy="923330"/>
+              </a:xfrm>
+              <a:prstGeom prst="rect">
+                <a:avLst/>
+              </a:prstGeom>
+              <a:blipFill>
+                <a:blip r:embed="rId6"/>
+                <a:stretch>
+                  <a:fillRect l="-900" t="-3974" r="-800" b="-9934"/>
+                </a:stretch>
+              </a:blipFill>
+            </p:spPr>
+            <p:txBody>
+              <a:bodyPr/>
+              <a:lstStyle/>
+              <a:p>
+                <a:r>
+                  <a:rPr lang="zh-CN" altLang="en-US">
+                    <a:noFill/>
+                  </a:rPr>
+                  <a:t> </a:t>
+                </a:r>
+              </a:p>
+            </p:txBody>
+          </p:sp>
+        </mc:Fallback>
+      </mc:AlternateContent>
+      <p:pic>
+        <p:nvPicPr>
+          <p:cNvPr id="20" name="图片 19">
+            <a:extLst>
+              <a:ext uri="{FF2B5EF4-FFF2-40B4-BE49-F238E27FC236}">
+                <a16:creationId xmlns:a16="http://schemas.microsoft.com/office/drawing/2014/main" id="{C940150F-FCF5-4990-8D50-8EF6EAE586D8}"/>
+              </a:ext>
+            </a:extLst>
+          </p:cNvPr>
+          <p:cNvPicPr>
+            <a:picLocks noChangeAspect="1"/>
+          </p:cNvPicPr>
+          <p:nvPr/>
+        </p:nvPicPr>
+        <p:blipFill>
+          <a:blip r:embed="rId7"/>
+          <a:stretch>
+            <a:fillRect/>
+          </a:stretch>
+        </p:blipFill>
+        <p:spPr>
+          <a:xfrm>
+            <a:off x="7907620" y="2681941"/>
+            <a:ext cx="387370" cy="304816"/>
           </a:xfrm>
           <a:prstGeom prst="rect">
             <a:avLst/>
@@ -8522,7 +10543,7 @@
     </p:spTree>
     <p:extLst>
       <p:ext uri="{BB962C8B-B14F-4D97-AF65-F5344CB8AC3E}">
-        <p14:creationId xmlns:p14="http://schemas.microsoft.com/office/powerpoint/2010/main" val="236417111"/>
+        <p14:creationId xmlns:p14="http://schemas.microsoft.com/office/powerpoint/2010/main" val="2385633626"/>
       </p:ext>
     </p:extLst>
   </p:cSld>
